--- a/2022/June_Batch/5Javascript/others/new-version/4javascript - DOM.pptx
+++ b/2022/June_Batch/5Javascript/others/new-version/4javascript - DOM.pptx
@@ -11,18 +11,49 @@
     <p:sldId id="292" r:id="rId5"/>
     <p:sldId id="295" r:id="rId6"/>
     <p:sldId id="297" r:id="rId7"/>
-    <p:sldId id="294" r:id="rId8"/>
-    <p:sldId id="308" r:id="rId9"/>
-    <p:sldId id="309" r:id="rId10"/>
-    <p:sldId id="298" r:id="rId11"/>
-    <p:sldId id="310" r:id="rId12"/>
-    <p:sldId id="311" r:id="rId13"/>
-    <p:sldId id="312" r:id="rId14"/>
-    <p:sldId id="313" r:id="rId15"/>
-    <p:sldId id="314" r:id="rId16"/>
-    <p:sldId id="315" r:id="rId17"/>
-    <p:sldId id="392" r:id="rId18"/>
-    <p:sldId id="393" r:id="rId19"/>
+    <p:sldId id="394" r:id="rId8"/>
+    <p:sldId id="395" r:id="rId9"/>
+    <p:sldId id="396" r:id="rId10"/>
+    <p:sldId id="397" r:id="rId11"/>
+    <p:sldId id="398" r:id="rId12"/>
+    <p:sldId id="294" r:id="rId13"/>
+    <p:sldId id="308" r:id="rId14"/>
+    <p:sldId id="309" r:id="rId15"/>
+    <p:sldId id="414" r:id="rId16"/>
+    <p:sldId id="415" r:id="rId17"/>
+    <p:sldId id="416" r:id="rId18"/>
+    <p:sldId id="417" r:id="rId19"/>
+    <p:sldId id="418" r:id="rId20"/>
+    <p:sldId id="419" r:id="rId21"/>
+    <p:sldId id="420" r:id="rId22"/>
+    <p:sldId id="298" r:id="rId23"/>
+    <p:sldId id="310" r:id="rId24"/>
+    <p:sldId id="311" r:id="rId25"/>
+    <p:sldId id="312" r:id="rId26"/>
+    <p:sldId id="313" r:id="rId27"/>
+    <p:sldId id="314" r:id="rId28"/>
+    <p:sldId id="315" r:id="rId29"/>
+    <p:sldId id="400" r:id="rId30"/>
+    <p:sldId id="401" r:id="rId31"/>
+    <p:sldId id="402" r:id="rId32"/>
+    <p:sldId id="403" r:id="rId33"/>
+    <p:sldId id="404" r:id="rId34"/>
+    <p:sldId id="405" r:id="rId35"/>
+    <p:sldId id="406" r:id="rId36"/>
+    <p:sldId id="407" r:id="rId37"/>
+    <p:sldId id="408" r:id="rId38"/>
+    <p:sldId id="409" r:id="rId39"/>
+    <p:sldId id="410" r:id="rId40"/>
+    <p:sldId id="411" r:id="rId41"/>
+    <p:sldId id="412" r:id="rId42"/>
+    <p:sldId id="413" r:id="rId43"/>
+    <p:sldId id="421" r:id="rId44"/>
+    <p:sldId id="422" r:id="rId45"/>
+    <p:sldId id="423" r:id="rId46"/>
+    <p:sldId id="399" r:id="rId47"/>
+    <p:sldId id="392" r:id="rId48"/>
+    <p:sldId id="393" r:id="rId49"/>
+    <p:sldId id="424" r:id="rId50"/>
   </p:sldIdLst>
   <p:sldSz cx="12192000" cy="6858000"/>
   <p:notesSz cx="6858000" cy="9144000"/>
@@ -272,7 +303,7 @@
             <a:fld id="{7FCC5AE5-E495-4913-B643-A95A6AFABB00}" type="datetimeFigureOut">
               <a:rPr kumimoji="1" lang="ja-JP" altLang="en-US" smtClean="0"/>
               <a:pPr/>
-              <a:t>2022/7/21</a:t>
+              <a:t>2022/7/29</a:t>
             </a:fld>
             <a:endParaRPr kumimoji="1" lang="ja-JP" altLang="en-US"/>
           </a:p>
@@ -444,7 +475,7 @@
             <a:fld id="{7FCC5AE5-E495-4913-B643-A95A6AFABB00}" type="datetimeFigureOut">
               <a:rPr kumimoji="1" lang="ja-JP" altLang="en-US" smtClean="0"/>
               <a:pPr/>
-              <a:t>2022/7/21</a:t>
+              <a:t>2022/7/29</a:t>
             </a:fld>
             <a:endParaRPr kumimoji="1" lang="ja-JP" altLang="en-US"/>
           </a:p>
@@ -626,7 +657,7 @@
             <a:fld id="{7FCC5AE5-E495-4913-B643-A95A6AFABB00}" type="datetimeFigureOut">
               <a:rPr kumimoji="1" lang="ja-JP" altLang="en-US" smtClean="0"/>
               <a:pPr/>
-              <a:t>2022/7/21</a:t>
+              <a:t>2022/7/29</a:t>
             </a:fld>
             <a:endParaRPr kumimoji="1" lang="ja-JP" altLang="en-US"/>
           </a:p>
@@ -798,7 +829,7 @@
             <a:fld id="{7FCC5AE5-E495-4913-B643-A95A6AFABB00}" type="datetimeFigureOut">
               <a:rPr kumimoji="1" lang="ja-JP" altLang="en-US" smtClean="0"/>
               <a:pPr/>
-              <a:t>2022/7/21</a:t>
+              <a:t>2022/7/29</a:t>
             </a:fld>
             <a:endParaRPr kumimoji="1" lang="ja-JP" altLang="en-US"/>
           </a:p>
@@ -1046,7 +1077,7 @@
             <a:fld id="{7FCC5AE5-E495-4913-B643-A95A6AFABB00}" type="datetimeFigureOut">
               <a:rPr kumimoji="1" lang="ja-JP" altLang="en-US" smtClean="0"/>
               <a:pPr/>
-              <a:t>2022/7/21</a:t>
+              <a:t>2022/7/29</a:t>
             </a:fld>
             <a:endParaRPr kumimoji="1" lang="ja-JP" altLang="en-US"/>
           </a:p>
@@ -1280,7 +1311,7 @@
             <a:fld id="{7FCC5AE5-E495-4913-B643-A95A6AFABB00}" type="datetimeFigureOut">
               <a:rPr kumimoji="1" lang="ja-JP" altLang="en-US" smtClean="0"/>
               <a:pPr/>
-              <a:t>2022/7/21</a:t>
+              <a:t>2022/7/29</a:t>
             </a:fld>
             <a:endParaRPr kumimoji="1" lang="ja-JP" altLang="en-US"/>
           </a:p>
@@ -1649,7 +1680,7 @@
             <a:fld id="{7FCC5AE5-E495-4913-B643-A95A6AFABB00}" type="datetimeFigureOut">
               <a:rPr kumimoji="1" lang="ja-JP" altLang="en-US" smtClean="0"/>
               <a:pPr/>
-              <a:t>2022/7/21</a:t>
+              <a:t>2022/7/29</a:t>
             </a:fld>
             <a:endParaRPr kumimoji="1" lang="ja-JP" altLang="en-US"/>
           </a:p>
@@ -1769,7 +1800,7 @@
             <a:fld id="{7FCC5AE5-E495-4913-B643-A95A6AFABB00}" type="datetimeFigureOut">
               <a:rPr kumimoji="1" lang="ja-JP" altLang="en-US" smtClean="0"/>
               <a:pPr/>
-              <a:t>2022/7/21</a:t>
+              <a:t>2022/7/29</a:t>
             </a:fld>
             <a:endParaRPr kumimoji="1" lang="ja-JP" altLang="en-US"/>
           </a:p>
@@ -1866,7 +1897,7 @@
             <a:fld id="{7FCC5AE5-E495-4913-B643-A95A6AFABB00}" type="datetimeFigureOut">
               <a:rPr kumimoji="1" lang="ja-JP" altLang="en-US" smtClean="0"/>
               <a:pPr/>
-              <a:t>2022/7/21</a:t>
+              <a:t>2022/7/29</a:t>
             </a:fld>
             <a:endParaRPr kumimoji="1" lang="ja-JP" altLang="en-US"/>
           </a:p>
@@ -2145,7 +2176,7 @@
             <a:fld id="{7FCC5AE5-E495-4913-B643-A95A6AFABB00}" type="datetimeFigureOut">
               <a:rPr kumimoji="1" lang="ja-JP" altLang="en-US" smtClean="0"/>
               <a:pPr/>
-              <a:t>2022/7/21</a:t>
+              <a:t>2022/7/29</a:t>
             </a:fld>
             <a:endParaRPr kumimoji="1" lang="ja-JP" altLang="en-US"/>
           </a:p>
@@ -2404,7 +2435,7 @@
             <a:fld id="{7FCC5AE5-E495-4913-B643-A95A6AFABB00}" type="datetimeFigureOut">
               <a:rPr kumimoji="1" lang="ja-JP" altLang="en-US" smtClean="0"/>
               <a:pPr/>
-              <a:t>2022/7/21</a:t>
+              <a:t>2022/7/29</a:t>
             </a:fld>
             <a:endParaRPr kumimoji="1" lang="ja-JP" altLang="en-US"/>
           </a:p>
@@ -2619,7 +2650,7 @@
             <a:fld id="{7FCC5AE5-E495-4913-B643-A95A6AFABB00}" type="datetimeFigureOut">
               <a:rPr kumimoji="1" lang="ja-JP" altLang="en-US" smtClean="0"/>
               <a:pPr/>
-              <a:t>2022/7/21</a:t>
+              <a:t>2022/7/29</a:t>
             </a:fld>
             <a:endParaRPr kumimoji="1" lang="ja-JP" altLang="en-US"/>
           </a:p>
@@ -3200,6 +3231,2455 @@
       </p:grpSpPr>
       <p:sp>
         <p:nvSpPr>
+          <p:cNvPr id="2" name="Title 1"/>
+          <p:cNvSpPr>
+            <a:spLocks noGrp="1"/>
+          </p:cNvSpPr>
+          <p:nvPr>
+            <p:ph type="title"/>
+          </p:nvPr>
+        </p:nvSpPr>
+        <p:spPr/>
+        <p:txBody>
+          <a:bodyPr/>
+          <a:lstStyle/>
+          <a:p>
+            <a:endParaRPr lang="en-US"/>
+          </a:p>
+        </p:txBody>
+      </p:sp>
+      <p:pic>
+        <p:nvPicPr>
+          <p:cNvPr id="1026" name="Picture 2"/>
+          <p:cNvPicPr>
+            <a:picLocks noGrp="1" noChangeAspect="1" noChangeArrowheads="1"/>
+          </p:cNvPicPr>
+          <p:nvPr>
+            <p:ph idx="1"/>
+          </p:nvPr>
+        </p:nvPicPr>
+        <p:blipFill>
+          <a:blip r:embed="rId2"/>
+          <a:srcRect/>
+          <a:stretch>
+            <a:fillRect/>
+          </a:stretch>
+        </p:blipFill>
+        <p:spPr bwMode="auto">
+          <a:xfrm>
+            <a:off x="770710" y="287384"/>
+            <a:ext cx="11090364" cy="6244046"/>
+          </a:xfrm>
+          <a:prstGeom prst="rect">
+            <a:avLst/>
+          </a:prstGeom>
+          <a:noFill/>
+          <a:ln w="9525">
+            <a:noFill/>
+            <a:miter lim="800000"/>
+            <a:headEnd/>
+            <a:tailEnd/>
+          </a:ln>
+          <a:effectLst/>
+        </p:spPr>
+      </p:pic>
+    </p:spTree>
+  </p:cSld>
+  <p:clrMapOvr>
+    <a:masterClrMapping/>
+  </p:clrMapOvr>
+</p:sld>
+</file>
+
+<file path=ppt/slides/slide11.xml><?xml version="1.0" encoding="utf-8"?>
+<p:sld xmlns:a="http://schemas.openxmlformats.org/drawingml/2006/main" xmlns:r="http://schemas.openxmlformats.org/officeDocument/2006/relationships" xmlns:p="http://schemas.openxmlformats.org/presentationml/2006/main">
+  <p:cSld>
+    <p:spTree>
+      <p:nvGrpSpPr>
+        <p:cNvPr id="1" name=""/>
+        <p:cNvGrpSpPr/>
+        <p:nvPr/>
+      </p:nvGrpSpPr>
+      <p:grpSpPr>
+        <a:xfrm>
+          <a:off x="0" y="0"/>
+          <a:ext cx="0" cy="0"/>
+          <a:chOff x="0" y="0"/>
+          <a:chExt cx="0" cy="0"/>
+        </a:xfrm>
+      </p:grpSpPr>
+      <p:sp>
+        <p:nvSpPr>
+          <p:cNvPr id="2" name="Title 1"/>
+          <p:cNvSpPr>
+            <a:spLocks noGrp="1"/>
+          </p:cNvSpPr>
+          <p:nvPr>
+            <p:ph type="title"/>
+          </p:nvPr>
+        </p:nvSpPr>
+        <p:spPr/>
+        <p:txBody>
+          <a:bodyPr/>
+          <a:lstStyle/>
+          <a:p>
+            <a:endParaRPr lang="en-US"/>
+          </a:p>
+        </p:txBody>
+      </p:sp>
+      <p:pic>
+        <p:nvPicPr>
+          <p:cNvPr id="2050" name="Picture 2"/>
+          <p:cNvPicPr>
+            <a:picLocks noGrp="1" noChangeAspect="1" noChangeArrowheads="1"/>
+          </p:cNvPicPr>
+          <p:nvPr>
+            <p:ph idx="1"/>
+          </p:nvPr>
+        </p:nvPicPr>
+        <p:blipFill>
+          <a:blip r:embed="rId2"/>
+          <a:srcRect/>
+          <a:stretch>
+            <a:fillRect/>
+          </a:stretch>
+        </p:blipFill>
+        <p:spPr bwMode="auto">
+          <a:xfrm>
+            <a:off x="783771" y="378823"/>
+            <a:ext cx="10593978" cy="6230983"/>
+          </a:xfrm>
+          <a:prstGeom prst="rect">
+            <a:avLst/>
+          </a:prstGeom>
+          <a:noFill/>
+          <a:ln w="9525">
+            <a:noFill/>
+            <a:miter lim="800000"/>
+            <a:headEnd/>
+            <a:tailEnd/>
+          </a:ln>
+          <a:effectLst/>
+        </p:spPr>
+      </p:pic>
+    </p:spTree>
+  </p:cSld>
+  <p:clrMapOvr>
+    <a:masterClrMapping/>
+  </p:clrMapOvr>
+</p:sld>
+</file>
+
+<file path=ppt/slides/slide12.xml><?xml version="1.0" encoding="utf-8"?>
+<p:sld xmlns:a="http://schemas.openxmlformats.org/drawingml/2006/main" xmlns:r="http://schemas.openxmlformats.org/officeDocument/2006/relationships" xmlns:p="http://schemas.openxmlformats.org/presentationml/2006/main">
+  <p:cSld>
+    <p:spTree>
+      <p:nvGrpSpPr>
+        <p:cNvPr id="1" name=""/>
+        <p:cNvGrpSpPr/>
+        <p:nvPr/>
+      </p:nvGrpSpPr>
+      <p:grpSpPr>
+        <a:xfrm>
+          <a:off x="0" y="0"/>
+          <a:ext cx="0" cy="0"/>
+          <a:chOff x="0" y="0"/>
+          <a:chExt cx="0" cy="0"/>
+        </a:xfrm>
+      </p:grpSpPr>
+      <p:sp>
+        <p:nvSpPr>
+          <p:cNvPr id="2" name="Title 1"/>
+          <p:cNvSpPr>
+            <a:spLocks noGrp="1"/>
+          </p:cNvSpPr>
+          <p:nvPr>
+            <p:ph type="title"/>
+          </p:nvPr>
+        </p:nvSpPr>
+        <p:spPr/>
+        <p:txBody>
+          <a:bodyPr/>
+          <a:lstStyle/>
+          <a:p>
+            <a:r>
+              <a:rPr lang="en-US" dirty="0" smtClean="0"/>
+              <a:t>HTML DOM</a:t>
+            </a:r>
+            <a:endParaRPr lang="en-US" dirty="0"/>
+          </a:p>
+        </p:txBody>
+      </p:sp>
+      <p:pic>
+        <p:nvPicPr>
+          <p:cNvPr id="5122" name="Picture 2"/>
+          <p:cNvPicPr>
+            <a:picLocks noGrp="1" noChangeAspect="1" noChangeArrowheads="1"/>
+          </p:cNvPicPr>
+          <p:nvPr>
+            <p:ph idx="1"/>
+          </p:nvPr>
+        </p:nvPicPr>
+        <p:blipFill>
+          <a:blip r:embed="rId2"/>
+          <a:srcRect/>
+          <a:stretch>
+            <a:fillRect/>
+          </a:stretch>
+        </p:blipFill>
+        <p:spPr bwMode="auto">
+          <a:xfrm>
+            <a:off x="1267097" y="1727403"/>
+            <a:ext cx="8712926" cy="3706746"/>
+          </a:xfrm>
+          <a:prstGeom prst="rect">
+            <a:avLst/>
+          </a:prstGeom>
+          <a:noFill/>
+          <a:ln w="9525">
+            <a:noFill/>
+            <a:miter lim="800000"/>
+            <a:headEnd/>
+            <a:tailEnd/>
+          </a:ln>
+          <a:effectLst/>
+        </p:spPr>
+      </p:pic>
+    </p:spTree>
+  </p:cSld>
+  <p:clrMapOvr>
+    <a:masterClrMapping/>
+  </p:clrMapOvr>
+</p:sld>
+</file>
+
+<file path=ppt/slides/slide13.xml><?xml version="1.0" encoding="utf-8"?>
+<p:sld xmlns:a="http://schemas.openxmlformats.org/drawingml/2006/main" xmlns:r="http://schemas.openxmlformats.org/officeDocument/2006/relationships" xmlns:p="http://schemas.openxmlformats.org/presentationml/2006/main">
+  <p:cSld>
+    <p:spTree>
+      <p:nvGrpSpPr>
+        <p:cNvPr id="1" name=""/>
+        <p:cNvGrpSpPr/>
+        <p:nvPr/>
+      </p:nvGrpSpPr>
+      <p:grpSpPr>
+        <a:xfrm>
+          <a:off x="0" y="0"/>
+          <a:ext cx="0" cy="0"/>
+          <a:chOff x="0" y="0"/>
+          <a:chExt cx="0" cy="0"/>
+        </a:xfrm>
+      </p:grpSpPr>
+      <p:sp>
+        <p:nvSpPr>
+          <p:cNvPr id="4" name="Content Placeholder 13"/>
+          <p:cNvSpPr txBox="1">
+            <a:spLocks/>
+          </p:cNvSpPr>
+          <p:nvPr/>
+        </p:nvSpPr>
+        <p:spPr>
+          <a:xfrm>
+            <a:off x="260741" y="17230"/>
+            <a:ext cx="9791700" cy="630192"/>
+          </a:xfrm>
+          <a:prstGeom prst="rect">
+            <a:avLst/>
+          </a:prstGeom>
+        </p:spPr>
+        <p:txBody>
+          <a:bodyPr vert="horz" lIns="91440" tIns="45720" rIns="91440" bIns="45720" rtlCol="0">
+            <a:noAutofit/>
+          </a:bodyPr>
+          <a:lstStyle>
+            <a:lvl1pPr marL="0" indent="0" algn="ctr" defTabSz="914400" rtl="0" eaLnBrk="1" latinLnBrk="0" hangingPunct="1">
+              <a:lnSpc>
+                <a:spcPct val="90000"/>
+              </a:lnSpc>
+              <a:spcBef>
+                <a:spcPts val="1000"/>
+              </a:spcBef>
+              <a:buFont typeface="Arial" panose="020B0604020202020204" pitchFamily="34" charset="0"/>
+              <a:buNone/>
+              <a:defRPr kumimoji="1" sz="2400" kern="1200">
+                <a:solidFill>
+                  <a:schemeClr val="tx1"/>
+                </a:solidFill>
+                <a:latin typeface="+mn-lt"/>
+                <a:ea typeface="+mn-ea"/>
+                <a:cs typeface="+mn-cs"/>
+              </a:defRPr>
+            </a:lvl1pPr>
+            <a:lvl2pPr marL="457200" indent="0" algn="ctr" defTabSz="914400" rtl="0" eaLnBrk="1" latinLnBrk="0" hangingPunct="1">
+              <a:lnSpc>
+                <a:spcPct val="90000"/>
+              </a:lnSpc>
+              <a:spcBef>
+                <a:spcPts val="500"/>
+              </a:spcBef>
+              <a:buFont typeface="Arial" panose="020B0604020202020204" pitchFamily="34" charset="0"/>
+              <a:buNone/>
+              <a:defRPr kumimoji="1" sz="2000" kern="1200">
+                <a:solidFill>
+                  <a:schemeClr val="tx1"/>
+                </a:solidFill>
+                <a:latin typeface="+mn-lt"/>
+                <a:ea typeface="+mn-ea"/>
+                <a:cs typeface="+mn-cs"/>
+              </a:defRPr>
+            </a:lvl2pPr>
+            <a:lvl3pPr marL="914400" indent="0" algn="ctr" defTabSz="914400" rtl="0" eaLnBrk="1" latinLnBrk="0" hangingPunct="1">
+              <a:lnSpc>
+                <a:spcPct val="90000"/>
+              </a:lnSpc>
+              <a:spcBef>
+                <a:spcPts val="500"/>
+              </a:spcBef>
+              <a:buFont typeface="Arial" panose="020B0604020202020204" pitchFamily="34" charset="0"/>
+              <a:buNone/>
+              <a:defRPr kumimoji="1" sz="1800" kern="1200">
+                <a:solidFill>
+                  <a:schemeClr val="tx1"/>
+                </a:solidFill>
+                <a:latin typeface="+mn-lt"/>
+                <a:ea typeface="+mn-ea"/>
+                <a:cs typeface="+mn-cs"/>
+              </a:defRPr>
+            </a:lvl3pPr>
+            <a:lvl4pPr marL="1371600" indent="0" algn="ctr" defTabSz="914400" rtl="0" eaLnBrk="1" latinLnBrk="0" hangingPunct="1">
+              <a:lnSpc>
+                <a:spcPct val="90000"/>
+              </a:lnSpc>
+              <a:spcBef>
+                <a:spcPts val="500"/>
+              </a:spcBef>
+              <a:buFont typeface="Arial" panose="020B0604020202020204" pitchFamily="34" charset="0"/>
+              <a:buNone/>
+              <a:defRPr kumimoji="1" sz="1600" kern="1200">
+                <a:solidFill>
+                  <a:schemeClr val="tx1"/>
+                </a:solidFill>
+                <a:latin typeface="+mn-lt"/>
+                <a:ea typeface="+mn-ea"/>
+                <a:cs typeface="+mn-cs"/>
+              </a:defRPr>
+            </a:lvl4pPr>
+            <a:lvl5pPr marL="1828800" indent="0" algn="ctr" defTabSz="914400" rtl="0" eaLnBrk="1" latinLnBrk="0" hangingPunct="1">
+              <a:lnSpc>
+                <a:spcPct val="90000"/>
+              </a:lnSpc>
+              <a:spcBef>
+                <a:spcPts val="500"/>
+              </a:spcBef>
+              <a:buFont typeface="Arial" panose="020B0604020202020204" pitchFamily="34" charset="0"/>
+              <a:buNone/>
+              <a:defRPr kumimoji="1" sz="1600" kern="1200">
+                <a:solidFill>
+                  <a:schemeClr val="tx1"/>
+                </a:solidFill>
+                <a:latin typeface="+mn-lt"/>
+                <a:ea typeface="+mn-ea"/>
+                <a:cs typeface="+mn-cs"/>
+              </a:defRPr>
+            </a:lvl5pPr>
+            <a:lvl6pPr marL="2286000" indent="0" algn="ctr" defTabSz="914400" rtl="0" eaLnBrk="1" latinLnBrk="0" hangingPunct="1">
+              <a:lnSpc>
+                <a:spcPct val="90000"/>
+              </a:lnSpc>
+              <a:spcBef>
+                <a:spcPts val="500"/>
+              </a:spcBef>
+              <a:buFont typeface="Arial" panose="020B0604020202020204" pitchFamily="34" charset="0"/>
+              <a:buNone/>
+              <a:defRPr kumimoji="1" sz="1600" kern="1200">
+                <a:solidFill>
+                  <a:schemeClr val="tx1"/>
+                </a:solidFill>
+                <a:latin typeface="+mn-lt"/>
+                <a:ea typeface="+mn-ea"/>
+                <a:cs typeface="+mn-cs"/>
+              </a:defRPr>
+            </a:lvl6pPr>
+            <a:lvl7pPr marL="2743200" indent="0" algn="ctr" defTabSz="914400" rtl="0" eaLnBrk="1" latinLnBrk="0" hangingPunct="1">
+              <a:lnSpc>
+                <a:spcPct val="90000"/>
+              </a:lnSpc>
+              <a:spcBef>
+                <a:spcPts val="500"/>
+              </a:spcBef>
+              <a:buFont typeface="Arial" panose="020B0604020202020204" pitchFamily="34" charset="0"/>
+              <a:buNone/>
+              <a:defRPr kumimoji="1" sz="1600" kern="1200">
+                <a:solidFill>
+                  <a:schemeClr val="tx1"/>
+                </a:solidFill>
+                <a:latin typeface="+mn-lt"/>
+                <a:ea typeface="+mn-ea"/>
+                <a:cs typeface="+mn-cs"/>
+              </a:defRPr>
+            </a:lvl7pPr>
+            <a:lvl8pPr marL="3200400" indent="0" algn="ctr" defTabSz="914400" rtl="0" eaLnBrk="1" latinLnBrk="0" hangingPunct="1">
+              <a:lnSpc>
+                <a:spcPct val="90000"/>
+              </a:lnSpc>
+              <a:spcBef>
+                <a:spcPts val="500"/>
+              </a:spcBef>
+              <a:buFont typeface="Arial" panose="020B0604020202020204" pitchFamily="34" charset="0"/>
+              <a:buNone/>
+              <a:defRPr kumimoji="1" sz="1600" kern="1200">
+                <a:solidFill>
+                  <a:schemeClr val="tx1"/>
+                </a:solidFill>
+                <a:latin typeface="+mn-lt"/>
+                <a:ea typeface="+mn-ea"/>
+                <a:cs typeface="+mn-cs"/>
+              </a:defRPr>
+            </a:lvl8pPr>
+            <a:lvl9pPr marL="3657600" indent="0" algn="ctr" defTabSz="914400" rtl="0" eaLnBrk="1" latinLnBrk="0" hangingPunct="1">
+              <a:lnSpc>
+                <a:spcPct val="90000"/>
+              </a:lnSpc>
+              <a:spcBef>
+                <a:spcPts val="500"/>
+              </a:spcBef>
+              <a:buFont typeface="Arial" panose="020B0604020202020204" pitchFamily="34" charset="0"/>
+              <a:buNone/>
+              <a:defRPr kumimoji="1" sz="1600" kern="1200">
+                <a:solidFill>
+                  <a:schemeClr val="tx1"/>
+                </a:solidFill>
+                <a:latin typeface="+mn-lt"/>
+                <a:ea typeface="+mn-ea"/>
+                <a:cs typeface="+mn-cs"/>
+              </a:defRPr>
+            </a:lvl9pPr>
+          </a:lstStyle>
+          <a:p>
+            <a:pPr algn="l"/>
+            <a:r>
+              <a:rPr lang="en-US" sz="3600" b="1" dirty="0" smtClean="0">
+                <a:solidFill>
+                  <a:srgbClr val="0064B5"/>
+                </a:solidFill>
+              </a:rPr>
+              <a:t>What we can do using DOM?</a:t>
+            </a:r>
+            <a:endParaRPr lang="en-US" sz="3600" b="1" dirty="0">
+              <a:solidFill>
+                <a:srgbClr val="0064B5"/>
+              </a:solidFill>
+            </a:endParaRPr>
+          </a:p>
+        </p:txBody>
+      </p:sp>
+      <p:sp>
+        <p:nvSpPr>
+          <p:cNvPr id="7" name="Rectangle 6"/>
+          <p:cNvSpPr/>
+          <p:nvPr/>
+        </p:nvSpPr>
+        <p:spPr>
+          <a:xfrm>
+            <a:off x="260741" y="647422"/>
+            <a:ext cx="9236941" cy="3416320"/>
+          </a:xfrm>
+          <a:prstGeom prst="rect">
+            <a:avLst/>
+          </a:prstGeom>
+        </p:spPr>
+        <p:txBody>
+          <a:bodyPr wrap="square">
+            <a:spAutoFit/>
+          </a:bodyPr>
+          <a:lstStyle/>
+          <a:p>
+            <a:pPr marL="114300" lvl="0">
+              <a:lnSpc>
+                <a:spcPct val="150000"/>
+              </a:lnSpc>
+              <a:buClr>
+                <a:schemeClr val="dk1"/>
+              </a:buClr>
+              <a:buSzPts val="1800"/>
+            </a:pPr>
+            <a:r>
+              <a:rPr lang="en-US" dirty="0" smtClean="0"/>
+              <a:t>Using DOM, </a:t>
+            </a:r>
+            <a:r>
+              <a:rPr lang="en-US" dirty="0"/>
+              <a:t>JavaScript gets all the power it needs to </a:t>
+            </a:r>
+            <a:r>
+              <a:rPr lang="en-US" dirty="0" smtClean="0"/>
+              <a:t>create/update HTML</a:t>
+            </a:r>
+            <a:r>
+              <a:rPr lang="en-US" dirty="0"/>
+              <a:t>:</a:t>
+            </a:r>
+            <a:endParaRPr lang="en-US" dirty="0" smtClean="0">
+              <a:solidFill>
+                <a:schemeClr val="dk1"/>
+              </a:solidFill>
+            </a:endParaRPr>
+          </a:p>
+          <a:p>
+            <a:pPr marL="457200" lvl="0" indent="-342900">
+              <a:lnSpc>
+                <a:spcPct val="150000"/>
+              </a:lnSpc>
+              <a:buClr>
+                <a:schemeClr val="dk1"/>
+              </a:buClr>
+              <a:buSzPts val="1800"/>
+              <a:buFont typeface="Arial" pitchFamily="34" charset="0"/>
+              <a:buChar char="•"/>
+            </a:pPr>
+            <a:r>
+              <a:rPr lang="en-US" dirty="0">
+                <a:solidFill>
+                  <a:schemeClr val="dk1"/>
+                </a:solidFill>
+              </a:rPr>
+              <a:t>JavaScript can </a:t>
+            </a:r>
+            <a:r>
+              <a:rPr lang="en-US" b="1" dirty="0">
+                <a:solidFill>
+                  <a:schemeClr val="dk1"/>
+                </a:solidFill>
+              </a:rPr>
+              <a:t>change all the HTML elements </a:t>
+            </a:r>
+            <a:r>
+              <a:rPr lang="en-US" dirty="0">
+                <a:solidFill>
+                  <a:schemeClr val="dk1"/>
+                </a:solidFill>
+              </a:rPr>
+              <a:t>in the page</a:t>
+            </a:r>
+          </a:p>
+          <a:p>
+            <a:pPr marL="457200" lvl="0" indent="-342900">
+              <a:lnSpc>
+                <a:spcPct val="150000"/>
+              </a:lnSpc>
+              <a:buClr>
+                <a:schemeClr val="dk1"/>
+              </a:buClr>
+              <a:buSzPts val="1800"/>
+              <a:buFont typeface="Arial" pitchFamily="34" charset="0"/>
+              <a:buChar char="•"/>
+            </a:pPr>
+            <a:r>
+              <a:rPr lang="en-US" dirty="0">
+                <a:solidFill>
+                  <a:schemeClr val="dk1"/>
+                </a:solidFill>
+              </a:rPr>
+              <a:t>JavaScript can </a:t>
+            </a:r>
+            <a:r>
+              <a:rPr lang="en-US" b="1" dirty="0">
+                <a:solidFill>
+                  <a:schemeClr val="dk1"/>
+                </a:solidFill>
+              </a:rPr>
+              <a:t>change all the HTML attributes </a:t>
+            </a:r>
+            <a:r>
+              <a:rPr lang="en-US" dirty="0">
+                <a:solidFill>
+                  <a:schemeClr val="dk1"/>
+                </a:solidFill>
+              </a:rPr>
+              <a:t>in the page</a:t>
+            </a:r>
+          </a:p>
+          <a:p>
+            <a:pPr marL="457200" lvl="0" indent="-342900">
+              <a:lnSpc>
+                <a:spcPct val="150000"/>
+              </a:lnSpc>
+              <a:buClr>
+                <a:schemeClr val="dk1"/>
+              </a:buClr>
+              <a:buSzPts val="1800"/>
+              <a:buFont typeface="Arial" pitchFamily="34" charset="0"/>
+              <a:buChar char="•"/>
+            </a:pPr>
+            <a:r>
+              <a:rPr lang="en-US" dirty="0">
+                <a:solidFill>
+                  <a:schemeClr val="dk1"/>
+                </a:solidFill>
+              </a:rPr>
+              <a:t>JavaScript can </a:t>
+            </a:r>
+            <a:r>
+              <a:rPr lang="en-US" b="1" dirty="0">
+                <a:solidFill>
+                  <a:schemeClr val="dk1"/>
+                </a:solidFill>
+              </a:rPr>
+              <a:t>change all the CSS styles </a:t>
+            </a:r>
+            <a:r>
+              <a:rPr lang="en-US" dirty="0">
+                <a:solidFill>
+                  <a:schemeClr val="dk1"/>
+                </a:solidFill>
+              </a:rPr>
+              <a:t>in the page</a:t>
+            </a:r>
+          </a:p>
+          <a:p>
+            <a:pPr marL="457200" lvl="0" indent="-342900">
+              <a:lnSpc>
+                <a:spcPct val="150000"/>
+              </a:lnSpc>
+              <a:buClr>
+                <a:schemeClr val="dk1"/>
+              </a:buClr>
+              <a:buSzPts val="1800"/>
+              <a:buFont typeface="Arial" pitchFamily="34" charset="0"/>
+              <a:buChar char="•"/>
+            </a:pPr>
+            <a:r>
+              <a:rPr lang="en-US" dirty="0">
+                <a:solidFill>
+                  <a:schemeClr val="dk1"/>
+                </a:solidFill>
+              </a:rPr>
+              <a:t>JavaScript can </a:t>
+            </a:r>
+            <a:r>
+              <a:rPr lang="en-US" b="1" dirty="0">
+                <a:solidFill>
+                  <a:schemeClr val="dk1"/>
+                </a:solidFill>
+              </a:rPr>
+              <a:t>remove existing HTML elements and attributes</a:t>
+            </a:r>
+          </a:p>
+          <a:p>
+            <a:pPr marL="457200" lvl="0" indent="-342900">
+              <a:lnSpc>
+                <a:spcPct val="150000"/>
+              </a:lnSpc>
+              <a:buClr>
+                <a:schemeClr val="dk1"/>
+              </a:buClr>
+              <a:buSzPts val="1800"/>
+              <a:buFont typeface="Arial" pitchFamily="34" charset="0"/>
+              <a:buChar char="•"/>
+            </a:pPr>
+            <a:r>
+              <a:rPr lang="en-US" dirty="0">
+                <a:solidFill>
+                  <a:schemeClr val="dk1"/>
+                </a:solidFill>
+              </a:rPr>
+              <a:t>JavaScript can </a:t>
+            </a:r>
+            <a:r>
+              <a:rPr lang="en-US" b="1" dirty="0">
+                <a:solidFill>
+                  <a:schemeClr val="dk1"/>
+                </a:solidFill>
+              </a:rPr>
+              <a:t>add new HTML elements and attributes</a:t>
+            </a:r>
+          </a:p>
+          <a:p>
+            <a:pPr marL="457200" lvl="0" indent="-342900">
+              <a:lnSpc>
+                <a:spcPct val="150000"/>
+              </a:lnSpc>
+              <a:buClr>
+                <a:schemeClr val="dk1"/>
+              </a:buClr>
+              <a:buSzPts val="1800"/>
+              <a:buFont typeface="Arial" pitchFamily="34" charset="0"/>
+              <a:buChar char="•"/>
+            </a:pPr>
+            <a:r>
+              <a:rPr lang="en-US" dirty="0">
+                <a:solidFill>
+                  <a:schemeClr val="dk1"/>
+                </a:solidFill>
+              </a:rPr>
+              <a:t>JavaScript can </a:t>
+            </a:r>
+            <a:r>
+              <a:rPr lang="en-US" b="1" dirty="0">
+                <a:solidFill>
+                  <a:schemeClr val="dk1"/>
+                </a:solidFill>
+              </a:rPr>
+              <a:t>react to all existing HTML events </a:t>
+            </a:r>
+            <a:r>
+              <a:rPr lang="en-US" dirty="0">
+                <a:solidFill>
+                  <a:schemeClr val="dk1"/>
+                </a:solidFill>
+              </a:rPr>
+              <a:t>in the page</a:t>
+            </a:r>
+          </a:p>
+          <a:p>
+            <a:pPr marL="285750" indent="-285750">
+              <a:lnSpc>
+                <a:spcPct val="150000"/>
+              </a:lnSpc>
+              <a:buFont typeface="Arial" pitchFamily="34" charset="0"/>
+              <a:buChar char="•"/>
+            </a:pPr>
+            <a:endParaRPr lang="en-US" altLang="ja-JP" dirty="0"/>
+          </a:p>
+        </p:txBody>
+      </p:sp>
+    </p:spTree>
+    <p:extLst>
+      <p:ext uri="{BB962C8B-B14F-4D97-AF65-F5344CB8AC3E}">
+        <p14:creationId xmlns:p14="http://schemas.microsoft.com/office/powerpoint/2010/main" xmlns="" val="3510732803"/>
+      </p:ext>
+    </p:extLst>
+  </p:cSld>
+  <p:clrMapOvr>
+    <a:masterClrMapping/>
+  </p:clrMapOvr>
+  <p:timing>
+    <p:tnLst>
+      <p:par>
+        <p:cTn id="1" dur="indefinite" restart="never" nodeType="tmRoot"/>
+      </p:par>
+    </p:tnLst>
+  </p:timing>
+</p:sld>
+</file>
+
+<file path=ppt/slides/slide14.xml><?xml version="1.0" encoding="utf-8"?>
+<p:sld xmlns:a="http://schemas.openxmlformats.org/drawingml/2006/main" xmlns:r="http://schemas.openxmlformats.org/officeDocument/2006/relationships" xmlns:p="http://schemas.openxmlformats.org/presentationml/2006/main">
+  <p:cSld>
+    <p:spTree>
+      <p:nvGrpSpPr>
+        <p:cNvPr id="1" name=""/>
+        <p:cNvGrpSpPr/>
+        <p:nvPr/>
+      </p:nvGrpSpPr>
+      <p:grpSpPr>
+        <a:xfrm>
+          <a:off x="0" y="0"/>
+          <a:ext cx="0" cy="0"/>
+          <a:chOff x="0" y="0"/>
+          <a:chExt cx="0" cy="0"/>
+        </a:xfrm>
+      </p:grpSpPr>
+      <p:sp>
+        <p:nvSpPr>
+          <p:cNvPr id="4" name="Content Placeholder 13"/>
+          <p:cNvSpPr txBox="1">
+            <a:spLocks/>
+          </p:cNvSpPr>
+          <p:nvPr/>
+        </p:nvSpPr>
+        <p:spPr>
+          <a:xfrm>
+            <a:off x="260741" y="17230"/>
+            <a:ext cx="9791700" cy="630192"/>
+          </a:xfrm>
+          <a:prstGeom prst="rect">
+            <a:avLst/>
+          </a:prstGeom>
+        </p:spPr>
+        <p:txBody>
+          <a:bodyPr vert="horz" lIns="91440" tIns="45720" rIns="91440" bIns="45720" rtlCol="0">
+            <a:noAutofit/>
+          </a:bodyPr>
+          <a:lstStyle>
+            <a:lvl1pPr marL="0" indent="0" algn="ctr" defTabSz="914400" rtl="0" eaLnBrk="1" latinLnBrk="0" hangingPunct="1">
+              <a:lnSpc>
+                <a:spcPct val="90000"/>
+              </a:lnSpc>
+              <a:spcBef>
+                <a:spcPts val="1000"/>
+              </a:spcBef>
+              <a:buFont typeface="Arial" panose="020B0604020202020204" pitchFamily="34" charset="0"/>
+              <a:buNone/>
+              <a:defRPr kumimoji="1" sz="2400" kern="1200">
+                <a:solidFill>
+                  <a:schemeClr val="tx1"/>
+                </a:solidFill>
+                <a:latin typeface="+mn-lt"/>
+                <a:ea typeface="+mn-ea"/>
+                <a:cs typeface="+mn-cs"/>
+              </a:defRPr>
+            </a:lvl1pPr>
+            <a:lvl2pPr marL="457200" indent="0" algn="ctr" defTabSz="914400" rtl="0" eaLnBrk="1" latinLnBrk="0" hangingPunct="1">
+              <a:lnSpc>
+                <a:spcPct val="90000"/>
+              </a:lnSpc>
+              <a:spcBef>
+                <a:spcPts val="500"/>
+              </a:spcBef>
+              <a:buFont typeface="Arial" panose="020B0604020202020204" pitchFamily="34" charset="0"/>
+              <a:buNone/>
+              <a:defRPr kumimoji="1" sz="2000" kern="1200">
+                <a:solidFill>
+                  <a:schemeClr val="tx1"/>
+                </a:solidFill>
+                <a:latin typeface="+mn-lt"/>
+                <a:ea typeface="+mn-ea"/>
+                <a:cs typeface="+mn-cs"/>
+              </a:defRPr>
+            </a:lvl2pPr>
+            <a:lvl3pPr marL="914400" indent="0" algn="ctr" defTabSz="914400" rtl="0" eaLnBrk="1" latinLnBrk="0" hangingPunct="1">
+              <a:lnSpc>
+                <a:spcPct val="90000"/>
+              </a:lnSpc>
+              <a:spcBef>
+                <a:spcPts val="500"/>
+              </a:spcBef>
+              <a:buFont typeface="Arial" panose="020B0604020202020204" pitchFamily="34" charset="0"/>
+              <a:buNone/>
+              <a:defRPr kumimoji="1" sz="1800" kern="1200">
+                <a:solidFill>
+                  <a:schemeClr val="tx1"/>
+                </a:solidFill>
+                <a:latin typeface="+mn-lt"/>
+                <a:ea typeface="+mn-ea"/>
+                <a:cs typeface="+mn-cs"/>
+              </a:defRPr>
+            </a:lvl3pPr>
+            <a:lvl4pPr marL="1371600" indent="0" algn="ctr" defTabSz="914400" rtl="0" eaLnBrk="1" latinLnBrk="0" hangingPunct="1">
+              <a:lnSpc>
+                <a:spcPct val="90000"/>
+              </a:lnSpc>
+              <a:spcBef>
+                <a:spcPts val="500"/>
+              </a:spcBef>
+              <a:buFont typeface="Arial" panose="020B0604020202020204" pitchFamily="34" charset="0"/>
+              <a:buNone/>
+              <a:defRPr kumimoji="1" sz="1600" kern="1200">
+                <a:solidFill>
+                  <a:schemeClr val="tx1"/>
+                </a:solidFill>
+                <a:latin typeface="+mn-lt"/>
+                <a:ea typeface="+mn-ea"/>
+                <a:cs typeface="+mn-cs"/>
+              </a:defRPr>
+            </a:lvl4pPr>
+            <a:lvl5pPr marL="1828800" indent="0" algn="ctr" defTabSz="914400" rtl="0" eaLnBrk="1" latinLnBrk="0" hangingPunct="1">
+              <a:lnSpc>
+                <a:spcPct val="90000"/>
+              </a:lnSpc>
+              <a:spcBef>
+                <a:spcPts val="500"/>
+              </a:spcBef>
+              <a:buFont typeface="Arial" panose="020B0604020202020204" pitchFamily="34" charset="0"/>
+              <a:buNone/>
+              <a:defRPr kumimoji="1" sz="1600" kern="1200">
+                <a:solidFill>
+                  <a:schemeClr val="tx1"/>
+                </a:solidFill>
+                <a:latin typeface="+mn-lt"/>
+                <a:ea typeface="+mn-ea"/>
+                <a:cs typeface="+mn-cs"/>
+              </a:defRPr>
+            </a:lvl5pPr>
+            <a:lvl6pPr marL="2286000" indent="0" algn="ctr" defTabSz="914400" rtl="0" eaLnBrk="1" latinLnBrk="0" hangingPunct="1">
+              <a:lnSpc>
+                <a:spcPct val="90000"/>
+              </a:lnSpc>
+              <a:spcBef>
+                <a:spcPts val="500"/>
+              </a:spcBef>
+              <a:buFont typeface="Arial" panose="020B0604020202020204" pitchFamily="34" charset="0"/>
+              <a:buNone/>
+              <a:defRPr kumimoji="1" sz="1600" kern="1200">
+                <a:solidFill>
+                  <a:schemeClr val="tx1"/>
+                </a:solidFill>
+                <a:latin typeface="+mn-lt"/>
+                <a:ea typeface="+mn-ea"/>
+                <a:cs typeface="+mn-cs"/>
+              </a:defRPr>
+            </a:lvl6pPr>
+            <a:lvl7pPr marL="2743200" indent="0" algn="ctr" defTabSz="914400" rtl="0" eaLnBrk="1" latinLnBrk="0" hangingPunct="1">
+              <a:lnSpc>
+                <a:spcPct val="90000"/>
+              </a:lnSpc>
+              <a:spcBef>
+                <a:spcPts val="500"/>
+              </a:spcBef>
+              <a:buFont typeface="Arial" panose="020B0604020202020204" pitchFamily="34" charset="0"/>
+              <a:buNone/>
+              <a:defRPr kumimoji="1" sz="1600" kern="1200">
+                <a:solidFill>
+                  <a:schemeClr val="tx1"/>
+                </a:solidFill>
+                <a:latin typeface="+mn-lt"/>
+                <a:ea typeface="+mn-ea"/>
+                <a:cs typeface="+mn-cs"/>
+              </a:defRPr>
+            </a:lvl7pPr>
+            <a:lvl8pPr marL="3200400" indent="0" algn="ctr" defTabSz="914400" rtl="0" eaLnBrk="1" latinLnBrk="0" hangingPunct="1">
+              <a:lnSpc>
+                <a:spcPct val="90000"/>
+              </a:lnSpc>
+              <a:spcBef>
+                <a:spcPts val="500"/>
+              </a:spcBef>
+              <a:buFont typeface="Arial" panose="020B0604020202020204" pitchFamily="34" charset="0"/>
+              <a:buNone/>
+              <a:defRPr kumimoji="1" sz="1600" kern="1200">
+                <a:solidFill>
+                  <a:schemeClr val="tx1"/>
+                </a:solidFill>
+                <a:latin typeface="+mn-lt"/>
+                <a:ea typeface="+mn-ea"/>
+                <a:cs typeface="+mn-cs"/>
+              </a:defRPr>
+            </a:lvl8pPr>
+            <a:lvl9pPr marL="3657600" indent="0" algn="ctr" defTabSz="914400" rtl="0" eaLnBrk="1" latinLnBrk="0" hangingPunct="1">
+              <a:lnSpc>
+                <a:spcPct val="90000"/>
+              </a:lnSpc>
+              <a:spcBef>
+                <a:spcPts val="500"/>
+              </a:spcBef>
+              <a:buFont typeface="Arial" panose="020B0604020202020204" pitchFamily="34" charset="0"/>
+              <a:buNone/>
+              <a:defRPr kumimoji="1" sz="1600" kern="1200">
+                <a:solidFill>
+                  <a:schemeClr val="tx1"/>
+                </a:solidFill>
+                <a:latin typeface="+mn-lt"/>
+                <a:ea typeface="+mn-ea"/>
+                <a:cs typeface="+mn-cs"/>
+              </a:defRPr>
+            </a:lvl9pPr>
+          </a:lstStyle>
+          <a:p>
+            <a:pPr algn="l"/>
+            <a:r>
+              <a:rPr lang="en-US" sz="3600" b="1" dirty="0" smtClean="0">
+                <a:solidFill>
+                  <a:srgbClr val="0064B5"/>
+                </a:solidFill>
+              </a:rPr>
+              <a:t>DOM Methods</a:t>
+            </a:r>
+            <a:endParaRPr lang="en-US" sz="3600" b="1" dirty="0">
+              <a:solidFill>
+                <a:srgbClr val="0064B5"/>
+              </a:solidFill>
+            </a:endParaRPr>
+          </a:p>
+        </p:txBody>
+      </p:sp>
+      <p:sp>
+        <p:nvSpPr>
+          <p:cNvPr id="7" name="Rectangle 6"/>
+          <p:cNvSpPr/>
+          <p:nvPr/>
+        </p:nvSpPr>
+        <p:spPr>
+          <a:xfrm>
+            <a:off x="260741" y="647422"/>
+            <a:ext cx="9236941" cy="1338828"/>
+          </a:xfrm>
+          <a:prstGeom prst="rect">
+            <a:avLst/>
+          </a:prstGeom>
+        </p:spPr>
+        <p:txBody>
+          <a:bodyPr wrap="square">
+            <a:spAutoFit/>
+          </a:bodyPr>
+          <a:lstStyle/>
+          <a:p>
+            <a:pPr marL="457200" lvl="0" indent="-342900">
+              <a:lnSpc>
+                <a:spcPct val="150000"/>
+              </a:lnSpc>
+              <a:buClr>
+                <a:schemeClr val="dk1"/>
+              </a:buClr>
+              <a:buSzPts val="1800"/>
+              <a:buFont typeface="Arial" pitchFamily="34" charset="0"/>
+              <a:buChar char="•"/>
+            </a:pPr>
+            <a:r>
+              <a:rPr lang="en-US" dirty="0">
+                <a:solidFill>
+                  <a:schemeClr val="dk1"/>
+                </a:solidFill>
+              </a:rPr>
+              <a:t>HTML </a:t>
+            </a:r>
+            <a:r>
+              <a:rPr lang="en-US" b="1" dirty="0">
+                <a:solidFill>
+                  <a:schemeClr val="dk1"/>
+                </a:solidFill>
+              </a:rPr>
+              <a:t>DOM methods are actions </a:t>
+            </a:r>
+            <a:r>
+              <a:rPr lang="en-US" dirty="0">
+                <a:solidFill>
+                  <a:schemeClr val="dk1"/>
+                </a:solidFill>
+              </a:rPr>
+              <a:t>you can perform (on HTML Elements</a:t>
+            </a:r>
+            <a:r>
+              <a:rPr lang="en-US" dirty="0" smtClean="0">
+                <a:solidFill>
+                  <a:schemeClr val="dk1"/>
+                </a:solidFill>
+              </a:rPr>
+              <a:t>)</a:t>
+            </a:r>
+            <a:endParaRPr lang="en-US" dirty="0">
+              <a:solidFill>
+                <a:schemeClr val="dk1"/>
+              </a:solidFill>
+            </a:endParaRPr>
+          </a:p>
+          <a:p>
+            <a:pPr marL="457200" lvl="0" indent="-342900">
+              <a:lnSpc>
+                <a:spcPct val="150000"/>
+              </a:lnSpc>
+              <a:buClr>
+                <a:schemeClr val="dk1"/>
+              </a:buClr>
+              <a:buSzPts val="1800"/>
+              <a:buFont typeface="Arial" pitchFamily="34" charset="0"/>
+              <a:buChar char="•"/>
+            </a:pPr>
+            <a:r>
+              <a:rPr lang="en-US" dirty="0">
+                <a:solidFill>
+                  <a:schemeClr val="dk1"/>
+                </a:solidFill>
+              </a:rPr>
+              <a:t>HTML </a:t>
+            </a:r>
+            <a:r>
+              <a:rPr lang="en-US" b="1" dirty="0">
+                <a:solidFill>
+                  <a:schemeClr val="dk1"/>
+                </a:solidFill>
+              </a:rPr>
+              <a:t>DOM properties are values </a:t>
+            </a:r>
+            <a:r>
+              <a:rPr lang="en-US" dirty="0">
+                <a:solidFill>
+                  <a:schemeClr val="dk1"/>
+                </a:solidFill>
+              </a:rPr>
+              <a:t>(of HTML Elements) that you can set or </a:t>
+            </a:r>
+            <a:r>
+              <a:rPr lang="en-US" dirty="0" smtClean="0">
+                <a:solidFill>
+                  <a:schemeClr val="dk1"/>
+                </a:solidFill>
+              </a:rPr>
+              <a:t>change</a:t>
+            </a:r>
+            <a:endParaRPr lang="en-US" dirty="0">
+              <a:solidFill>
+                <a:schemeClr val="dk1"/>
+              </a:solidFill>
+            </a:endParaRPr>
+          </a:p>
+          <a:p>
+            <a:pPr marL="285750" indent="-285750">
+              <a:lnSpc>
+                <a:spcPct val="150000"/>
+              </a:lnSpc>
+              <a:buFont typeface="Arial" pitchFamily="34" charset="0"/>
+              <a:buChar char="•"/>
+            </a:pPr>
+            <a:endParaRPr lang="en-US" altLang="ja-JP" dirty="0"/>
+          </a:p>
+        </p:txBody>
+      </p:sp>
+      <p:sp>
+        <p:nvSpPr>
+          <p:cNvPr id="8" name="Rectangle 7"/>
+          <p:cNvSpPr/>
+          <p:nvPr/>
+        </p:nvSpPr>
+        <p:spPr>
+          <a:xfrm>
+            <a:off x="619542" y="1986250"/>
+            <a:ext cx="6861121" cy="2820881"/>
+          </a:xfrm>
+          <a:prstGeom prst="rect">
+            <a:avLst/>
+          </a:prstGeom>
+          <a:gradFill flip="none" rotWithShape="1">
+            <a:gsLst>
+              <a:gs pos="0">
+                <a:schemeClr val="bg2"/>
+              </a:gs>
+              <a:gs pos="50000">
+                <a:schemeClr val="accent3">
+                  <a:lumMod val="20000"/>
+                  <a:lumOff val="80000"/>
+                  <a:shade val="67500"/>
+                  <a:satMod val="115000"/>
+                </a:schemeClr>
+              </a:gs>
+              <a:gs pos="100000">
+                <a:schemeClr val="accent3">
+                  <a:lumMod val="20000"/>
+                  <a:lumOff val="80000"/>
+                  <a:shade val="100000"/>
+                  <a:satMod val="115000"/>
+                </a:schemeClr>
+              </a:gs>
+            </a:gsLst>
+            <a:lin ang="6600000" scaled="0"/>
+            <a:tileRect/>
+          </a:gradFill>
+          <a:ln>
+            <a:solidFill>
+              <a:schemeClr val="tx1">
+                <a:lumMod val="50000"/>
+                <a:lumOff val="50000"/>
+              </a:schemeClr>
+            </a:solidFill>
+          </a:ln>
+        </p:spPr>
+        <p:style>
+          <a:lnRef idx="2">
+            <a:schemeClr val="accent1">
+              <a:shade val="50000"/>
+            </a:schemeClr>
+          </a:lnRef>
+          <a:fillRef idx="1">
+            <a:schemeClr val="accent1"/>
+          </a:fillRef>
+          <a:effectRef idx="0">
+            <a:schemeClr val="accent1"/>
+          </a:effectRef>
+          <a:fontRef idx="minor">
+            <a:schemeClr val="lt1"/>
+          </a:fontRef>
+        </p:style>
+        <p:txBody>
+          <a:bodyPr rtlCol="0" anchor="ctr"/>
+          <a:lstStyle/>
+          <a:p>
+            <a:r>
+              <a:rPr lang="en-US" dirty="0">
+                <a:solidFill>
+                  <a:schemeClr val="tx1"/>
+                </a:solidFill>
+              </a:rPr>
+              <a:t>&lt;html&gt;</a:t>
+            </a:r>
+          </a:p>
+          <a:p>
+            <a:r>
+              <a:rPr lang="en-US" dirty="0">
+                <a:solidFill>
+                  <a:schemeClr val="tx1"/>
+                </a:solidFill>
+              </a:rPr>
+              <a:t>&lt;body</a:t>
+            </a:r>
+            <a:r>
+              <a:rPr lang="en-US" dirty="0" smtClean="0">
+                <a:solidFill>
+                  <a:schemeClr val="tx1"/>
+                </a:solidFill>
+              </a:rPr>
+              <a:t>&gt;</a:t>
+            </a:r>
+          </a:p>
+          <a:p>
+            <a:endParaRPr lang="en-US" dirty="0">
+              <a:solidFill>
+                <a:schemeClr val="tx1"/>
+              </a:solidFill>
+            </a:endParaRPr>
+          </a:p>
+          <a:p>
+            <a:r>
+              <a:rPr lang="en-US" dirty="0">
+                <a:solidFill>
+                  <a:schemeClr val="tx1"/>
+                </a:solidFill>
+              </a:rPr>
+              <a:t>&lt;p id="demo"&gt;&lt;/p</a:t>
+            </a:r>
+            <a:r>
+              <a:rPr lang="en-US" dirty="0" smtClean="0">
+                <a:solidFill>
+                  <a:schemeClr val="tx1"/>
+                </a:solidFill>
+              </a:rPr>
+              <a:t>&gt;</a:t>
+            </a:r>
+            <a:endParaRPr lang="en-US" dirty="0">
+              <a:solidFill>
+                <a:schemeClr val="tx1"/>
+              </a:solidFill>
+            </a:endParaRPr>
+          </a:p>
+          <a:p>
+            <a:r>
+              <a:rPr lang="en-US" dirty="0">
+                <a:solidFill>
+                  <a:schemeClr val="tx1"/>
+                </a:solidFill>
+              </a:rPr>
+              <a:t>&lt;script&gt;</a:t>
+            </a:r>
+          </a:p>
+          <a:p>
+            <a:r>
+              <a:rPr lang="en-US" dirty="0" err="1">
+                <a:solidFill>
+                  <a:schemeClr val="tx1"/>
+                </a:solidFill>
+              </a:rPr>
+              <a:t>document.</a:t>
+            </a:r>
+            <a:r>
+              <a:rPr lang="en-US" dirty="0" err="1">
+                <a:solidFill>
+                  <a:srgbClr val="FF0000"/>
+                </a:solidFill>
+              </a:rPr>
+              <a:t>getElementById</a:t>
+            </a:r>
+            <a:r>
+              <a:rPr lang="en-US" dirty="0">
+                <a:solidFill>
+                  <a:schemeClr val="tx1"/>
+                </a:solidFill>
+              </a:rPr>
+              <a:t>("demo").</a:t>
+            </a:r>
+            <a:r>
+              <a:rPr lang="en-US" dirty="0" err="1">
+                <a:solidFill>
+                  <a:srgbClr val="FFFF00"/>
+                </a:solidFill>
+              </a:rPr>
+              <a:t>innerHTML</a:t>
+            </a:r>
+            <a:r>
+              <a:rPr lang="en-US" dirty="0">
+                <a:solidFill>
+                  <a:schemeClr val="tx1"/>
+                </a:solidFill>
+              </a:rPr>
+              <a:t> = "Hello World!";</a:t>
+            </a:r>
+          </a:p>
+          <a:p>
+            <a:r>
+              <a:rPr lang="en-US" dirty="0">
+                <a:solidFill>
+                  <a:schemeClr val="tx1"/>
+                </a:solidFill>
+              </a:rPr>
+              <a:t>&lt;/script</a:t>
+            </a:r>
+            <a:r>
+              <a:rPr lang="en-US" dirty="0" smtClean="0">
+                <a:solidFill>
+                  <a:schemeClr val="tx1"/>
+                </a:solidFill>
+              </a:rPr>
+              <a:t>&gt;</a:t>
+            </a:r>
+          </a:p>
+          <a:p>
+            <a:endParaRPr lang="en-US" dirty="0">
+              <a:solidFill>
+                <a:schemeClr val="tx1"/>
+              </a:solidFill>
+            </a:endParaRPr>
+          </a:p>
+          <a:p>
+            <a:r>
+              <a:rPr lang="en-US" dirty="0">
+                <a:solidFill>
+                  <a:schemeClr val="tx1"/>
+                </a:solidFill>
+              </a:rPr>
+              <a:t>&lt;/body&gt;</a:t>
+            </a:r>
+          </a:p>
+          <a:p>
+            <a:r>
+              <a:rPr lang="en-US" dirty="0">
+                <a:solidFill>
+                  <a:schemeClr val="tx1"/>
+                </a:solidFill>
+              </a:rPr>
+              <a:t>&lt;/html&gt;</a:t>
+            </a:r>
+            <a:endParaRPr lang="en-US" dirty="0" smtClean="0">
+              <a:solidFill>
+                <a:schemeClr val="tx1"/>
+              </a:solidFill>
+            </a:endParaRPr>
+          </a:p>
+        </p:txBody>
+      </p:sp>
+      <p:cxnSp>
+        <p:nvCxnSpPr>
+          <p:cNvPr id="9" name="Straight Arrow Connector 8"/>
+          <p:cNvCxnSpPr/>
+          <p:nvPr/>
+        </p:nvCxnSpPr>
+        <p:spPr>
+          <a:xfrm>
+            <a:off x="1933303" y="3596640"/>
+            <a:ext cx="2743200" cy="1698171"/>
+          </a:xfrm>
+          <a:prstGeom prst="straightConnector1">
+            <a:avLst/>
+          </a:prstGeom>
+          <a:ln>
+            <a:tailEnd type="triangle"/>
+          </a:ln>
+        </p:spPr>
+        <p:style>
+          <a:lnRef idx="1">
+            <a:schemeClr val="accent1"/>
+          </a:lnRef>
+          <a:fillRef idx="0">
+            <a:schemeClr val="accent1"/>
+          </a:fillRef>
+          <a:effectRef idx="0">
+            <a:schemeClr val="accent1"/>
+          </a:effectRef>
+          <a:fontRef idx="minor">
+            <a:schemeClr val="tx1"/>
+          </a:fontRef>
+        </p:style>
+      </p:cxnSp>
+      <p:sp>
+        <p:nvSpPr>
+          <p:cNvPr id="10" name="Rectangle 9"/>
+          <p:cNvSpPr/>
+          <p:nvPr/>
+        </p:nvSpPr>
+        <p:spPr>
+          <a:xfrm>
+            <a:off x="3877725" y="5309789"/>
+            <a:ext cx="2002972" cy="646331"/>
+          </a:xfrm>
+          <a:prstGeom prst="rect">
+            <a:avLst/>
+          </a:prstGeom>
+        </p:spPr>
+        <p:txBody>
+          <a:bodyPr wrap="square">
+            <a:spAutoFit/>
+          </a:bodyPr>
+          <a:lstStyle/>
+          <a:p>
+            <a:r>
+              <a:rPr lang="en-US" altLang="en-US" dirty="0" err="1" smtClean="0">
+                <a:solidFill>
+                  <a:srgbClr val="DC143C"/>
+                </a:solidFill>
+              </a:rPr>
+              <a:t>getElementById</a:t>
+            </a:r>
+            <a:r>
+              <a:rPr lang="en-US" altLang="en-US" dirty="0" smtClean="0">
+                <a:solidFill>
+                  <a:srgbClr val="DC143C"/>
+                </a:solidFill>
+              </a:rPr>
+              <a:t> </a:t>
+            </a:r>
+            <a:r>
+              <a:rPr lang="en-IN" dirty="0"/>
+              <a:t>is a </a:t>
+            </a:r>
+            <a:r>
+              <a:rPr lang="en-IN" b="1" dirty="0"/>
+              <a:t>method</a:t>
+            </a:r>
+            <a:r>
+              <a:rPr lang="en-US" b="1" dirty="0" smtClean="0">
+                <a:solidFill>
+                  <a:schemeClr val="dk1"/>
+                </a:solidFill>
+              </a:rPr>
+              <a:t> </a:t>
+            </a:r>
+            <a:endParaRPr lang="en-IN" dirty="0"/>
+          </a:p>
+        </p:txBody>
+      </p:sp>
+      <p:sp>
+        <p:nvSpPr>
+          <p:cNvPr id="14" name="Rectangle 3"/>
+          <p:cNvSpPr>
+            <a:spLocks noChangeArrowheads="1"/>
+          </p:cNvSpPr>
+          <p:nvPr/>
+        </p:nvSpPr>
+        <p:spPr bwMode="auto">
+          <a:xfrm>
+            <a:off x="0" y="97795"/>
+            <a:ext cx="263214" cy="261610"/>
+          </a:xfrm>
+          <a:prstGeom prst="rect">
+            <a:avLst/>
+          </a:prstGeom>
+          <a:noFill/>
+          <a:ln>
+            <a:noFill/>
+          </a:ln>
+          <a:effectLst/>
+          <a:extLst>
+            <a:ext uri="{909E8E84-426E-40DD-AFC4-6F175D3DCCD1}">
+              <a14:hiddenFill xmlns:a14="http://schemas.microsoft.com/office/drawing/2010/main" xmlns="">
+                <a:solidFill>
+                  <a:schemeClr val="accent1"/>
+                </a:solidFill>
+              </a14:hiddenFill>
+            </a:ext>
+            <a:ext uri="{91240B29-F687-4F45-9708-019B960494DF}">
+              <a14:hiddenLine xmlns:a14="http://schemas.microsoft.com/office/drawing/2010/main" xmlns="" w="9525">
+                <a:solidFill>
+                  <a:schemeClr val="tx1"/>
+                </a:solidFill>
+                <a:miter lim="800000"/>
+                <a:headEnd/>
+                <a:tailEnd/>
+              </a14:hiddenLine>
+            </a:ext>
+            <a:ext uri="{AF507438-7753-43E0-B8FC-AC1667EBCBE1}">
+              <a14:hiddenEffects xmlns:a14="http://schemas.microsoft.com/office/drawing/2010/main" xmlns="">
+                <a:effectLst>
+                  <a:outerShdw dist="35921" dir="2700000" algn="ctr" rotWithShape="0">
+                    <a:schemeClr val="bg2"/>
+                  </a:outerShdw>
+                </a:effectLst>
+              </a14:hiddenEffects>
+            </a:ext>
+          </a:extLst>
+        </p:spPr>
+        <p:txBody>
+          <a:bodyPr vert="horz" wrap="none" lIns="91440" tIns="45720" rIns="91440" bIns="45720" numCol="1" anchor="ctr" anchorCtr="0" compatLnSpc="1">
+            <a:prstTxWarp prst="textNoShape">
+              <a:avLst/>
+            </a:prstTxWarp>
+            <a:spAutoFit/>
+          </a:bodyPr>
+          <a:lstStyle>
+            <a:lvl1pPr eaLnBrk="0" fontAlgn="base" hangingPunct="0">
+              <a:spcBef>
+                <a:spcPct val="0"/>
+              </a:spcBef>
+              <a:spcAft>
+                <a:spcPct val="0"/>
+              </a:spcAft>
+              <a:defRPr>
+                <a:solidFill>
+                  <a:schemeClr val="tx1"/>
+                </a:solidFill>
+                <a:latin typeface="Arial" panose="020B0604020202020204" pitchFamily="34" charset="0"/>
+              </a:defRPr>
+            </a:lvl1pPr>
+            <a:lvl2pPr eaLnBrk="0" fontAlgn="base" hangingPunct="0">
+              <a:spcBef>
+                <a:spcPct val="0"/>
+              </a:spcBef>
+              <a:spcAft>
+                <a:spcPct val="0"/>
+              </a:spcAft>
+              <a:defRPr>
+                <a:solidFill>
+                  <a:schemeClr val="tx1"/>
+                </a:solidFill>
+                <a:latin typeface="Arial" panose="020B0604020202020204" pitchFamily="34" charset="0"/>
+              </a:defRPr>
+            </a:lvl2pPr>
+            <a:lvl3pPr eaLnBrk="0" fontAlgn="base" hangingPunct="0">
+              <a:spcBef>
+                <a:spcPct val="0"/>
+              </a:spcBef>
+              <a:spcAft>
+                <a:spcPct val="0"/>
+              </a:spcAft>
+              <a:defRPr>
+                <a:solidFill>
+                  <a:schemeClr val="tx1"/>
+                </a:solidFill>
+                <a:latin typeface="Arial" panose="020B0604020202020204" pitchFamily="34" charset="0"/>
+              </a:defRPr>
+            </a:lvl3pPr>
+            <a:lvl4pPr eaLnBrk="0" fontAlgn="base" hangingPunct="0">
+              <a:spcBef>
+                <a:spcPct val="0"/>
+              </a:spcBef>
+              <a:spcAft>
+                <a:spcPct val="0"/>
+              </a:spcAft>
+              <a:defRPr>
+                <a:solidFill>
+                  <a:schemeClr val="tx1"/>
+                </a:solidFill>
+                <a:latin typeface="Arial" panose="020B0604020202020204" pitchFamily="34" charset="0"/>
+              </a:defRPr>
+            </a:lvl4pPr>
+            <a:lvl5pPr eaLnBrk="0" fontAlgn="base" hangingPunct="0">
+              <a:spcBef>
+                <a:spcPct val="0"/>
+              </a:spcBef>
+              <a:spcAft>
+                <a:spcPct val="0"/>
+              </a:spcAft>
+              <a:defRPr>
+                <a:solidFill>
+                  <a:schemeClr val="tx1"/>
+                </a:solidFill>
+                <a:latin typeface="Arial" panose="020B0604020202020204" pitchFamily="34" charset="0"/>
+              </a:defRPr>
+            </a:lvl5pPr>
+            <a:lvl6pPr eaLnBrk="0" fontAlgn="base" hangingPunct="0">
+              <a:spcBef>
+                <a:spcPct val="0"/>
+              </a:spcBef>
+              <a:spcAft>
+                <a:spcPct val="0"/>
+              </a:spcAft>
+              <a:defRPr>
+                <a:solidFill>
+                  <a:schemeClr val="tx1"/>
+                </a:solidFill>
+                <a:latin typeface="Arial" panose="020B0604020202020204" pitchFamily="34" charset="0"/>
+              </a:defRPr>
+            </a:lvl6pPr>
+            <a:lvl7pPr eaLnBrk="0" fontAlgn="base" hangingPunct="0">
+              <a:spcBef>
+                <a:spcPct val="0"/>
+              </a:spcBef>
+              <a:spcAft>
+                <a:spcPct val="0"/>
+              </a:spcAft>
+              <a:defRPr>
+                <a:solidFill>
+                  <a:schemeClr val="tx1"/>
+                </a:solidFill>
+                <a:latin typeface="Arial" panose="020B0604020202020204" pitchFamily="34" charset="0"/>
+              </a:defRPr>
+            </a:lvl7pPr>
+            <a:lvl8pPr eaLnBrk="0" fontAlgn="base" hangingPunct="0">
+              <a:spcBef>
+                <a:spcPct val="0"/>
+              </a:spcBef>
+              <a:spcAft>
+                <a:spcPct val="0"/>
+              </a:spcAft>
+              <a:defRPr>
+                <a:solidFill>
+                  <a:schemeClr val="tx1"/>
+                </a:solidFill>
+                <a:latin typeface="Arial" panose="020B0604020202020204" pitchFamily="34" charset="0"/>
+              </a:defRPr>
+            </a:lvl8pPr>
+            <a:lvl9pPr eaLnBrk="0" fontAlgn="base" hangingPunct="0">
+              <a:spcBef>
+                <a:spcPct val="0"/>
+              </a:spcBef>
+              <a:spcAft>
+                <a:spcPct val="0"/>
+              </a:spcAft>
+              <a:defRPr>
+                <a:solidFill>
+                  <a:schemeClr val="tx1"/>
+                </a:solidFill>
+                <a:latin typeface="Arial" panose="020B0604020202020204" pitchFamily="34" charset="0"/>
+              </a:defRPr>
+            </a:lvl9pPr>
+          </a:lstStyle>
+          <a:p>
+            <a:pPr marL="0" marR="0" lvl="0" indent="0" algn="l" defTabSz="914400" rtl="0" eaLnBrk="0" fontAlgn="base" latinLnBrk="0" hangingPunct="0">
+              <a:lnSpc>
+                <a:spcPct val="100000"/>
+              </a:lnSpc>
+              <a:spcBef>
+                <a:spcPct val="0"/>
+              </a:spcBef>
+              <a:spcAft>
+                <a:spcPct val="0"/>
+              </a:spcAft>
+              <a:buClrTx/>
+              <a:buSzTx/>
+              <a:buFontTx/>
+              <a:buNone/>
+              <a:tabLst/>
+            </a:pPr>
+            <a:r>
+              <a:rPr kumimoji="0" lang="en-US" altLang="en-US" sz="1100" b="0" i="0" u="none" strike="noStrike" cap="none" normalizeH="0" baseline="0" dirty="0" smtClean="0">
+                <a:ln>
+                  <a:noFill/>
+                </a:ln>
+                <a:solidFill>
+                  <a:srgbClr val="000000"/>
+                </a:solidFill>
+                <a:effectLst/>
+                <a:latin typeface="Verdana" panose="020B0604030504040204" pitchFamily="34" charset="0"/>
+              </a:rPr>
+              <a:t> </a:t>
+            </a:r>
+            <a:r>
+              <a:rPr kumimoji="0" lang="en-US" altLang="en-US" sz="800" b="0" i="0" u="none" strike="noStrike" cap="none" normalizeH="0" baseline="0" dirty="0" smtClean="0">
+                <a:ln>
+                  <a:noFill/>
+                </a:ln>
+                <a:solidFill>
+                  <a:schemeClr val="tx1"/>
+                </a:solidFill>
+                <a:effectLst/>
+              </a:rPr>
+              <a:t> </a:t>
+            </a:r>
+            <a:endParaRPr kumimoji="0" lang="en-US" altLang="en-US" sz="1800" b="0" i="0" u="none" strike="noStrike" cap="none" normalizeH="0" baseline="0" dirty="0" smtClean="0">
+              <a:ln>
+                <a:noFill/>
+              </a:ln>
+              <a:solidFill>
+                <a:schemeClr val="tx1"/>
+              </a:solidFill>
+              <a:effectLst/>
+              <a:latin typeface="Arial" panose="020B0604020202020204" pitchFamily="34" charset="0"/>
+            </a:endParaRPr>
+          </a:p>
+        </p:txBody>
+      </p:sp>
+      <p:cxnSp>
+        <p:nvCxnSpPr>
+          <p:cNvPr id="27" name="Elbow Connector 26"/>
+          <p:cNvCxnSpPr/>
+          <p:nvPr/>
+        </p:nvCxnSpPr>
+        <p:spPr>
+          <a:xfrm flipV="1">
+            <a:off x="4772297" y="2534194"/>
+            <a:ext cx="3953692" cy="862496"/>
+          </a:xfrm>
+          <a:prstGeom prst="bentConnector3">
+            <a:avLst>
+              <a:gd name="adj1" fmla="val -220"/>
+            </a:avLst>
+          </a:prstGeom>
+          <a:ln>
+            <a:headEnd type="triangle"/>
+            <a:tailEnd type="triangle"/>
+          </a:ln>
+        </p:spPr>
+        <p:style>
+          <a:lnRef idx="1">
+            <a:schemeClr val="accent1"/>
+          </a:lnRef>
+          <a:fillRef idx="0">
+            <a:schemeClr val="accent1"/>
+          </a:fillRef>
+          <a:effectRef idx="0">
+            <a:schemeClr val="accent1"/>
+          </a:effectRef>
+          <a:fontRef idx="minor">
+            <a:schemeClr val="tx1"/>
+          </a:fontRef>
+        </p:style>
+      </p:cxnSp>
+      <p:sp>
+        <p:nvSpPr>
+          <p:cNvPr id="31" name="Rectangle 4"/>
+          <p:cNvSpPr>
+            <a:spLocks noChangeArrowheads="1"/>
+          </p:cNvSpPr>
+          <p:nvPr/>
+        </p:nvSpPr>
+        <p:spPr bwMode="auto">
+          <a:xfrm>
+            <a:off x="8804367" y="2156892"/>
+            <a:ext cx="1907176" cy="646331"/>
+          </a:xfrm>
+          <a:prstGeom prst="rect">
+            <a:avLst/>
+          </a:prstGeom>
+        </p:spPr>
+        <p:txBody>
+          <a:bodyPr wrap="square">
+            <a:spAutoFit/>
+          </a:bodyPr>
+          <a:lstStyle/>
+          <a:p>
+            <a:r>
+              <a:rPr lang="en-US" altLang="en-US" dirty="0" err="1">
+                <a:solidFill>
+                  <a:srgbClr val="DC143C"/>
+                </a:solidFill>
+              </a:rPr>
+              <a:t>innerHTML</a:t>
+            </a:r>
+            <a:r>
+              <a:rPr lang="en-US" altLang="en-US" dirty="0">
+                <a:solidFill>
+                  <a:srgbClr val="DC143C"/>
+                </a:solidFill>
+              </a:rPr>
+              <a:t> </a:t>
+            </a:r>
+            <a:r>
+              <a:rPr lang="en-US" altLang="en-US" dirty="0"/>
+              <a:t>is a property </a:t>
+            </a:r>
+          </a:p>
+        </p:txBody>
+      </p:sp>
+    </p:spTree>
+    <p:extLst>
+      <p:ext uri="{BB962C8B-B14F-4D97-AF65-F5344CB8AC3E}">
+        <p14:creationId xmlns:p14="http://schemas.microsoft.com/office/powerpoint/2010/main" xmlns="" val="3754129480"/>
+      </p:ext>
+    </p:extLst>
+  </p:cSld>
+  <p:clrMapOvr>
+    <a:masterClrMapping/>
+  </p:clrMapOvr>
+  <p:timing>
+    <p:tnLst>
+      <p:par>
+        <p:cTn id="1" dur="indefinite" restart="never" nodeType="tmRoot"/>
+      </p:par>
+    </p:tnLst>
+  </p:timing>
+</p:sld>
+</file>
+
+<file path=ppt/slides/slide15.xml><?xml version="1.0" encoding="utf-8"?>
+<p:sld xmlns:a="http://schemas.openxmlformats.org/drawingml/2006/main" xmlns:r="http://schemas.openxmlformats.org/officeDocument/2006/relationships" xmlns:p="http://schemas.openxmlformats.org/presentationml/2006/main">
+  <p:cSld>
+    <p:spTree>
+      <p:nvGrpSpPr>
+        <p:cNvPr id="1" name=""/>
+        <p:cNvGrpSpPr/>
+        <p:nvPr/>
+      </p:nvGrpSpPr>
+      <p:grpSpPr>
+        <a:xfrm>
+          <a:off x="0" y="0"/>
+          <a:ext cx="0" cy="0"/>
+          <a:chOff x="0" y="0"/>
+          <a:chExt cx="0" cy="0"/>
+        </a:xfrm>
+      </p:grpSpPr>
+      <p:sp>
+        <p:nvSpPr>
+          <p:cNvPr id="2" name="Title 1"/>
+          <p:cNvSpPr>
+            <a:spLocks noGrp="1"/>
+          </p:cNvSpPr>
+          <p:nvPr>
+            <p:ph type="title"/>
+          </p:nvPr>
+        </p:nvSpPr>
+        <p:spPr/>
+        <p:txBody>
+          <a:bodyPr/>
+          <a:lstStyle/>
+          <a:p>
+            <a:r>
+              <a:rPr lang="en-IN" dirty="0" err="1" smtClean="0"/>
+              <a:t>getElementById</a:t>
+            </a:r>
+            <a:endParaRPr lang="en-US" dirty="0"/>
+          </a:p>
+        </p:txBody>
+      </p:sp>
+      <p:pic>
+        <p:nvPicPr>
+          <p:cNvPr id="18434" name="Picture 2"/>
+          <p:cNvPicPr>
+            <a:picLocks noGrp="1" noChangeAspect="1" noChangeArrowheads="1"/>
+          </p:cNvPicPr>
+          <p:nvPr>
+            <p:ph idx="1"/>
+          </p:nvPr>
+        </p:nvPicPr>
+        <p:blipFill>
+          <a:blip r:embed="rId2"/>
+          <a:srcRect/>
+          <a:stretch>
+            <a:fillRect/>
+          </a:stretch>
+        </p:blipFill>
+        <p:spPr bwMode="auto">
+          <a:xfrm>
+            <a:off x="1018903" y="1786435"/>
+            <a:ext cx="10280468" cy="4535987"/>
+          </a:xfrm>
+          <a:prstGeom prst="rect">
+            <a:avLst/>
+          </a:prstGeom>
+          <a:noFill/>
+          <a:ln w="9525">
+            <a:noFill/>
+            <a:miter lim="800000"/>
+            <a:headEnd/>
+            <a:tailEnd/>
+          </a:ln>
+          <a:effectLst/>
+        </p:spPr>
+      </p:pic>
+    </p:spTree>
+  </p:cSld>
+  <p:clrMapOvr>
+    <a:masterClrMapping/>
+  </p:clrMapOvr>
+</p:sld>
+</file>
+
+<file path=ppt/slides/slide16.xml><?xml version="1.0" encoding="utf-8"?>
+<p:sld xmlns:a="http://schemas.openxmlformats.org/drawingml/2006/main" xmlns:r="http://schemas.openxmlformats.org/officeDocument/2006/relationships" xmlns:p="http://schemas.openxmlformats.org/presentationml/2006/main">
+  <p:cSld>
+    <p:spTree>
+      <p:nvGrpSpPr>
+        <p:cNvPr id="1" name=""/>
+        <p:cNvGrpSpPr/>
+        <p:nvPr/>
+      </p:nvGrpSpPr>
+      <p:grpSpPr>
+        <a:xfrm>
+          <a:off x="0" y="0"/>
+          <a:ext cx="0" cy="0"/>
+          <a:chOff x="0" y="0"/>
+          <a:chExt cx="0" cy="0"/>
+        </a:xfrm>
+      </p:grpSpPr>
+      <p:sp>
+        <p:nvSpPr>
+          <p:cNvPr id="2" name="Title 1"/>
+          <p:cNvSpPr>
+            <a:spLocks noGrp="1"/>
+          </p:cNvSpPr>
+          <p:nvPr>
+            <p:ph type="title"/>
+          </p:nvPr>
+        </p:nvSpPr>
+        <p:spPr/>
+        <p:txBody>
+          <a:bodyPr/>
+          <a:lstStyle/>
+          <a:p>
+            <a:r>
+              <a:rPr lang="en-IN" dirty="0" err="1" smtClean="0"/>
+              <a:t>getElementsByTagName</a:t>
+            </a:r>
+            <a:endParaRPr lang="en-US" dirty="0"/>
+          </a:p>
+        </p:txBody>
+      </p:sp>
+      <p:pic>
+        <p:nvPicPr>
+          <p:cNvPr id="19458" name="Picture 2"/>
+          <p:cNvPicPr>
+            <a:picLocks noGrp="1" noChangeAspect="1" noChangeArrowheads="1"/>
+          </p:cNvPicPr>
+          <p:nvPr>
+            <p:ph idx="1"/>
+          </p:nvPr>
+        </p:nvPicPr>
+        <p:blipFill>
+          <a:blip r:embed="rId2"/>
+          <a:srcRect/>
+          <a:stretch>
+            <a:fillRect/>
+          </a:stretch>
+        </p:blipFill>
+        <p:spPr bwMode="auto">
+          <a:xfrm>
+            <a:off x="888274" y="1825625"/>
+            <a:ext cx="8659351" cy="4351338"/>
+          </a:xfrm>
+          <a:prstGeom prst="rect">
+            <a:avLst/>
+          </a:prstGeom>
+          <a:noFill/>
+          <a:ln w="9525">
+            <a:noFill/>
+            <a:miter lim="800000"/>
+            <a:headEnd/>
+            <a:tailEnd/>
+          </a:ln>
+          <a:effectLst/>
+        </p:spPr>
+      </p:pic>
+    </p:spTree>
+  </p:cSld>
+  <p:clrMapOvr>
+    <a:masterClrMapping/>
+  </p:clrMapOvr>
+</p:sld>
+</file>
+
+<file path=ppt/slides/slide17.xml><?xml version="1.0" encoding="utf-8"?>
+<p:sld xmlns:a="http://schemas.openxmlformats.org/drawingml/2006/main" xmlns:r="http://schemas.openxmlformats.org/officeDocument/2006/relationships" xmlns:p="http://schemas.openxmlformats.org/presentationml/2006/main">
+  <p:cSld>
+    <p:spTree>
+      <p:nvGrpSpPr>
+        <p:cNvPr id="1" name=""/>
+        <p:cNvGrpSpPr/>
+        <p:nvPr/>
+      </p:nvGrpSpPr>
+      <p:grpSpPr>
+        <a:xfrm>
+          <a:off x="0" y="0"/>
+          <a:ext cx="0" cy="0"/>
+          <a:chOff x="0" y="0"/>
+          <a:chExt cx="0" cy="0"/>
+        </a:xfrm>
+      </p:grpSpPr>
+      <p:sp>
+        <p:nvSpPr>
+          <p:cNvPr id="2" name="Title 1"/>
+          <p:cNvSpPr>
+            <a:spLocks noGrp="1"/>
+          </p:cNvSpPr>
+          <p:nvPr>
+            <p:ph type="title"/>
+          </p:nvPr>
+        </p:nvSpPr>
+        <p:spPr/>
+        <p:txBody>
+          <a:bodyPr/>
+          <a:lstStyle/>
+          <a:p>
+            <a:r>
+              <a:rPr lang="en-IN" dirty="0" err="1" smtClean="0"/>
+              <a:t>getElementsByClassName</a:t>
+            </a:r>
+            <a:endParaRPr lang="en-US" dirty="0"/>
+          </a:p>
+        </p:txBody>
+      </p:sp>
+      <p:pic>
+        <p:nvPicPr>
+          <p:cNvPr id="20482" name="Picture 2"/>
+          <p:cNvPicPr>
+            <a:picLocks noGrp="1" noChangeAspect="1" noChangeArrowheads="1"/>
+          </p:cNvPicPr>
+          <p:nvPr>
+            <p:ph idx="1"/>
+          </p:nvPr>
+        </p:nvPicPr>
+        <p:blipFill>
+          <a:blip r:embed="rId2"/>
+          <a:srcRect/>
+          <a:stretch>
+            <a:fillRect/>
+          </a:stretch>
+        </p:blipFill>
+        <p:spPr bwMode="auto">
+          <a:xfrm>
+            <a:off x="744583" y="1825625"/>
+            <a:ext cx="10920548" cy="4351338"/>
+          </a:xfrm>
+          <a:prstGeom prst="rect">
+            <a:avLst/>
+          </a:prstGeom>
+          <a:noFill/>
+          <a:ln w="9525">
+            <a:noFill/>
+            <a:miter lim="800000"/>
+            <a:headEnd/>
+            <a:tailEnd/>
+          </a:ln>
+          <a:effectLst/>
+        </p:spPr>
+      </p:pic>
+    </p:spTree>
+  </p:cSld>
+  <p:clrMapOvr>
+    <a:masterClrMapping/>
+  </p:clrMapOvr>
+</p:sld>
+</file>
+
+<file path=ppt/slides/slide18.xml><?xml version="1.0" encoding="utf-8"?>
+<p:sld xmlns:a="http://schemas.openxmlformats.org/drawingml/2006/main" xmlns:r="http://schemas.openxmlformats.org/officeDocument/2006/relationships" xmlns:p="http://schemas.openxmlformats.org/presentationml/2006/main">
+  <p:cSld>
+    <p:spTree>
+      <p:nvGrpSpPr>
+        <p:cNvPr id="1" name=""/>
+        <p:cNvGrpSpPr/>
+        <p:nvPr/>
+      </p:nvGrpSpPr>
+      <p:grpSpPr>
+        <a:xfrm>
+          <a:off x="0" y="0"/>
+          <a:ext cx="0" cy="0"/>
+          <a:chOff x="0" y="0"/>
+          <a:chExt cx="0" cy="0"/>
+        </a:xfrm>
+      </p:grpSpPr>
+      <p:sp>
+        <p:nvSpPr>
+          <p:cNvPr id="2" name="Title 1"/>
+          <p:cNvSpPr>
+            <a:spLocks noGrp="1"/>
+          </p:cNvSpPr>
+          <p:nvPr>
+            <p:ph type="title"/>
+          </p:nvPr>
+        </p:nvSpPr>
+        <p:spPr/>
+        <p:txBody>
+          <a:bodyPr/>
+          <a:lstStyle/>
+          <a:p>
+            <a:r>
+              <a:rPr lang="en-IN" dirty="0" smtClean="0"/>
+              <a:t>CSS </a:t>
+            </a:r>
+            <a:r>
+              <a:rPr lang="en-IN" dirty="0" err="1" smtClean="0"/>
+              <a:t>QuerySelector</a:t>
+            </a:r>
+            <a:endParaRPr lang="en-US" dirty="0"/>
+          </a:p>
+        </p:txBody>
+      </p:sp>
+      <p:pic>
+        <p:nvPicPr>
+          <p:cNvPr id="21506" name="Picture 2"/>
+          <p:cNvPicPr>
+            <a:picLocks noGrp="1" noChangeAspect="1" noChangeArrowheads="1"/>
+          </p:cNvPicPr>
+          <p:nvPr>
+            <p:ph idx="1"/>
+          </p:nvPr>
+        </p:nvPicPr>
+        <p:blipFill>
+          <a:blip r:embed="rId2"/>
+          <a:srcRect/>
+          <a:stretch>
+            <a:fillRect/>
+          </a:stretch>
+        </p:blipFill>
+        <p:spPr bwMode="auto">
+          <a:xfrm>
+            <a:off x="796834" y="1825625"/>
+            <a:ext cx="10607040" cy="4351338"/>
+          </a:xfrm>
+          <a:prstGeom prst="rect">
+            <a:avLst/>
+          </a:prstGeom>
+          <a:noFill/>
+          <a:ln w="9525">
+            <a:noFill/>
+            <a:miter lim="800000"/>
+            <a:headEnd/>
+            <a:tailEnd/>
+          </a:ln>
+          <a:effectLst/>
+        </p:spPr>
+      </p:pic>
+    </p:spTree>
+  </p:cSld>
+  <p:clrMapOvr>
+    <a:masterClrMapping/>
+  </p:clrMapOvr>
+</p:sld>
+</file>
+
+<file path=ppt/slides/slide19.xml><?xml version="1.0" encoding="utf-8"?>
+<p:sld xmlns:a="http://schemas.openxmlformats.org/drawingml/2006/main" xmlns:r="http://schemas.openxmlformats.org/officeDocument/2006/relationships" xmlns:p="http://schemas.openxmlformats.org/presentationml/2006/main">
+  <p:cSld>
+    <p:spTree>
+      <p:nvGrpSpPr>
+        <p:cNvPr id="1" name=""/>
+        <p:cNvGrpSpPr/>
+        <p:nvPr/>
+      </p:nvGrpSpPr>
+      <p:grpSpPr>
+        <a:xfrm>
+          <a:off x="0" y="0"/>
+          <a:ext cx="0" cy="0"/>
+          <a:chOff x="0" y="0"/>
+          <a:chExt cx="0" cy="0"/>
+        </a:xfrm>
+      </p:grpSpPr>
+      <p:sp>
+        <p:nvSpPr>
+          <p:cNvPr id="2" name="Title 1"/>
+          <p:cNvSpPr>
+            <a:spLocks noGrp="1"/>
+          </p:cNvSpPr>
+          <p:nvPr>
+            <p:ph type="title"/>
+          </p:nvPr>
+        </p:nvSpPr>
+        <p:spPr/>
+        <p:txBody>
+          <a:bodyPr/>
+          <a:lstStyle/>
+          <a:p>
+            <a:r>
+              <a:rPr lang="en-IN" dirty="0" smtClean="0"/>
+              <a:t>Form Object Collection</a:t>
+            </a:r>
+            <a:endParaRPr lang="en-US" dirty="0"/>
+          </a:p>
+        </p:txBody>
+      </p:sp>
+      <p:pic>
+        <p:nvPicPr>
+          <p:cNvPr id="22530" name="Picture 2"/>
+          <p:cNvPicPr>
+            <a:picLocks noGrp="1" noChangeAspect="1" noChangeArrowheads="1"/>
+          </p:cNvPicPr>
+          <p:nvPr>
+            <p:ph idx="1"/>
+          </p:nvPr>
+        </p:nvPicPr>
+        <p:blipFill>
+          <a:blip r:embed="rId2"/>
+          <a:srcRect/>
+          <a:stretch>
+            <a:fillRect/>
+          </a:stretch>
+        </p:blipFill>
+        <p:spPr bwMode="auto">
+          <a:xfrm>
+            <a:off x="522513" y="1825625"/>
+            <a:ext cx="10502537" cy="4351338"/>
+          </a:xfrm>
+          <a:prstGeom prst="rect">
+            <a:avLst/>
+          </a:prstGeom>
+          <a:noFill/>
+          <a:ln w="9525">
+            <a:noFill/>
+            <a:miter lim="800000"/>
+            <a:headEnd/>
+            <a:tailEnd/>
+          </a:ln>
+          <a:effectLst/>
+        </p:spPr>
+      </p:pic>
+    </p:spTree>
+  </p:cSld>
+  <p:clrMapOvr>
+    <a:masterClrMapping/>
+  </p:clrMapOvr>
+</p:sld>
+</file>
+
+<file path=ppt/slides/slide2.xml><?xml version="1.0" encoding="utf-8"?>
+<p:sld xmlns:a="http://schemas.openxmlformats.org/drawingml/2006/main" xmlns:r="http://schemas.openxmlformats.org/officeDocument/2006/relationships" xmlns:p="http://schemas.openxmlformats.org/presentationml/2006/main">
+  <p:cSld>
+    <p:spTree>
+      <p:nvGrpSpPr>
+        <p:cNvPr id="1" name=""/>
+        <p:cNvGrpSpPr/>
+        <p:nvPr/>
+      </p:nvGrpSpPr>
+      <p:grpSpPr>
+        <a:xfrm>
+          <a:off x="0" y="0"/>
+          <a:ext cx="0" cy="0"/>
+          <a:chOff x="0" y="0"/>
+          <a:chExt cx="0" cy="0"/>
+        </a:xfrm>
+      </p:grpSpPr>
+      <p:sp>
+        <p:nvSpPr>
+          <p:cNvPr id="2" name="Title 1"/>
+          <p:cNvSpPr>
+            <a:spLocks noGrp="1"/>
+          </p:cNvSpPr>
+          <p:nvPr>
+            <p:ph type="title"/>
+          </p:nvPr>
+        </p:nvSpPr>
+        <p:spPr/>
+        <p:txBody>
+          <a:bodyPr/>
+          <a:lstStyle/>
+          <a:p>
+            <a:r>
+              <a:rPr lang="en-US" dirty="0" smtClean="0"/>
+              <a:t>TREE DATA STRUCTURE</a:t>
+            </a:r>
+            <a:endParaRPr lang="en-US" dirty="0"/>
+          </a:p>
+        </p:txBody>
+      </p:sp>
+      <p:pic>
+        <p:nvPicPr>
+          <p:cNvPr id="2050" name="Picture 2"/>
+          <p:cNvPicPr>
+            <a:picLocks noGrp="1" noChangeAspect="1" noChangeArrowheads="1"/>
+          </p:cNvPicPr>
+          <p:nvPr>
+            <p:ph idx="1"/>
+          </p:nvPr>
+        </p:nvPicPr>
+        <p:blipFill>
+          <a:blip r:embed="rId2"/>
+          <a:srcRect/>
+          <a:stretch>
+            <a:fillRect/>
+          </a:stretch>
+        </p:blipFill>
+        <p:spPr bwMode="auto">
+          <a:xfrm>
+            <a:off x="4210050" y="2010569"/>
+            <a:ext cx="3771900" cy="3981450"/>
+          </a:xfrm>
+          <a:prstGeom prst="rect">
+            <a:avLst/>
+          </a:prstGeom>
+          <a:noFill/>
+          <a:ln w="9525">
+            <a:noFill/>
+            <a:miter lim="800000"/>
+            <a:headEnd/>
+            <a:tailEnd/>
+          </a:ln>
+          <a:effectLst/>
+        </p:spPr>
+      </p:pic>
+    </p:spTree>
+  </p:cSld>
+  <p:clrMapOvr>
+    <a:masterClrMapping/>
+  </p:clrMapOvr>
+</p:sld>
+</file>
+
+<file path=ppt/slides/slide20.xml><?xml version="1.0" encoding="utf-8"?>
+<p:sld xmlns:a="http://schemas.openxmlformats.org/drawingml/2006/main" xmlns:r="http://schemas.openxmlformats.org/officeDocument/2006/relationships" xmlns:p="http://schemas.openxmlformats.org/presentationml/2006/main">
+  <p:cSld>
+    <p:spTree>
+      <p:nvGrpSpPr>
+        <p:cNvPr id="1" name=""/>
+        <p:cNvGrpSpPr/>
+        <p:nvPr/>
+      </p:nvGrpSpPr>
+      <p:grpSpPr>
+        <a:xfrm>
+          <a:off x="0" y="0"/>
+          <a:ext cx="0" cy="0"/>
+          <a:chOff x="0" y="0"/>
+          <a:chExt cx="0" cy="0"/>
+        </a:xfrm>
+      </p:grpSpPr>
+      <p:sp>
+        <p:nvSpPr>
+          <p:cNvPr id="2" name="Title 1"/>
+          <p:cNvSpPr>
+            <a:spLocks noGrp="1"/>
+          </p:cNvSpPr>
+          <p:nvPr>
+            <p:ph type="title"/>
+          </p:nvPr>
+        </p:nvSpPr>
+        <p:spPr/>
+        <p:txBody>
+          <a:bodyPr/>
+          <a:lstStyle/>
+          <a:p>
+            <a:r>
+              <a:rPr lang="en-IN" dirty="0" smtClean="0"/>
+              <a:t>ADD DOM</a:t>
+            </a:r>
+            <a:endParaRPr lang="en-US" dirty="0"/>
+          </a:p>
+        </p:txBody>
+      </p:sp>
+      <p:sp>
+        <p:nvSpPr>
+          <p:cNvPr id="3" name="Content Placeholder 2"/>
+          <p:cNvSpPr>
+            <a:spLocks noGrp="1"/>
+          </p:cNvSpPr>
+          <p:nvPr>
+            <p:ph idx="1"/>
+          </p:nvPr>
+        </p:nvSpPr>
+        <p:spPr/>
+        <p:txBody>
+          <a:bodyPr/>
+          <a:lstStyle/>
+          <a:p>
+            <a:endParaRPr lang="en-US"/>
+          </a:p>
+        </p:txBody>
+      </p:sp>
+      <p:pic>
+        <p:nvPicPr>
+          <p:cNvPr id="23554" name="Picture 2"/>
+          <p:cNvPicPr>
+            <a:picLocks noChangeAspect="1" noChangeArrowheads="1"/>
+          </p:cNvPicPr>
+          <p:nvPr/>
+        </p:nvPicPr>
+        <p:blipFill>
+          <a:blip r:embed="rId2"/>
+          <a:srcRect/>
+          <a:stretch>
+            <a:fillRect/>
+          </a:stretch>
+        </p:blipFill>
+        <p:spPr bwMode="auto">
+          <a:xfrm>
+            <a:off x="868272" y="1805668"/>
+            <a:ext cx="10561728" cy="4552950"/>
+          </a:xfrm>
+          <a:prstGeom prst="rect">
+            <a:avLst/>
+          </a:prstGeom>
+          <a:noFill/>
+          <a:ln w="9525">
+            <a:noFill/>
+            <a:miter lim="800000"/>
+            <a:headEnd/>
+            <a:tailEnd/>
+          </a:ln>
+          <a:effectLst/>
+        </p:spPr>
+      </p:pic>
+    </p:spTree>
+  </p:cSld>
+  <p:clrMapOvr>
+    <a:masterClrMapping/>
+  </p:clrMapOvr>
+</p:sld>
+</file>
+
+<file path=ppt/slides/slide21.xml><?xml version="1.0" encoding="utf-8"?>
+<p:sld xmlns:a="http://schemas.openxmlformats.org/drawingml/2006/main" xmlns:r="http://schemas.openxmlformats.org/officeDocument/2006/relationships" xmlns:p="http://schemas.openxmlformats.org/presentationml/2006/main">
+  <p:cSld>
+    <p:spTree>
+      <p:nvGrpSpPr>
+        <p:cNvPr id="1" name=""/>
+        <p:cNvGrpSpPr/>
+        <p:nvPr/>
+      </p:nvGrpSpPr>
+      <p:grpSpPr>
+        <a:xfrm>
+          <a:off x="0" y="0"/>
+          <a:ext cx="0" cy="0"/>
+          <a:chOff x="0" y="0"/>
+          <a:chExt cx="0" cy="0"/>
+        </a:xfrm>
+      </p:grpSpPr>
+      <p:sp>
+        <p:nvSpPr>
+          <p:cNvPr id="2" name="Title 1"/>
+          <p:cNvSpPr>
+            <a:spLocks noGrp="1"/>
+          </p:cNvSpPr>
+          <p:nvPr>
+            <p:ph type="title"/>
+          </p:nvPr>
+        </p:nvSpPr>
+        <p:spPr/>
+        <p:txBody>
+          <a:bodyPr/>
+          <a:lstStyle/>
+          <a:p>
+            <a:r>
+              <a:rPr lang="en-IN" dirty="0" smtClean="0"/>
+              <a:t>Remove DOM</a:t>
+            </a:r>
+            <a:endParaRPr lang="en-US" dirty="0"/>
+          </a:p>
+        </p:txBody>
+      </p:sp>
+      <p:pic>
+        <p:nvPicPr>
+          <p:cNvPr id="24578" name="Picture 2"/>
+          <p:cNvPicPr>
+            <a:picLocks noGrp="1" noChangeAspect="1" noChangeArrowheads="1"/>
+          </p:cNvPicPr>
+          <p:nvPr>
+            <p:ph idx="1"/>
+          </p:nvPr>
+        </p:nvPicPr>
+        <p:blipFill>
+          <a:blip r:embed="rId2"/>
+          <a:srcRect/>
+          <a:stretch>
+            <a:fillRect/>
+          </a:stretch>
+        </p:blipFill>
+        <p:spPr bwMode="auto">
+          <a:xfrm>
+            <a:off x="888274" y="1825625"/>
+            <a:ext cx="10058400" cy="4351338"/>
+          </a:xfrm>
+          <a:prstGeom prst="rect">
+            <a:avLst/>
+          </a:prstGeom>
+          <a:noFill/>
+          <a:ln w="9525">
+            <a:noFill/>
+            <a:miter lim="800000"/>
+            <a:headEnd/>
+            <a:tailEnd/>
+          </a:ln>
+          <a:effectLst/>
+        </p:spPr>
+      </p:pic>
+    </p:spTree>
+  </p:cSld>
+  <p:clrMapOvr>
+    <a:masterClrMapping/>
+  </p:clrMapOvr>
+</p:sld>
+</file>
+
+<file path=ppt/slides/slide22.xml><?xml version="1.0" encoding="utf-8"?>
+<p:sld xmlns:a="http://schemas.openxmlformats.org/drawingml/2006/main" xmlns:r="http://schemas.openxmlformats.org/officeDocument/2006/relationships" xmlns:p="http://schemas.openxmlformats.org/presentationml/2006/main">
+  <p:cSld>
+    <p:spTree>
+      <p:nvGrpSpPr>
+        <p:cNvPr id="1" name=""/>
+        <p:cNvGrpSpPr/>
+        <p:nvPr/>
+      </p:nvGrpSpPr>
+      <p:grpSpPr>
+        <a:xfrm>
+          <a:off x="0" y="0"/>
+          <a:ext cx="0" cy="0"/>
+          <a:chOff x="0" y="0"/>
+          <a:chExt cx="0" cy="0"/>
+        </a:xfrm>
+      </p:grpSpPr>
+      <p:sp>
+        <p:nvSpPr>
           <p:cNvPr id="4" name="Content Placeholder 13"/>
           <p:cNvSpPr txBox="1">
             <a:spLocks/>
@@ -4617,7 +7097,7 @@
 </p:sld>
 </file>
 
-<file path=ppt/slides/slide11.xml><?xml version="1.0" encoding="utf-8"?>
+<file path=ppt/slides/slide23.xml><?xml version="1.0" encoding="utf-8"?>
 <p:sld xmlns:a="http://schemas.openxmlformats.org/drawingml/2006/main" xmlns:r="http://schemas.openxmlformats.org/officeDocument/2006/relationships" xmlns:p="http://schemas.openxmlformats.org/presentationml/2006/main">
   <p:cSld>
     <p:spTree>
@@ -4700,7 +7180,7 @@
 </p:sld>
 </file>
 
-<file path=ppt/slides/slide12.xml><?xml version="1.0" encoding="utf-8"?>
+<file path=ppt/slides/slide24.xml><?xml version="1.0" encoding="utf-8"?>
 <p:sld xmlns:a="http://schemas.openxmlformats.org/drawingml/2006/main" xmlns:r="http://schemas.openxmlformats.org/officeDocument/2006/relationships" xmlns:p="http://schemas.openxmlformats.org/presentationml/2006/main">
   <p:cSld>
     <p:spTree>
@@ -4783,7 +7263,7 @@
 </p:sld>
 </file>
 
-<file path=ppt/slides/slide13.xml><?xml version="1.0" encoding="utf-8"?>
+<file path=ppt/slides/slide25.xml><?xml version="1.0" encoding="utf-8"?>
 <p:sld xmlns:a="http://schemas.openxmlformats.org/drawingml/2006/main" xmlns:r="http://schemas.openxmlformats.org/officeDocument/2006/relationships" xmlns:p="http://schemas.openxmlformats.org/presentationml/2006/main">
   <p:cSld>
     <p:spTree>
@@ -4899,7 +7379,7 @@
 </p:sld>
 </file>
 
-<file path=ppt/slides/slide14.xml><?xml version="1.0" encoding="utf-8"?>
+<file path=ppt/slides/slide26.xml><?xml version="1.0" encoding="utf-8"?>
 <p:sld xmlns:a="http://schemas.openxmlformats.org/drawingml/2006/main" xmlns:r="http://schemas.openxmlformats.org/officeDocument/2006/relationships" xmlns:p="http://schemas.openxmlformats.org/presentationml/2006/main">
   <p:cSld>
     <p:spTree>
@@ -4982,7 +7462,7 @@
 </p:sld>
 </file>
 
-<file path=ppt/slides/slide15.xml><?xml version="1.0" encoding="utf-8"?>
+<file path=ppt/slides/slide27.xml><?xml version="1.0" encoding="utf-8"?>
 <p:sld xmlns:a="http://schemas.openxmlformats.org/drawingml/2006/main" xmlns:r="http://schemas.openxmlformats.org/officeDocument/2006/relationships" xmlns:p="http://schemas.openxmlformats.org/presentationml/2006/main">
   <p:cSld>
     <p:spTree>
@@ -5065,7 +7545,7 @@
 </p:sld>
 </file>
 
-<file path=ppt/slides/slide16.xml><?xml version="1.0" encoding="utf-8"?>
+<file path=ppt/slides/slide28.xml><?xml version="1.0" encoding="utf-8"?>
 <p:sld xmlns:a="http://schemas.openxmlformats.org/drawingml/2006/main" xmlns:r="http://schemas.openxmlformats.org/officeDocument/2006/relationships" xmlns:p="http://schemas.openxmlformats.org/presentationml/2006/main">
   <p:cSld>
     <p:spTree>
@@ -5148,7 +7628,7 @@
 </p:sld>
 </file>
 
-<file path=ppt/slides/slide17.xml><?xml version="1.0" encoding="utf-8"?>
+<file path=ppt/slides/slide29.xml><?xml version="1.0" encoding="utf-8"?>
 <p:sld xmlns:a="http://schemas.openxmlformats.org/drawingml/2006/main" xmlns:r="http://schemas.openxmlformats.org/officeDocument/2006/relationships" xmlns:p="http://schemas.openxmlformats.org/presentationml/2006/main">
   <p:cSld>
     <p:spTree>
@@ -5180,13 +7660,17 @@
           <a:bodyPr/>
           <a:lstStyle/>
           <a:p>
-            <a:endParaRPr lang="en-US"/>
+            <a:r>
+              <a:rPr lang="en-IN" dirty="0" err="1" smtClean="0"/>
+              <a:t>onBlur</a:t>
+            </a:r>
+            <a:endParaRPr lang="en-US" dirty="0"/>
           </a:p>
         </p:txBody>
       </p:sp>
       <p:pic>
         <p:nvPicPr>
-          <p:cNvPr id="25602" name="Picture 2"/>
+          <p:cNvPr id="4098" name="Picture 2"/>
           <p:cNvPicPr>
             <a:picLocks noGrp="1" noChangeAspect="1" noChangeArrowheads="1"/>
           </p:cNvPicPr>
@@ -5203,170 +7687,8 @@
         </p:blipFill>
         <p:spPr bwMode="auto">
           <a:xfrm>
-            <a:off x="516965" y="362585"/>
-            <a:ext cx="10586464" cy="6077404"/>
-          </a:xfrm>
-          <a:prstGeom prst="rect">
-            <a:avLst/>
-          </a:prstGeom>
-          <a:noFill/>
-          <a:ln w="9525">
-            <a:noFill/>
-            <a:miter lim="800000"/>
-            <a:headEnd/>
-            <a:tailEnd/>
-          </a:ln>
-          <a:effectLst/>
-        </p:spPr>
-      </p:pic>
-    </p:spTree>
-  </p:cSld>
-  <p:clrMapOvr>
-    <a:masterClrMapping/>
-  </p:clrMapOvr>
-</p:sld>
-</file>
-
-<file path=ppt/slides/slide18.xml><?xml version="1.0" encoding="utf-8"?>
-<p:sld xmlns:a="http://schemas.openxmlformats.org/drawingml/2006/main" xmlns:r="http://schemas.openxmlformats.org/officeDocument/2006/relationships" xmlns:p="http://schemas.openxmlformats.org/presentationml/2006/main">
-  <p:cSld>
-    <p:spTree>
-      <p:nvGrpSpPr>
-        <p:cNvPr id="1" name=""/>
-        <p:cNvGrpSpPr/>
-        <p:nvPr/>
-      </p:nvGrpSpPr>
-      <p:grpSpPr>
-        <a:xfrm>
-          <a:off x="0" y="0"/>
-          <a:ext cx="0" cy="0"/>
-          <a:chOff x="0" y="0"/>
-          <a:chExt cx="0" cy="0"/>
-        </a:xfrm>
-      </p:grpSpPr>
-      <p:sp>
-        <p:nvSpPr>
-          <p:cNvPr id="2" name="Title 1"/>
-          <p:cNvSpPr>
-            <a:spLocks noGrp="1"/>
-          </p:cNvSpPr>
-          <p:nvPr>
-            <p:ph type="title"/>
-          </p:nvPr>
-        </p:nvSpPr>
-        <p:spPr/>
-        <p:txBody>
-          <a:bodyPr/>
-          <a:lstStyle/>
-          <a:p>
-            <a:endParaRPr lang="en-US"/>
-          </a:p>
-        </p:txBody>
-      </p:sp>
-      <p:pic>
-        <p:nvPicPr>
-          <p:cNvPr id="26626" name="Picture 2"/>
-          <p:cNvPicPr>
-            <a:picLocks noGrp="1" noChangeAspect="1" noChangeArrowheads="1"/>
-          </p:cNvPicPr>
-          <p:nvPr>
-            <p:ph idx="1"/>
-          </p:nvPr>
-        </p:nvPicPr>
-        <p:blipFill>
-          <a:blip r:embed="rId2"/>
-          <a:srcRect/>
-          <a:stretch>
-            <a:fillRect/>
-          </a:stretch>
-        </p:blipFill>
-        <p:spPr bwMode="auto">
-          <a:xfrm>
-            <a:off x="752749" y="584654"/>
-            <a:ext cx="10350679" cy="5724706"/>
-          </a:xfrm>
-          <a:prstGeom prst="rect">
-            <a:avLst/>
-          </a:prstGeom>
-          <a:noFill/>
-          <a:ln w="9525">
-            <a:noFill/>
-            <a:miter lim="800000"/>
-            <a:headEnd/>
-            <a:tailEnd/>
-          </a:ln>
-          <a:effectLst/>
-        </p:spPr>
-      </p:pic>
-    </p:spTree>
-  </p:cSld>
-  <p:clrMapOvr>
-    <a:masterClrMapping/>
-  </p:clrMapOvr>
-</p:sld>
-</file>
-
-<file path=ppt/slides/slide2.xml><?xml version="1.0" encoding="utf-8"?>
-<p:sld xmlns:a="http://schemas.openxmlformats.org/drawingml/2006/main" xmlns:r="http://schemas.openxmlformats.org/officeDocument/2006/relationships" xmlns:p="http://schemas.openxmlformats.org/presentationml/2006/main">
-  <p:cSld>
-    <p:spTree>
-      <p:nvGrpSpPr>
-        <p:cNvPr id="1" name=""/>
-        <p:cNvGrpSpPr/>
-        <p:nvPr/>
-      </p:nvGrpSpPr>
-      <p:grpSpPr>
-        <a:xfrm>
-          <a:off x="0" y="0"/>
-          <a:ext cx="0" cy="0"/>
-          <a:chOff x="0" y="0"/>
-          <a:chExt cx="0" cy="0"/>
-        </a:xfrm>
-      </p:grpSpPr>
-      <p:sp>
-        <p:nvSpPr>
-          <p:cNvPr id="2" name="Title 1"/>
-          <p:cNvSpPr>
-            <a:spLocks noGrp="1"/>
-          </p:cNvSpPr>
-          <p:nvPr>
-            <p:ph type="title"/>
-          </p:nvPr>
-        </p:nvSpPr>
-        <p:spPr/>
-        <p:txBody>
-          <a:bodyPr/>
-          <a:lstStyle/>
-          <a:p>
-            <a:r>
-              <a:rPr lang="en-US" dirty="0" smtClean="0"/>
-              <a:t>TREE DATA STRUCTURE</a:t>
-            </a:r>
-            <a:endParaRPr lang="en-US" dirty="0"/>
-          </a:p>
-        </p:txBody>
-      </p:sp>
-      <p:pic>
-        <p:nvPicPr>
-          <p:cNvPr id="2050" name="Picture 2"/>
-          <p:cNvPicPr>
-            <a:picLocks noGrp="1" noChangeAspect="1" noChangeArrowheads="1"/>
-          </p:cNvPicPr>
-          <p:nvPr>
-            <p:ph idx="1"/>
-          </p:nvPr>
-        </p:nvPicPr>
-        <p:blipFill>
-          <a:blip r:embed="rId2"/>
-          <a:srcRect/>
-          <a:stretch>
-            <a:fillRect/>
-          </a:stretch>
-        </p:blipFill>
-        <p:spPr bwMode="auto">
-          <a:xfrm>
-            <a:off x="4210050" y="2010569"/>
-            <a:ext cx="3771900" cy="3981450"/>
+            <a:off x="1525375" y="1825625"/>
+            <a:ext cx="9141250" cy="4351338"/>
           </a:xfrm>
           <a:prstGeom prst="rect">
             <a:avLst/>
@@ -5477,6 +7799,852 @@
 </p:sld>
 </file>
 
+<file path=ppt/slides/slide30.xml><?xml version="1.0" encoding="utf-8"?>
+<p:sld xmlns:a="http://schemas.openxmlformats.org/drawingml/2006/main" xmlns:r="http://schemas.openxmlformats.org/officeDocument/2006/relationships" xmlns:p="http://schemas.openxmlformats.org/presentationml/2006/main">
+  <p:cSld>
+    <p:spTree>
+      <p:nvGrpSpPr>
+        <p:cNvPr id="1" name=""/>
+        <p:cNvGrpSpPr/>
+        <p:nvPr/>
+      </p:nvGrpSpPr>
+      <p:grpSpPr>
+        <a:xfrm>
+          <a:off x="0" y="0"/>
+          <a:ext cx="0" cy="0"/>
+          <a:chOff x="0" y="0"/>
+          <a:chExt cx="0" cy="0"/>
+        </a:xfrm>
+      </p:grpSpPr>
+      <p:sp>
+        <p:nvSpPr>
+          <p:cNvPr id="2" name="Title 1"/>
+          <p:cNvSpPr>
+            <a:spLocks noGrp="1"/>
+          </p:cNvSpPr>
+          <p:nvPr>
+            <p:ph type="title"/>
+          </p:nvPr>
+        </p:nvSpPr>
+        <p:spPr/>
+        <p:txBody>
+          <a:bodyPr/>
+          <a:lstStyle/>
+          <a:p>
+            <a:r>
+              <a:rPr lang="en-IN" dirty="0" err="1" smtClean="0"/>
+              <a:t>onChange</a:t>
+            </a:r>
+            <a:endParaRPr lang="en-US" dirty="0"/>
+          </a:p>
+        </p:txBody>
+      </p:sp>
+      <p:pic>
+        <p:nvPicPr>
+          <p:cNvPr id="5122" name="Picture 2"/>
+          <p:cNvPicPr>
+            <a:picLocks noGrp="1" noChangeAspect="1" noChangeArrowheads="1"/>
+          </p:cNvPicPr>
+          <p:nvPr>
+            <p:ph idx="1"/>
+          </p:nvPr>
+        </p:nvPicPr>
+        <p:blipFill>
+          <a:blip r:embed="rId2"/>
+          <a:srcRect/>
+          <a:stretch>
+            <a:fillRect/>
+          </a:stretch>
+        </p:blipFill>
+        <p:spPr bwMode="auto">
+          <a:xfrm>
+            <a:off x="932628" y="1642745"/>
+            <a:ext cx="10392869" cy="4744992"/>
+          </a:xfrm>
+          <a:prstGeom prst="rect">
+            <a:avLst/>
+          </a:prstGeom>
+          <a:noFill/>
+          <a:ln w="9525">
+            <a:noFill/>
+            <a:miter lim="800000"/>
+            <a:headEnd/>
+            <a:tailEnd/>
+          </a:ln>
+          <a:effectLst/>
+        </p:spPr>
+      </p:pic>
+    </p:spTree>
+  </p:cSld>
+  <p:clrMapOvr>
+    <a:masterClrMapping/>
+  </p:clrMapOvr>
+</p:sld>
+</file>
+
+<file path=ppt/slides/slide31.xml><?xml version="1.0" encoding="utf-8"?>
+<p:sld xmlns:a="http://schemas.openxmlformats.org/drawingml/2006/main" xmlns:r="http://schemas.openxmlformats.org/officeDocument/2006/relationships" xmlns:p="http://schemas.openxmlformats.org/presentationml/2006/main">
+  <p:cSld>
+    <p:spTree>
+      <p:nvGrpSpPr>
+        <p:cNvPr id="1" name=""/>
+        <p:cNvGrpSpPr/>
+        <p:nvPr/>
+      </p:nvGrpSpPr>
+      <p:grpSpPr>
+        <a:xfrm>
+          <a:off x="0" y="0"/>
+          <a:ext cx="0" cy="0"/>
+          <a:chOff x="0" y="0"/>
+          <a:chExt cx="0" cy="0"/>
+        </a:xfrm>
+      </p:grpSpPr>
+      <p:sp>
+        <p:nvSpPr>
+          <p:cNvPr id="2" name="Title 1"/>
+          <p:cNvSpPr>
+            <a:spLocks noGrp="1"/>
+          </p:cNvSpPr>
+          <p:nvPr>
+            <p:ph type="title"/>
+          </p:nvPr>
+        </p:nvSpPr>
+        <p:spPr/>
+        <p:txBody>
+          <a:bodyPr/>
+          <a:lstStyle/>
+          <a:p>
+            <a:r>
+              <a:rPr lang="en-IN" dirty="0" err="1" smtClean="0"/>
+              <a:t>onFocus</a:t>
+            </a:r>
+            <a:endParaRPr lang="en-US" dirty="0"/>
+          </a:p>
+        </p:txBody>
+      </p:sp>
+      <p:pic>
+        <p:nvPicPr>
+          <p:cNvPr id="6146" name="Picture 2"/>
+          <p:cNvPicPr>
+            <a:picLocks noGrp="1" noChangeAspect="1" noChangeArrowheads="1"/>
+          </p:cNvPicPr>
+          <p:nvPr>
+            <p:ph idx="1"/>
+          </p:nvPr>
+        </p:nvPicPr>
+        <p:blipFill>
+          <a:blip r:embed="rId2"/>
+          <a:srcRect/>
+          <a:stretch>
+            <a:fillRect/>
+          </a:stretch>
+        </p:blipFill>
+        <p:spPr bwMode="auto">
+          <a:xfrm>
+            <a:off x="718531" y="1433739"/>
+            <a:ext cx="10672279" cy="4836432"/>
+          </a:xfrm>
+          <a:prstGeom prst="rect">
+            <a:avLst/>
+          </a:prstGeom>
+          <a:noFill/>
+          <a:ln w="9525">
+            <a:noFill/>
+            <a:miter lim="800000"/>
+            <a:headEnd/>
+            <a:tailEnd/>
+          </a:ln>
+          <a:effectLst/>
+        </p:spPr>
+      </p:pic>
+    </p:spTree>
+  </p:cSld>
+  <p:clrMapOvr>
+    <a:masterClrMapping/>
+  </p:clrMapOvr>
+</p:sld>
+</file>
+
+<file path=ppt/slides/slide32.xml><?xml version="1.0" encoding="utf-8"?>
+<p:sld xmlns:a="http://schemas.openxmlformats.org/drawingml/2006/main" xmlns:r="http://schemas.openxmlformats.org/officeDocument/2006/relationships" xmlns:p="http://schemas.openxmlformats.org/presentationml/2006/main">
+  <p:cSld>
+    <p:spTree>
+      <p:nvGrpSpPr>
+        <p:cNvPr id="1" name=""/>
+        <p:cNvGrpSpPr/>
+        <p:nvPr/>
+      </p:nvGrpSpPr>
+      <p:grpSpPr>
+        <a:xfrm>
+          <a:off x="0" y="0"/>
+          <a:ext cx="0" cy="0"/>
+          <a:chOff x="0" y="0"/>
+          <a:chExt cx="0" cy="0"/>
+        </a:xfrm>
+      </p:grpSpPr>
+      <p:sp>
+        <p:nvSpPr>
+          <p:cNvPr id="2" name="Title 1"/>
+          <p:cNvSpPr>
+            <a:spLocks noGrp="1"/>
+          </p:cNvSpPr>
+          <p:nvPr>
+            <p:ph type="title"/>
+          </p:nvPr>
+        </p:nvSpPr>
+        <p:spPr/>
+        <p:txBody>
+          <a:bodyPr/>
+          <a:lstStyle/>
+          <a:p>
+            <a:r>
+              <a:rPr lang="en-IN" dirty="0" err="1" smtClean="0"/>
+              <a:t>onSelect</a:t>
+            </a:r>
+            <a:endParaRPr lang="en-US" dirty="0"/>
+          </a:p>
+        </p:txBody>
+      </p:sp>
+      <p:pic>
+        <p:nvPicPr>
+          <p:cNvPr id="7170" name="Picture 2"/>
+          <p:cNvPicPr>
+            <a:picLocks noGrp="1" noChangeAspect="1" noChangeArrowheads="1"/>
+          </p:cNvPicPr>
+          <p:nvPr>
+            <p:ph idx="1"/>
+          </p:nvPr>
+        </p:nvPicPr>
+        <p:blipFill>
+          <a:blip r:embed="rId2"/>
+          <a:srcRect/>
+          <a:stretch>
+            <a:fillRect/>
+          </a:stretch>
+        </p:blipFill>
+        <p:spPr bwMode="auto">
+          <a:xfrm>
+            <a:off x="901338" y="1394550"/>
+            <a:ext cx="9773137" cy="4731929"/>
+          </a:xfrm>
+          <a:prstGeom prst="rect">
+            <a:avLst/>
+          </a:prstGeom>
+          <a:noFill/>
+          <a:ln w="9525">
+            <a:noFill/>
+            <a:miter lim="800000"/>
+            <a:headEnd/>
+            <a:tailEnd/>
+          </a:ln>
+          <a:effectLst/>
+        </p:spPr>
+      </p:pic>
+    </p:spTree>
+  </p:cSld>
+  <p:clrMapOvr>
+    <a:masterClrMapping/>
+  </p:clrMapOvr>
+</p:sld>
+</file>
+
+<file path=ppt/slides/slide33.xml><?xml version="1.0" encoding="utf-8"?>
+<p:sld xmlns:a="http://schemas.openxmlformats.org/drawingml/2006/main" xmlns:r="http://schemas.openxmlformats.org/officeDocument/2006/relationships" xmlns:p="http://schemas.openxmlformats.org/presentationml/2006/main">
+  <p:cSld>
+    <p:spTree>
+      <p:nvGrpSpPr>
+        <p:cNvPr id="1" name=""/>
+        <p:cNvGrpSpPr/>
+        <p:nvPr/>
+      </p:nvGrpSpPr>
+      <p:grpSpPr>
+        <a:xfrm>
+          <a:off x="0" y="0"/>
+          <a:ext cx="0" cy="0"/>
+          <a:chOff x="0" y="0"/>
+          <a:chExt cx="0" cy="0"/>
+        </a:xfrm>
+      </p:grpSpPr>
+      <p:sp>
+        <p:nvSpPr>
+          <p:cNvPr id="2" name="Title 1"/>
+          <p:cNvSpPr>
+            <a:spLocks noGrp="1"/>
+          </p:cNvSpPr>
+          <p:nvPr>
+            <p:ph type="title"/>
+          </p:nvPr>
+        </p:nvSpPr>
+        <p:spPr/>
+        <p:txBody>
+          <a:bodyPr/>
+          <a:lstStyle/>
+          <a:p>
+            <a:r>
+              <a:rPr lang="en-IN" dirty="0" err="1" smtClean="0"/>
+              <a:t>onSubmit</a:t>
+            </a:r>
+            <a:endParaRPr lang="en-US" dirty="0"/>
+          </a:p>
+        </p:txBody>
+      </p:sp>
+      <p:pic>
+        <p:nvPicPr>
+          <p:cNvPr id="8194" name="Picture 2"/>
+          <p:cNvPicPr>
+            <a:picLocks noGrp="1" noChangeAspect="1" noChangeArrowheads="1"/>
+          </p:cNvPicPr>
+          <p:nvPr>
+            <p:ph idx="1"/>
+          </p:nvPr>
+        </p:nvPicPr>
+        <p:blipFill>
+          <a:blip r:embed="rId2"/>
+          <a:srcRect/>
+          <a:stretch>
+            <a:fillRect/>
+          </a:stretch>
+        </p:blipFill>
+        <p:spPr bwMode="auto">
+          <a:xfrm>
+            <a:off x="731520" y="1606731"/>
+            <a:ext cx="10724606" cy="4741818"/>
+          </a:xfrm>
+          <a:prstGeom prst="rect">
+            <a:avLst/>
+          </a:prstGeom>
+          <a:noFill/>
+          <a:ln w="9525">
+            <a:noFill/>
+            <a:miter lim="800000"/>
+            <a:headEnd/>
+            <a:tailEnd/>
+          </a:ln>
+          <a:effectLst/>
+        </p:spPr>
+      </p:pic>
+    </p:spTree>
+  </p:cSld>
+  <p:clrMapOvr>
+    <a:masterClrMapping/>
+  </p:clrMapOvr>
+</p:sld>
+</file>
+
+<file path=ppt/slides/slide34.xml><?xml version="1.0" encoding="utf-8"?>
+<p:sld xmlns:a="http://schemas.openxmlformats.org/drawingml/2006/main" xmlns:r="http://schemas.openxmlformats.org/officeDocument/2006/relationships" xmlns:p="http://schemas.openxmlformats.org/presentationml/2006/main">
+  <p:cSld>
+    <p:spTree>
+      <p:nvGrpSpPr>
+        <p:cNvPr id="1" name=""/>
+        <p:cNvGrpSpPr/>
+        <p:nvPr/>
+      </p:nvGrpSpPr>
+      <p:grpSpPr>
+        <a:xfrm>
+          <a:off x="0" y="0"/>
+          <a:ext cx="0" cy="0"/>
+          <a:chOff x="0" y="0"/>
+          <a:chExt cx="0" cy="0"/>
+        </a:xfrm>
+      </p:grpSpPr>
+      <p:sp>
+        <p:nvSpPr>
+          <p:cNvPr id="2" name="Title 1"/>
+          <p:cNvSpPr>
+            <a:spLocks noGrp="1"/>
+          </p:cNvSpPr>
+          <p:nvPr>
+            <p:ph type="title"/>
+          </p:nvPr>
+        </p:nvSpPr>
+        <p:spPr/>
+        <p:txBody>
+          <a:bodyPr/>
+          <a:lstStyle/>
+          <a:p>
+            <a:r>
+              <a:rPr lang="en-IN" dirty="0" err="1" smtClean="0"/>
+              <a:t>onReset</a:t>
+            </a:r>
+            <a:endParaRPr lang="en-US" dirty="0"/>
+          </a:p>
+        </p:txBody>
+      </p:sp>
+      <p:pic>
+        <p:nvPicPr>
+          <p:cNvPr id="9218" name="Picture 2"/>
+          <p:cNvPicPr>
+            <a:picLocks noGrp="1" noChangeAspect="1" noChangeArrowheads="1"/>
+          </p:cNvPicPr>
+          <p:nvPr>
+            <p:ph idx="1"/>
+          </p:nvPr>
+        </p:nvPicPr>
+        <p:blipFill>
+          <a:blip r:embed="rId2"/>
+          <a:srcRect/>
+          <a:stretch>
+            <a:fillRect/>
+          </a:stretch>
+        </p:blipFill>
+        <p:spPr bwMode="auto">
+          <a:xfrm>
+            <a:off x="1136468" y="1825625"/>
+            <a:ext cx="9627325" cy="4351338"/>
+          </a:xfrm>
+          <a:prstGeom prst="rect">
+            <a:avLst/>
+          </a:prstGeom>
+          <a:noFill/>
+          <a:ln w="9525">
+            <a:noFill/>
+            <a:miter lim="800000"/>
+            <a:headEnd/>
+            <a:tailEnd/>
+          </a:ln>
+          <a:effectLst/>
+        </p:spPr>
+      </p:pic>
+    </p:spTree>
+  </p:cSld>
+  <p:clrMapOvr>
+    <a:masterClrMapping/>
+  </p:clrMapOvr>
+</p:sld>
+</file>
+
+<file path=ppt/slides/slide35.xml><?xml version="1.0" encoding="utf-8"?>
+<p:sld xmlns:a="http://schemas.openxmlformats.org/drawingml/2006/main" xmlns:r="http://schemas.openxmlformats.org/officeDocument/2006/relationships" xmlns:p="http://schemas.openxmlformats.org/presentationml/2006/main">
+  <p:cSld>
+    <p:spTree>
+      <p:nvGrpSpPr>
+        <p:cNvPr id="1" name=""/>
+        <p:cNvGrpSpPr/>
+        <p:nvPr/>
+      </p:nvGrpSpPr>
+      <p:grpSpPr>
+        <a:xfrm>
+          <a:off x="0" y="0"/>
+          <a:ext cx="0" cy="0"/>
+          <a:chOff x="0" y="0"/>
+          <a:chExt cx="0" cy="0"/>
+        </a:xfrm>
+      </p:grpSpPr>
+      <p:sp>
+        <p:nvSpPr>
+          <p:cNvPr id="2" name="Title 1"/>
+          <p:cNvSpPr>
+            <a:spLocks noGrp="1"/>
+          </p:cNvSpPr>
+          <p:nvPr>
+            <p:ph type="title"/>
+          </p:nvPr>
+        </p:nvSpPr>
+        <p:spPr/>
+        <p:txBody>
+          <a:bodyPr/>
+          <a:lstStyle/>
+          <a:p>
+            <a:r>
+              <a:rPr lang="en-IN" dirty="0" err="1" smtClean="0"/>
+              <a:t>onKeyDown</a:t>
+            </a:r>
+            <a:endParaRPr lang="en-US" dirty="0"/>
+          </a:p>
+        </p:txBody>
+      </p:sp>
+      <p:pic>
+        <p:nvPicPr>
+          <p:cNvPr id="10242" name="Picture 2"/>
+          <p:cNvPicPr>
+            <a:picLocks noGrp="1" noChangeAspect="1" noChangeArrowheads="1"/>
+          </p:cNvPicPr>
+          <p:nvPr>
+            <p:ph idx="1"/>
+          </p:nvPr>
+        </p:nvPicPr>
+        <p:blipFill>
+          <a:blip r:embed="rId2"/>
+          <a:srcRect/>
+          <a:stretch>
+            <a:fillRect/>
+          </a:stretch>
+        </p:blipFill>
+        <p:spPr bwMode="auto">
+          <a:xfrm>
+            <a:off x="1424972" y="1825625"/>
+            <a:ext cx="9342056" cy="4351338"/>
+          </a:xfrm>
+          <a:prstGeom prst="rect">
+            <a:avLst/>
+          </a:prstGeom>
+          <a:noFill/>
+          <a:ln w="9525">
+            <a:noFill/>
+            <a:miter lim="800000"/>
+            <a:headEnd/>
+            <a:tailEnd/>
+          </a:ln>
+          <a:effectLst/>
+        </p:spPr>
+      </p:pic>
+    </p:spTree>
+  </p:cSld>
+  <p:clrMapOvr>
+    <a:masterClrMapping/>
+  </p:clrMapOvr>
+</p:sld>
+</file>
+
+<file path=ppt/slides/slide36.xml><?xml version="1.0" encoding="utf-8"?>
+<p:sld xmlns:a="http://schemas.openxmlformats.org/drawingml/2006/main" xmlns:r="http://schemas.openxmlformats.org/officeDocument/2006/relationships" xmlns:p="http://schemas.openxmlformats.org/presentationml/2006/main">
+  <p:cSld>
+    <p:spTree>
+      <p:nvGrpSpPr>
+        <p:cNvPr id="1" name=""/>
+        <p:cNvGrpSpPr/>
+        <p:nvPr/>
+      </p:nvGrpSpPr>
+      <p:grpSpPr>
+        <a:xfrm>
+          <a:off x="0" y="0"/>
+          <a:ext cx="0" cy="0"/>
+          <a:chOff x="0" y="0"/>
+          <a:chExt cx="0" cy="0"/>
+        </a:xfrm>
+      </p:grpSpPr>
+      <p:sp>
+        <p:nvSpPr>
+          <p:cNvPr id="2" name="Title 1"/>
+          <p:cNvSpPr>
+            <a:spLocks noGrp="1"/>
+          </p:cNvSpPr>
+          <p:nvPr>
+            <p:ph type="title"/>
+          </p:nvPr>
+        </p:nvSpPr>
+        <p:spPr/>
+        <p:txBody>
+          <a:bodyPr/>
+          <a:lstStyle/>
+          <a:p>
+            <a:r>
+              <a:rPr lang="en-IN" dirty="0" err="1" smtClean="0"/>
+              <a:t>onKeyPress</a:t>
+            </a:r>
+            <a:endParaRPr lang="en-US" dirty="0"/>
+          </a:p>
+        </p:txBody>
+      </p:sp>
+      <p:pic>
+        <p:nvPicPr>
+          <p:cNvPr id="11266" name="Picture 2"/>
+          <p:cNvPicPr>
+            <a:picLocks noGrp="1" noChangeAspect="1" noChangeArrowheads="1"/>
+          </p:cNvPicPr>
+          <p:nvPr>
+            <p:ph idx="1"/>
+          </p:nvPr>
+        </p:nvPicPr>
+        <p:blipFill>
+          <a:blip r:embed="rId2"/>
+          <a:srcRect/>
+          <a:stretch>
+            <a:fillRect/>
+          </a:stretch>
+        </p:blipFill>
+        <p:spPr bwMode="auto">
+          <a:xfrm>
+            <a:off x="901337" y="1825625"/>
+            <a:ext cx="10450286" cy="4351338"/>
+          </a:xfrm>
+          <a:prstGeom prst="rect">
+            <a:avLst/>
+          </a:prstGeom>
+          <a:noFill/>
+          <a:ln w="9525">
+            <a:noFill/>
+            <a:miter lim="800000"/>
+            <a:headEnd/>
+            <a:tailEnd/>
+          </a:ln>
+          <a:effectLst/>
+        </p:spPr>
+      </p:pic>
+    </p:spTree>
+  </p:cSld>
+  <p:clrMapOvr>
+    <a:masterClrMapping/>
+  </p:clrMapOvr>
+</p:sld>
+</file>
+
+<file path=ppt/slides/slide37.xml><?xml version="1.0" encoding="utf-8"?>
+<p:sld xmlns:a="http://schemas.openxmlformats.org/drawingml/2006/main" xmlns:r="http://schemas.openxmlformats.org/officeDocument/2006/relationships" xmlns:p="http://schemas.openxmlformats.org/presentationml/2006/main">
+  <p:cSld>
+    <p:spTree>
+      <p:nvGrpSpPr>
+        <p:cNvPr id="1" name=""/>
+        <p:cNvGrpSpPr/>
+        <p:nvPr/>
+      </p:nvGrpSpPr>
+      <p:grpSpPr>
+        <a:xfrm>
+          <a:off x="0" y="0"/>
+          <a:ext cx="0" cy="0"/>
+          <a:chOff x="0" y="0"/>
+          <a:chExt cx="0" cy="0"/>
+        </a:xfrm>
+      </p:grpSpPr>
+      <p:sp>
+        <p:nvSpPr>
+          <p:cNvPr id="2" name="Title 1"/>
+          <p:cNvSpPr>
+            <a:spLocks noGrp="1"/>
+          </p:cNvSpPr>
+          <p:nvPr>
+            <p:ph type="title"/>
+          </p:nvPr>
+        </p:nvSpPr>
+        <p:spPr/>
+        <p:txBody>
+          <a:bodyPr/>
+          <a:lstStyle/>
+          <a:p>
+            <a:r>
+              <a:rPr lang="en-IN" dirty="0" err="1" smtClean="0"/>
+              <a:t>onKeyUp</a:t>
+            </a:r>
+            <a:endParaRPr lang="en-US" dirty="0"/>
+          </a:p>
+        </p:txBody>
+      </p:sp>
+      <p:pic>
+        <p:nvPicPr>
+          <p:cNvPr id="12290" name="Picture 2"/>
+          <p:cNvPicPr>
+            <a:picLocks noGrp="1" noChangeAspect="1" noChangeArrowheads="1"/>
+          </p:cNvPicPr>
+          <p:nvPr>
+            <p:ph idx="1"/>
+          </p:nvPr>
+        </p:nvPicPr>
+        <p:blipFill>
+          <a:blip r:embed="rId2"/>
+          <a:srcRect/>
+          <a:stretch>
+            <a:fillRect/>
+          </a:stretch>
+        </p:blipFill>
+        <p:spPr bwMode="auto">
+          <a:xfrm>
+            <a:off x="770709" y="1436914"/>
+            <a:ext cx="10920548" cy="5016137"/>
+          </a:xfrm>
+          <a:prstGeom prst="rect">
+            <a:avLst/>
+          </a:prstGeom>
+          <a:noFill/>
+          <a:ln w="9525">
+            <a:noFill/>
+            <a:miter lim="800000"/>
+            <a:headEnd/>
+            <a:tailEnd/>
+          </a:ln>
+          <a:effectLst/>
+        </p:spPr>
+      </p:pic>
+    </p:spTree>
+  </p:cSld>
+  <p:clrMapOvr>
+    <a:masterClrMapping/>
+  </p:clrMapOvr>
+</p:sld>
+</file>
+
+<file path=ppt/slides/slide38.xml><?xml version="1.0" encoding="utf-8"?>
+<p:sld xmlns:a="http://schemas.openxmlformats.org/drawingml/2006/main" xmlns:r="http://schemas.openxmlformats.org/officeDocument/2006/relationships" xmlns:p="http://schemas.openxmlformats.org/presentationml/2006/main">
+  <p:cSld>
+    <p:spTree>
+      <p:nvGrpSpPr>
+        <p:cNvPr id="1" name=""/>
+        <p:cNvGrpSpPr/>
+        <p:nvPr/>
+      </p:nvGrpSpPr>
+      <p:grpSpPr>
+        <a:xfrm>
+          <a:off x="0" y="0"/>
+          <a:ext cx="0" cy="0"/>
+          <a:chOff x="0" y="0"/>
+          <a:chExt cx="0" cy="0"/>
+        </a:xfrm>
+      </p:grpSpPr>
+      <p:sp>
+        <p:nvSpPr>
+          <p:cNvPr id="2" name="Title 1"/>
+          <p:cNvSpPr>
+            <a:spLocks noGrp="1"/>
+          </p:cNvSpPr>
+          <p:nvPr>
+            <p:ph type="title"/>
+          </p:nvPr>
+        </p:nvSpPr>
+        <p:spPr/>
+        <p:txBody>
+          <a:bodyPr/>
+          <a:lstStyle/>
+          <a:p>
+            <a:r>
+              <a:rPr lang="en-IN" dirty="0" err="1" smtClean="0"/>
+              <a:t>onMouseOver</a:t>
+            </a:r>
+            <a:r>
+              <a:rPr lang="en-IN" dirty="0" smtClean="0"/>
+              <a:t> and </a:t>
+            </a:r>
+            <a:r>
+              <a:rPr lang="en-IN" dirty="0" err="1" smtClean="0"/>
+              <a:t>onMouseOut</a:t>
+            </a:r>
+            <a:endParaRPr lang="en-US" dirty="0"/>
+          </a:p>
+        </p:txBody>
+      </p:sp>
+      <p:pic>
+        <p:nvPicPr>
+          <p:cNvPr id="13314" name="Picture 2"/>
+          <p:cNvPicPr>
+            <a:picLocks noGrp="1" noChangeAspect="1" noChangeArrowheads="1"/>
+          </p:cNvPicPr>
+          <p:nvPr>
+            <p:ph idx="1"/>
+          </p:nvPr>
+        </p:nvPicPr>
+        <p:blipFill>
+          <a:blip r:embed="rId2"/>
+          <a:srcRect/>
+          <a:stretch>
+            <a:fillRect/>
+          </a:stretch>
+        </p:blipFill>
+        <p:spPr bwMode="auto">
+          <a:xfrm>
+            <a:off x="838200" y="1981894"/>
+            <a:ext cx="10515600" cy="4038800"/>
+          </a:xfrm>
+          <a:prstGeom prst="rect">
+            <a:avLst/>
+          </a:prstGeom>
+          <a:noFill/>
+          <a:ln w="9525">
+            <a:noFill/>
+            <a:miter lim="800000"/>
+            <a:headEnd/>
+            <a:tailEnd/>
+          </a:ln>
+          <a:effectLst/>
+        </p:spPr>
+      </p:pic>
+    </p:spTree>
+  </p:cSld>
+  <p:clrMapOvr>
+    <a:masterClrMapping/>
+  </p:clrMapOvr>
+</p:sld>
+</file>
+
+<file path=ppt/slides/slide39.xml><?xml version="1.0" encoding="utf-8"?>
+<p:sld xmlns:a="http://schemas.openxmlformats.org/drawingml/2006/main" xmlns:r="http://schemas.openxmlformats.org/officeDocument/2006/relationships" xmlns:p="http://schemas.openxmlformats.org/presentationml/2006/main">
+  <p:cSld>
+    <p:spTree>
+      <p:nvGrpSpPr>
+        <p:cNvPr id="1" name=""/>
+        <p:cNvGrpSpPr/>
+        <p:nvPr/>
+      </p:nvGrpSpPr>
+      <p:grpSpPr>
+        <a:xfrm>
+          <a:off x="0" y="0"/>
+          <a:ext cx="0" cy="0"/>
+          <a:chOff x="0" y="0"/>
+          <a:chExt cx="0" cy="0"/>
+        </a:xfrm>
+      </p:grpSpPr>
+      <p:sp>
+        <p:nvSpPr>
+          <p:cNvPr id="2" name="Title 1"/>
+          <p:cNvSpPr>
+            <a:spLocks noGrp="1"/>
+          </p:cNvSpPr>
+          <p:nvPr>
+            <p:ph type="title"/>
+          </p:nvPr>
+        </p:nvSpPr>
+        <p:spPr/>
+        <p:txBody>
+          <a:bodyPr/>
+          <a:lstStyle/>
+          <a:p>
+            <a:r>
+              <a:rPr lang="en-IN" dirty="0" err="1" smtClean="0"/>
+              <a:t>onMouseDown</a:t>
+            </a:r>
+            <a:r>
+              <a:rPr lang="en-IN" dirty="0" smtClean="0"/>
+              <a:t> and </a:t>
+            </a:r>
+            <a:r>
+              <a:rPr lang="en-IN" dirty="0" err="1" smtClean="0"/>
+              <a:t>onMouseUp</a:t>
+            </a:r>
+            <a:endParaRPr lang="en-US" dirty="0"/>
+          </a:p>
+        </p:txBody>
+      </p:sp>
+      <p:pic>
+        <p:nvPicPr>
+          <p:cNvPr id="14338" name="Picture 2"/>
+          <p:cNvPicPr>
+            <a:picLocks noGrp="1" noChangeAspect="1" noChangeArrowheads="1"/>
+          </p:cNvPicPr>
+          <p:nvPr>
+            <p:ph idx="1"/>
+          </p:nvPr>
+        </p:nvPicPr>
+        <p:blipFill>
+          <a:blip r:embed="rId2"/>
+          <a:srcRect/>
+          <a:stretch>
+            <a:fillRect/>
+          </a:stretch>
+        </p:blipFill>
+        <p:spPr bwMode="auto">
+          <a:xfrm>
+            <a:off x="705394" y="1825625"/>
+            <a:ext cx="10985863" cy="4351338"/>
+          </a:xfrm>
+          <a:prstGeom prst="rect">
+            <a:avLst/>
+          </a:prstGeom>
+          <a:noFill/>
+          <a:ln w="9525">
+            <a:noFill/>
+            <a:miter lim="800000"/>
+            <a:headEnd/>
+            <a:tailEnd/>
+          </a:ln>
+          <a:effectLst/>
+        </p:spPr>
+      </p:pic>
+    </p:spTree>
+  </p:cSld>
+  <p:clrMapOvr>
+    <a:masterClrMapping/>
+  </p:clrMapOvr>
+</p:sld>
+</file>
+
 <file path=ppt/slides/slide4.xml><?xml version="1.0" encoding="utf-8"?>
 <p:sld xmlns:a="http://schemas.openxmlformats.org/drawingml/2006/main" xmlns:r="http://schemas.openxmlformats.org/officeDocument/2006/relationships" xmlns:p="http://schemas.openxmlformats.org/presentationml/2006/main">
   <p:cSld>
@@ -5538,6 +8706,845 @@
           <a:xfrm>
             <a:off x="3414712" y="2129631"/>
             <a:ext cx="5362575" cy="3743325"/>
+          </a:xfrm>
+          <a:prstGeom prst="rect">
+            <a:avLst/>
+          </a:prstGeom>
+          <a:noFill/>
+          <a:ln w="9525">
+            <a:noFill/>
+            <a:miter lim="800000"/>
+            <a:headEnd/>
+            <a:tailEnd/>
+          </a:ln>
+          <a:effectLst/>
+        </p:spPr>
+      </p:pic>
+    </p:spTree>
+  </p:cSld>
+  <p:clrMapOvr>
+    <a:masterClrMapping/>
+  </p:clrMapOvr>
+</p:sld>
+</file>
+
+<file path=ppt/slides/slide40.xml><?xml version="1.0" encoding="utf-8"?>
+<p:sld xmlns:a="http://schemas.openxmlformats.org/drawingml/2006/main" xmlns:r="http://schemas.openxmlformats.org/officeDocument/2006/relationships" xmlns:p="http://schemas.openxmlformats.org/presentationml/2006/main">
+  <p:cSld>
+    <p:spTree>
+      <p:nvGrpSpPr>
+        <p:cNvPr id="1" name=""/>
+        <p:cNvGrpSpPr/>
+        <p:nvPr/>
+      </p:nvGrpSpPr>
+      <p:grpSpPr>
+        <a:xfrm>
+          <a:off x="0" y="0"/>
+          <a:ext cx="0" cy="0"/>
+          <a:chOff x="0" y="0"/>
+          <a:chExt cx="0" cy="0"/>
+        </a:xfrm>
+      </p:grpSpPr>
+      <p:sp>
+        <p:nvSpPr>
+          <p:cNvPr id="2" name="Title 1"/>
+          <p:cNvSpPr>
+            <a:spLocks noGrp="1"/>
+          </p:cNvSpPr>
+          <p:nvPr>
+            <p:ph type="title"/>
+          </p:nvPr>
+        </p:nvSpPr>
+        <p:spPr/>
+        <p:txBody>
+          <a:bodyPr/>
+          <a:lstStyle/>
+          <a:p>
+            <a:r>
+              <a:rPr lang="en-IN" dirty="0" err="1" smtClean="0"/>
+              <a:t>onDoubleClick</a:t>
+            </a:r>
+            <a:endParaRPr lang="en-US" dirty="0"/>
+          </a:p>
+        </p:txBody>
+      </p:sp>
+      <p:pic>
+        <p:nvPicPr>
+          <p:cNvPr id="15362" name="Picture 2"/>
+          <p:cNvPicPr>
+            <a:picLocks noGrp="1" noChangeAspect="1" noChangeArrowheads="1"/>
+          </p:cNvPicPr>
+          <p:nvPr>
+            <p:ph idx="1"/>
+          </p:nvPr>
+        </p:nvPicPr>
+        <p:blipFill>
+          <a:blip r:embed="rId2"/>
+          <a:srcRect/>
+          <a:stretch>
+            <a:fillRect/>
+          </a:stretch>
+        </p:blipFill>
+        <p:spPr bwMode="auto">
+          <a:xfrm>
+            <a:off x="862149" y="1672046"/>
+            <a:ext cx="10293531" cy="4624251"/>
+          </a:xfrm>
+          <a:prstGeom prst="rect">
+            <a:avLst/>
+          </a:prstGeom>
+          <a:noFill/>
+          <a:ln w="9525">
+            <a:noFill/>
+            <a:miter lim="800000"/>
+            <a:headEnd/>
+            <a:tailEnd/>
+          </a:ln>
+          <a:effectLst/>
+        </p:spPr>
+      </p:pic>
+    </p:spTree>
+  </p:cSld>
+  <p:clrMapOvr>
+    <a:masterClrMapping/>
+  </p:clrMapOvr>
+</p:sld>
+</file>
+
+<file path=ppt/slides/slide41.xml><?xml version="1.0" encoding="utf-8"?>
+<p:sld xmlns:a="http://schemas.openxmlformats.org/drawingml/2006/main" xmlns:r="http://schemas.openxmlformats.org/officeDocument/2006/relationships" xmlns:p="http://schemas.openxmlformats.org/presentationml/2006/main">
+  <p:cSld>
+    <p:spTree>
+      <p:nvGrpSpPr>
+        <p:cNvPr id="1" name=""/>
+        <p:cNvGrpSpPr/>
+        <p:nvPr/>
+      </p:nvGrpSpPr>
+      <p:grpSpPr>
+        <a:xfrm>
+          <a:off x="0" y="0"/>
+          <a:ext cx="0" cy="0"/>
+          <a:chOff x="0" y="0"/>
+          <a:chExt cx="0" cy="0"/>
+        </a:xfrm>
+      </p:grpSpPr>
+      <p:sp>
+        <p:nvSpPr>
+          <p:cNvPr id="2" name="Title 1"/>
+          <p:cNvSpPr>
+            <a:spLocks noGrp="1"/>
+          </p:cNvSpPr>
+          <p:nvPr>
+            <p:ph type="title"/>
+          </p:nvPr>
+        </p:nvSpPr>
+        <p:spPr/>
+        <p:txBody>
+          <a:bodyPr/>
+          <a:lstStyle/>
+          <a:p>
+            <a:r>
+              <a:rPr lang="en-IN" dirty="0" err="1" smtClean="0"/>
+              <a:t>onLoad</a:t>
+            </a:r>
+            <a:endParaRPr lang="en-US" dirty="0"/>
+          </a:p>
+        </p:txBody>
+      </p:sp>
+      <p:pic>
+        <p:nvPicPr>
+          <p:cNvPr id="16386" name="Picture 2"/>
+          <p:cNvPicPr>
+            <a:picLocks noGrp="1" noChangeAspect="1" noChangeArrowheads="1"/>
+          </p:cNvPicPr>
+          <p:nvPr>
+            <p:ph idx="1"/>
+          </p:nvPr>
+        </p:nvPicPr>
+        <p:blipFill>
+          <a:blip r:embed="rId2"/>
+          <a:srcRect/>
+          <a:stretch>
+            <a:fillRect/>
+          </a:stretch>
+        </p:blipFill>
+        <p:spPr bwMode="auto">
+          <a:xfrm>
+            <a:off x="1018903" y="1825625"/>
+            <a:ext cx="10136777" cy="4351338"/>
+          </a:xfrm>
+          <a:prstGeom prst="rect">
+            <a:avLst/>
+          </a:prstGeom>
+          <a:noFill/>
+          <a:ln w="9525">
+            <a:noFill/>
+            <a:miter lim="800000"/>
+            <a:headEnd/>
+            <a:tailEnd/>
+          </a:ln>
+          <a:effectLst/>
+        </p:spPr>
+      </p:pic>
+    </p:spTree>
+  </p:cSld>
+  <p:clrMapOvr>
+    <a:masterClrMapping/>
+  </p:clrMapOvr>
+</p:sld>
+</file>
+
+<file path=ppt/slides/slide42.xml><?xml version="1.0" encoding="utf-8"?>
+<p:sld xmlns:a="http://schemas.openxmlformats.org/drawingml/2006/main" xmlns:r="http://schemas.openxmlformats.org/officeDocument/2006/relationships" xmlns:p="http://schemas.openxmlformats.org/presentationml/2006/main">
+  <p:cSld>
+    <p:spTree>
+      <p:nvGrpSpPr>
+        <p:cNvPr id="1" name=""/>
+        <p:cNvGrpSpPr/>
+        <p:nvPr/>
+      </p:nvGrpSpPr>
+      <p:grpSpPr>
+        <a:xfrm>
+          <a:off x="0" y="0"/>
+          <a:ext cx="0" cy="0"/>
+          <a:chOff x="0" y="0"/>
+          <a:chExt cx="0" cy="0"/>
+        </a:xfrm>
+      </p:grpSpPr>
+      <p:sp>
+        <p:nvSpPr>
+          <p:cNvPr id="2" name="Title 1"/>
+          <p:cNvSpPr>
+            <a:spLocks noGrp="1"/>
+          </p:cNvSpPr>
+          <p:nvPr>
+            <p:ph type="title"/>
+          </p:nvPr>
+        </p:nvSpPr>
+        <p:spPr/>
+        <p:txBody>
+          <a:bodyPr/>
+          <a:lstStyle/>
+          <a:p>
+            <a:r>
+              <a:rPr lang="en-IN" dirty="0" err="1" smtClean="0"/>
+              <a:t>onError</a:t>
+            </a:r>
+            <a:endParaRPr lang="en-US" dirty="0"/>
+          </a:p>
+        </p:txBody>
+      </p:sp>
+      <p:pic>
+        <p:nvPicPr>
+          <p:cNvPr id="17410" name="Picture 2"/>
+          <p:cNvPicPr>
+            <a:picLocks noGrp="1" noChangeAspect="1" noChangeArrowheads="1"/>
+          </p:cNvPicPr>
+          <p:nvPr>
+            <p:ph idx="1"/>
+          </p:nvPr>
+        </p:nvPicPr>
+        <p:blipFill>
+          <a:blip r:embed="rId2"/>
+          <a:srcRect/>
+          <a:stretch>
+            <a:fillRect/>
+          </a:stretch>
+        </p:blipFill>
+        <p:spPr bwMode="auto">
+          <a:xfrm>
+            <a:off x="809897" y="1825625"/>
+            <a:ext cx="10672353" cy="4351338"/>
+          </a:xfrm>
+          <a:prstGeom prst="rect">
+            <a:avLst/>
+          </a:prstGeom>
+          <a:noFill/>
+          <a:ln w="9525">
+            <a:noFill/>
+            <a:miter lim="800000"/>
+            <a:headEnd/>
+            <a:tailEnd/>
+          </a:ln>
+          <a:effectLst/>
+        </p:spPr>
+      </p:pic>
+    </p:spTree>
+  </p:cSld>
+  <p:clrMapOvr>
+    <a:masterClrMapping/>
+  </p:clrMapOvr>
+</p:sld>
+</file>
+
+<file path=ppt/slides/slide43.xml><?xml version="1.0" encoding="utf-8"?>
+<p:sld xmlns:a="http://schemas.openxmlformats.org/drawingml/2006/main" xmlns:r="http://schemas.openxmlformats.org/officeDocument/2006/relationships" xmlns:p="http://schemas.openxmlformats.org/presentationml/2006/main">
+  <p:cSld>
+    <p:spTree>
+      <p:nvGrpSpPr>
+        <p:cNvPr id="1" name=""/>
+        <p:cNvGrpSpPr/>
+        <p:nvPr/>
+      </p:nvGrpSpPr>
+      <p:grpSpPr>
+        <a:xfrm>
+          <a:off x="0" y="0"/>
+          <a:ext cx="0" cy="0"/>
+          <a:chOff x="0" y="0"/>
+          <a:chExt cx="0" cy="0"/>
+        </a:xfrm>
+      </p:grpSpPr>
+      <p:sp>
+        <p:nvSpPr>
+          <p:cNvPr id="2" name="Title 1"/>
+          <p:cNvSpPr>
+            <a:spLocks noGrp="1"/>
+          </p:cNvSpPr>
+          <p:nvPr>
+            <p:ph type="title"/>
+          </p:nvPr>
+        </p:nvSpPr>
+        <p:spPr/>
+        <p:txBody>
+          <a:bodyPr/>
+          <a:lstStyle/>
+          <a:p>
+            <a:r>
+              <a:rPr lang="en-IN" dirty="0" smtClean="0"/>
+              <a:t>Event Listener</a:t>
+            </a:r>
+            <a:endParaRPr lang="en-US" dirty="0"/>
+          </a:p>
+        </p:txBody>
+      </p:sp>
+      <p:pic>
+        <p:nvPicPr>
+          <p:cNvPr id="25602" name="Picture 2"/>
+          <p:cNvPicPr>
+            <a:picLocks noGrp="1" noChangeAspect="1" noChangeArrowheads="1"/>
+          </p:cNvPicPr>
+          <p:nvPr>
+            <p:ph idx="1"/>
+          </p:nvPr>
+        </p:nvPicPr>
+        <p:blipFill>
+          <a:blip r:embed="rId2"/>
+          <a:srcRect/>
+          <a:stretch>
+            <a:fillRect/>
+          </a:stretch>
+        </p:blipFill>
+        <p:spPr bwMode="auto">
+          <a:xfrm>
+            <a:off x="1462631" y="1825625"/>
+            <a:ext cx="9266738" cy="4351338"/>
+          </a:xfrm>
+          <a:prstGeom prst="rect">
+            <a:avLst/>
+          </a:prstGeom>
+          <a:noFill/>
+          <a:ln w="9525">
+            <a:noFill/>
+            <a:miter lim="800000"/>
+            <a:headEnd/>
+            <a:tailEnd/>
+          </a:ln>
+          <a:effectLst/>
+        </p:spPr>
+      </p:pic>
+    </p:spTree>
+  </p:cSld>
+  <p:clrMapOvr>
+    <a:masterClrMapping/>
+  </p:clrMapOvr>
+</p:sld>
+</file>
+
+<file path=ppt/slides/slide44.xml><?xml version="1.0" encoding="utf-8"?>
+<p:sld xmlns:a="http://schemas.openxmlformats.org/drawingml/2006/main" xmlns:r="http://schemas.openxmlformats.org/officeDocument/2006/relationships" xmlns:p="http://schemas.openxmlformats.org/presentationml/2006/main">
+  <p:cSld>
+    <p:spTree>
+      <p:nvGrpSpPr>
+        <p:cNvPr id="1" name=""/>
+        <p:cNvGrpSpPr/>
+        <p:nvPr/>
+      </p:nvGrpSpPr>
+      <p:grpSpPr>
+        <a:xfrm>
+          <a:off x="0" y="0"/>
+          <a:ext cx="0" cy="0"/>
+          <a:chOff x="0" y="0"/>
+          <a:chExt cx="0" cy="0"/>
+        </a:xfrm>
+      </p:grpSpPr>
+      <p:sp>
+        <p:nvSpPr>
+          <p:cNvPr id="2" name="Title 1"/>
+          <p:cNvSpPr>
+            <a:spLocks noGrp="1"/>
+          </p:cNvSpPr>
+          <p:nvPr>
+            <p:ph type="title"/>
+          </p:nvPr>
+        </p:nvSpPr>
+        <p:spPr/>
+        <p:txBody>
+          <a:bodyPr/>
+          <a:lstStyle/>
+          <a:p>
+            <a:r>
+              <a:rPr lang="en-IN" dirty="0" smtClean="0"/>
+              <a:t>Event Listener</a:t>
+            </a:r>
+            <a:endParaRPr lang="en-US" dirty="0"/>
+          </a:p>
+        </p:txBody>
+      </p:sp>
+      <p:sp>
+        <p:nvSpPr>
+          <p:cNvPr id="4" name="Content Placeholder 3"/>
+          <p:cNvSpPr>
+            <a:spLocks noGrp="1"/>
+          </p:cNvSpPr>
+          <p:nvPr>
+            <p:ph idx="1"/>
+          </p:nvPr>
+        </p:nvSpPr>
+        <p:spPr/>
+        <p:txBody>
+          <a:bodyPr/>
+          <a:lstStyle/>
+          <a:p>
+            <a:endParaRPr lang="en-US"/>
+          </a:p>
+        </p:txBody>
+      </p:sp>
+      <p:pic>
+        <p:nvPicPr>
+          <p:cNvPr id="26626" name="Picture 2"/>
+          <p:cNvPicPr>
+            <a:picLocks noChangeAspect="1" noChangeArrowheads="1"/>
+          </p:cNvPicPr>
+          <p:nvPr/>
+        </p:nvPicPr>
+        <p:blipFill>
+          <a:blip r:embed="rId2"/>
+          <a:srcRect/>
+          <a:stretch>
+            <a:fillRect/>
+          </a:stretch>
+        </p:blipFill>
+        <p:spPr bwMode="auto">
+          <a:xfrm>
+            <a:off x="824865" y="1423851"/>
+            <a:ext cx="9810750" cy="5107987"/>
+          </a:xfrm>
+          <a:prstGeom prst="rect">
+            <a:avLst/>
+          </a:prstGeom>
+          <a:noFill/>
+          <a:ln w="9525">
+            <a:noFill/>
+            <a:miter lim="800000"/>
+            <a:headEnd/>
+            <a:tailEnd/>
+          </a:ln>
+          <a:effectLst/>
+        </p:spPr>
+      </p:pic>
+    </p:spTree>
+  </p:cSld>
+  <p:clrMapOvr>
+    <a:masterClrMapping/>
+  </p:clrMapOvr>
+</p:sld>
+</file>
+
+<file path=ppt/slides/slide45.xml><?xml version="1.0" encoding="utf-8"?>
+<p:sld xmlns:a="http://schemas.openxmlformats.org/drawingml/2006/main" xmlns:r="http://schemas.openxmlformats.org/officeDocument/2006/relationships" xmlns:p="http://schemas.openxmlformats.org/presentationml/2006/main">
+  <p:cSld>
+    <p:spTree>
+      <p:nvGrpSpPr>
+        <p:cNvPr id="1" name=""/>
+        <p:cNvGrpSpPr/>
+        <p:nvPr/>
+      </p:nvGrpSpPr>
+      <p:grpSpPr>
+        <a:xfrm>
+          <a:off x="0" y="0"/>
+          <a:ext cx="0" cy="0"/>
+          <a:chOff x="0" y="0"/>
+          <a:chExt cx="0" cy="0"/>
+        </a:xfrm>
+      </p:grpSpPr>
+      <p:sp>
+        <p:nvSpPr>
+          <p:cNvPr id="2" name="Title 1"/>
+          <p:cNvSpPr>
+            <a:spLocks noGrp="1"/>
+          </p:cNvSpPr>
+          <p:nvPr>
+            <p:ph type="title"/>
+          </p:nvPr>
+        </p:nvSpPr>
+        <p:spPr/>
+        <p:txBody>
+          <a:bodyPr/>
+          <a:lstStyle/>
+          <a:p>
+            <a:r>
+              <a:rPr lang="en-IN" dirty="0" smtClean="0"/>
+              <a:t>Remove Event Listener</a:t>
+            </a:r>
+            <a:endParaRPr lang="en-US" dirty="0"/>
+          </a:p>
+        </p:txBody>
+      </p:sp>
+      <p:pic>
+        <p:nvPicPr>
+          <p:cNvPr id="27650" name="Picture 2"/>
+          <p:cNvPicPr>
+            <a:picLocks noGrp="1" noChangeAspect="1" noChangeArrowheads="1"/>
+          </p:cNvPicPr>
+          <p:nvPr>
+            <p:ph idx="1"/>
+          </p:nvPr>
+        </p:nvPicPr>
+        <p:blipFill>
+          <a:blip r:embed="rId2"/>
+          <a:srcRect/>
+          <a:stretch>
+            <a:fillRect/>
+          </a:stretch>
+        </p:blipFill>
+        <p:spPr bwMode="auto">
+          <a:xfrm>
+            <a:off x="979714" y="1489166"/>
+            <a:ext cx="10293532" cy="4950823"/>
+          </a:xfrm>
+          <a:prstGeom prst="rect">
+            <a:avLst/>
+          </a:prstGeom>
+          <a:noFill/>
+          <a:ln w="9525">
+            <a:noFill/>
+            <a:miter lim="800000"/>
+            <a:headEnd/>
+            <a:tailEnd/>
+          </a:ln>
+          <a:effectLst/>
+        </p:spPr>
+      </p:pic>
+    </p:spTree>
+  </p:cSld>
+  <p:clrMapOvr>
+    <a:masterClrMapping/>
+  </p:clrMapOvr>
+</p:sld>
+</file>
+
+<file path=ppt/slides/slide46.xml><?xml version="1.0" encoding="utf-8"?>
+<p:sld xmlns:a="http://schemas.openxmlformats.org/drawingml/2006/main" xmlns:r="http://schemas.openxmlformats.org/officeDocument/2006/relationships" xmlns:p="http://schemas.openxmlformats.org/presentationml/2006/main">
+  <p:cSld>
+    <p:spTree>
+      <p:nvGrpSpPr>
+        <p:cNvPr id="1" name=""/>
+        <p:cNvGrpSpPr/>
+        <p:nvPr/>
+      </p:nvGrpSpPr>
+      <p:grpSpPr>
+        <a:xfrm>
+          <a:off x="0" y="0"/>
+          <a:ext cx="0" cy="0"/>
+          <a:chOff x="0" y="0"/>
+          <a:chExt cx="0" cy="0"/>
+        </a:xfrm>
+      </p:grpSpPr>
+      <p:sp>
+        <p:nvSpPr>
+          <p:cNvPr id="2" name="Title 1"/>
+          <p:cNvSpPr>
+            <a:spLocks noGrp="1"/>
+          </p:cNvSpPr>
+          <p:nvPr>
+            <p:ph type="title"/>
+          </p:nvPr>
+        </p:nvSpPr>
+        <p:spPr/>
+        <p:txBody>
+          <a:bodyPr/>
+          <a:lstStyle/>
+          <a:p>
+            <a:r>
+              <a:rPr lang="en-IN" dirty="0" smtClean="0"/>
+              <a:t>Bubbling and Capturing</a:t>
+            </a:r>
+            <a:endParaRPr lang="en-US" dirty="0"/>
+          </a:p>
+        </p:txBody>
+      </p:sp>
+      <p:pic>
+        <p:nvPicPr>
+          <p:cNvPr id="3074" name="Picture 2"/>
+          <p:cNvPicPr>
+            <a:picLocks noGrp="1" noChangeAspect="1" noChangeArrowheads="1"/>
+          </p:cNvPicPr>
+          <p:nvPr>
+            <p:ph idx="1"/>
+          </p:nvPr>
+        </p:nvPicPr>
+        <p:blipFill>
+          <a:blip r:embed="rId2"/>
+          <a:srcRect/>
+          <a:stretch>
+            <a:fillRect/>
+          </a:stretch>
+        </p:blipFill>
+        <p:spPr bwMode="auto">
+          <a:xfrm>
+            <a:off x="640080" y="1502230"/>
+            <a:ext cx="10946673" cy="4963884"/>
+          </a:xfrm>
+          <a:prstGeom prst="rect">
+            <a:avLst/>
+          </a:prstGeom>
+          <a:noFill/>
+          <a:ln w="9525">
+            <a:noFill/>
+            <a:miter lim="800000"/>
+            <a:headEnd/>
+            <a:tailEnd/>
+          </a:ln>
+          <a:effectLst/>
+        </p:spPr>
+      </p:pic>
+    </p:spTree>
+  </p:cSld>
+  <p:clrMapOvr>
+    <a:masterClrMapping/>
+  </p:clrMapOvr>
+</p:sld>
+</file>
+
+<file path=ppt/slides/slide47.xml><?xml version="1.0" encoding="utf-8"?>
+<p:sld xmlns:a="http://schemas.openxmlformats.org/drawingml/2006/main" xmlns:r="http://schemas.openxmlformats.org/officeDocument/2006/relationships" xmlns:p="http://schemas.openxmlformats.org/presentationml/2006/main">
+  <p:cSld>
+    <p:spTree>
+      <p:nvGrpSpPr>
+        <p:cNvPr id="1" name=""/>
+        <p:cNvGrpSpPr/>
+        <p:nvPr/>
+      </p:nvGrpSpPr>
+      <p:grpSpPr>
+        <a:xfrm>
+          <a:off x="0" y="0"/>
+          <a:ext cx="0" cy="0"/>
+          <a:chOff x="0" y="0"/>
+          <a:chExt cx="0" cy="0"/>
+        </a:xfrm>
+      </p:grpSpPr>
+      <p:sp>
+        <p:nvSpPr>
+          <p:cNvPr id="2" name="Title 1"/>
+          <p:cNvSpPr>
+            <a:spLocks noGrp="1"/>
+          </p:cNvSpPr>
+          <p:nvPr>
+            <p:ph type="title"/>
+          </p:nvPr>
+        </p:nvSpPr>
+        <p:spPr/>
+        <p:txBody>
+          <a:bodyPr/>
+          <a:lstStyle/>
+          <a:p>
+            <a:endParaRPr lang="en-US"/>
+          </a:p>
+        </p:txBody>
+      </p:sp>
+      <p:pic>
+        <p:nvPicPr>
+          <p:cNvPr id="25602" name="Picture 2"/>
+          <p:cNvPicPr>
+            <a:picLocks noGrp="1" noChangeAspect="1" noChangeArrowheads="1"/>
+          </p:cNvPicPr>
+          <p:nvPr>
+            <p:ph idx="1"/>
+          </p:nvPr>
+        </p:nvPicPr>
+        <p:blipFill>
+          <a:blip r:embed="rId2"/>
+          <a:srcRect/>
+          <a:stretch>
+            <a:fillRect/>
+          </a:stretch>
+        </p:blipFill>
+        <p:spPr bwMode="auto">
+          <a:xfrm>
+            <a:off x="516965" y="362585"/>
+            <a:ext cx="10586464" cy="6077404"/>
+          </a:xfrm>
+          <a:prstGeom prst="rect">
+            <a:avLst/>
+          </a:prstGeom>
+          <a:noFill/>
+          <a:ln w="9525">
+            <a:noFill/>
+            <a:miter lim="800000"/>
+            <a:headEnd/>
+            <a:tailEnd/>
+          </a:ln>
+          <a:effectLst/>
+        </p:spPr>
+      </p:pic>
+    </p:spTree>
+  </p:cSld>
+  <p:clrMapOvr>
+    <a:masterClrMapping/>
+  </p:clrMapOvr>
+</p:sld>
+</file>
+
+<file path=ppt/slides/slide48.xml><?xml version="1.0" encoding="utf-8"?>
+<p:sld xmlns:a="http://schemas.openxmlformats.org/drawingml/2006/main" xmlns:r="http://schemas.openxmlformats.org/officeDocument/2006/relationships" xmlns:p="http://schemas.openxmlformats.org/presentationml/2006/main">
+  <p:cSld>
+    <p:spTree>
+      <p:nvGrpSpPr>
+        <p:cNvPr id="1" name=""/>
+        <p:cNvGrpSpPr/>
+        <p:nvPr/>
+      </p:nvGrpSpPr>
+      <p:grpSpPr>
+        <a:xfrm>
+          <a:off x="0" y="0"/>
+          <a:ext cx="0" cy="0"/>
+          <a:chOff x="0" y="0"/>
+          <a:chExt cx="0" cy="0"/>
+        </a:xfrm>
+      </p:grpSpPr>
+      <p:sp>
+        <p:nvSpPr>
+          <p:cNvPr id="2" name="Title 1"/>
+          <p:cNvSpPr>
+            <a:spLocks noGrp="1"/>
+          </p:cNvSpPr>
+          <p:nvPr>
+            <p:ph type="title"/>
+          </p:nvPr>
+        </p:nvSpPr>
+        <p:spPr/>
+        <p:txBody>
+          <a:bodyPr/>
+          <a:lstStyle/>
+          <a:p>
+            <a:endParaRPr lang="en-US"/>
+          </a:p>
+        </p:txBody>
+      </p:sp>
+      <p:pic>
+        <p:nvPicPr>
+          <p:cNvPr id="26626" name="Picture 2"/>
+          <p:cNvPicPr>
+            <a:picLocks noGrp="1" noChangeAspect="1" noChangeArrowheads="1"/>
+          </p:cNvPicPr>
+          <p:nvPr>
+            <p:ph idx="1"/>
+          </p:nvPr>
+        </p:nvPicPr>
+        <p:blipFill>
+          <a:blip r:embed="rId2"/>
+          <a:srcRect/>
+          <a:stretch>
+            <a:fillRect/>
+          </a:stretch>
+        </p:blipFill>
+        <p:spPr bwMode="auto">
+          <a:xfrm>
+            <a:off x="752749" y="584654"/>
+            <a:ext cx="10350679" cy="5724706"/>
+          </a:xfrm>
+          <a:prstGeom prst="rect">
+            <a:avLst/>
+          </a:prstGeom>
+          <a:noFill/>
+          <a:ln w="9525">
+            <a:noFill/>
+            <a:miter lim="800000"/>
+            <a:headEnd/>
+            <a:tailEnd/>
+          </a:ln>
+          <a:effectLst/>
+        </p:spPr>
+      </p:pic>
+    </p:spTree>
+  </p:cSld>
+  <p:clrMapOvr>
+    <a:masterClrMapping/>
+  </p:clrMapOvr>
+</p:sld>
+</file>
+
+<file path=ppt/slides/slide49.xml><?xml version="1.0" encoding="utf-8"?>
+<p:sld xmlns:a="http://schemas.openxmlformats.org/drawingml/2006/main" xmlns:r="http://schemas.openxmlformats.org/officeDocument/2006/relationships" xmlns:p="http://schemas.openxmlformats.org/presentationml/2006/main">
+  <p:cSld>
+    <p:spTree>
+      <p:nvGrpSpPr>
+        <p:cNvPr id="1" name=""/>
+        <p:cNvGrpSpPr/>
+        <p:nvPr/>
+      </p:nvGrpSpPr>
+      <p:grpSpPr>
+        <a:xfrm>
+          <a:off x="0" y="0"/>
+          <a:ext cx="0" cy="0"/>
+          <a:chOff x="0" y="0"/>
+          <a:chExt cx="0" cy="0"/>
+        </a:xfrm>
+      </p:grpSpPr>
+      <p:sp>
+        <p:nvSpPr>
+          <p:cNvPr id="2" name="Title 1"/>
+          <p:cNvSpPr>
+            <a:spLocks noGrp="1"/>
+          </p:cNvSpPr>
+          <p:nvPr>
+            <p:ph type="title"/>
+          </p:nvPr>
+        </p:nvSpPr>
+        <p:spPr/>
+        <p:txBody>
+          <a:bodyPr/>
+          <a:lstStyle/>
+          <a:p>
+            <a:r>
+              <a:rPr lang="en-IN" dirty="0" smtClean="0"/>
+              <a:t>Event Bubbling Example</a:t>
+            </a:r>
+            <a:endParaRPr lang="en-US" dirty="0"/>
+          </a:p>
+        </p:txBody>
+      </p:sp>
+      <p:pic>
+        <p:nvPicPr>
+          <p:cNvPr id="28674" name="Picture 2"/>
+          <p:cNvPicPr>
+            <a:picLocks noGrp="1" noChangeAspect="1" noChangeArrowheads="1"/>
+          </p:cNvPicPr>
+          <p:nvPr>
+            <p:ph idx="1"/>
+          </p:nvPr>
+        </p:nvPicPr>
+        <p:blipFill>
+          <a:blip r:embed="rId2"/>
+          <a:srcRect/>
+          <a:stretch>
+            <a:fillRect/>
+          </a:stretch>
+        </p:blipFill>
+        <p:spPr bwMode="auto">
+          <a:xfrm>
+            <a:off x="365760" y="1606730"/>
+            <a:ext cx="11103429" cy="4859383"/>
           </a:xfrm>
           <a:prstGeom prst="rect">
             <a:avLst/>
@@ -6079,23 +10086,36 @@
           <a:bodyPr/>
           <a:lstStyle/>
           <a:p>
-            <a:r>
-              <a:rPr lang="en-US" dirty="0" smtClean="0"/>
-              <a:t>HTML DOM</a:t>
-            </a:r>
-            <a:endParaRPr lang="en-US" dirty="0"/>
+            <a:endParaRPr lang="en-US"/>
+          </a:p>
+        </p:txBody>
+      </p:sp>
+      <p:sp>
+        <p:nvSpPr>
+          <p:cNvPr id="3" name="Content Placeholder 2"/>
+          <p:cNvSpPr>
+            <a:spLocks noGrp="1"/>
+          </p:cNvSpPr>
+          <p:nvPr>
+            <p:ph idx="1"/>
+          </p:nvPr>
+        </p:nvSpPr>
+        <p:spPr/>
+        <p:txBody>
+          <a:bodyPr/>
+          <a:lstStyle/>
+          <a:p>
+            <a:endParaRPr lang="en-US"/>
           </a:p>
         </p:txBody>
       </p:sp>
       <p:pic>
         <p:nvPicPr>
-          <p:cNvPr id="5122" name="Picture 2"/>
+          <p:cNvPr id="1026" name="Picture 2"/>
           <p:cNvPicPr>
-            <a:picLocks noGrp="1" noChangeAspect="1" noChangeArrowheads="1"/>
+            <a:picLocks noChangeAspect="1" noChangeArrowheads="1"/>
           </p:cNvPicPr>
-          <p:nvPr>
-            <p:ph idx="1"/>
-          </p:nvPr>
+          <p:nvPr/>
         </p:nvPicPr>
         <p:blipFill>
           <a:blip r:embed="rId2"/>
@@ -6106,8 +10126,41 @@
         </p:blipFill>
         <p:spPr bwMode="auto">
           <a:xfrm>
-            <a:off x="1267097" y="1727403"/>
-            <a:ext cx="8712926" cy="3706746"/>
+            <a:off x="979715" y="418012"/>
+            <a:ext cx="10554789" cy="5747657"/>
+          </a:xfrm>
+          <a:prstGeom prst="rect">
+            <a:avLst/>
+          </a:prstGeom>
+          <a:noFill/>
+          <a:ln w="9525">
+            <a:noFill/>
+            <a:miter lim="800000"/>
+            <a:headEnd/>
+            <a:tailEnd/>
+          </a:ln>
+          <a:effectLst/>
+        </p:spPr>
+      </p:pic>
+      <p:pic>
+        <p:nvPicPr>
+          <p:cNvPr id="5" name="Picture 2"/>
+          <p:cNvPicPr>
+            <a:picLocks noChangeAspect="1" noChangeArrowheads="1"/>
+          </p:cNvPicPr>
+          <p:nvPr/>
+        </p:nvPicPr>
+        <p:blipFill>
+          <a:blip r:embed="rId2"/>
+          <a:srcRect/>
+          <a:stretch>
+            <a:fillRect/>
+          </a:stretch>
+        </p:blipFill>
+        <p:spPr bwMode="auto">
+          <a:xfrm>
+            <a:off x="910046" y="531224"/>
+            <a:ext cx="10554789" cy="5747657"/>
           </a:xfrm>
           <a:prstGeom prst="rect">
             <a:avLst/>
@@ -6149,494 +10202,80 @@
       </p:grpSpPr>
       <p:sp>
         <p:nvSpPr>
-          <p:cNvPr id="4" name="Content Placeholder 13"/>
-          <p:cNvSpPr txBox="1">
-            <a:spLocks/>
-          </p:cNvSpPr>
+          <p:cNvPr id="2" name="Title 1"/>
+          <p:cNvSpPr>
+            <a:spLocks noGrp="1"/>
+          </p:cNvSpPr>
+          <p:nvPr>
+            <p:ph type="title"/>
+          </p:nvPr>
+        </p:nvSpPr>
+        <p:spPr/>
+        <p:txBody>
+          <a:bodyPr/>
+          <a:lstStyle/>
+          <a:p>
+            <a:endParaRPr lang="en-US"/>
+          </a:p>
+        </p:txBody>
+      </p:sp>
+      <p:sp>
+        <p:nvSpPr>
+          <p:cNvPr id="5" name="Content Placeholder 4"/>
+          <p:cNvSpPr>
+            <a:spLocks noGrp="1"/>
+          </p:cNvSpPr>
+          <p:nvPr>
+            <p:ph idx="1"/>
+          </p:nvPr>
+        </p:nvSpPr>
+        <p:spPr/>
+        <p:txBody>
+          <a:bodyPr/>
+          <a:lstStyle/>
+          <a:p>
+            <a:endParaRPr lang="en-US"/>
+          </a:p>
+        </p:txBody>
+      </p:sp>
+      <p:pic>
+        <p:nvPicPr>
+          <p:cNvPr id="2051" name="Picture 3"/>
+          <p:cNvPicPr>
+            <a:picLocks noChangeAspect="1" noChangeArrowheads="1"/>
+          </p:cNvPicPr>
           <p:nvPr/>
-        </p:nvSpPr>
-        <p:spPr>
+        </p:nvPicPr>
+        <p:blipFill>
+          <a:blip r:embed="rId2"/>
+          <a:srcRect/>
+          <a:stretch>
+            <a:fillRect/>
+          </a:stretch>
+        </p:blipFill>
+        <p:spPr bwMode="auto">
           <a:xfrm>
-            <a:off x="260741" y="17230"/>
-            <a:ext cx="9791700" cy="630192"/>
+            <a:off x="339635" y="326571"/>
+            <a:ext cx="11194867" cy="6139543"/>
           </a:xfrm>
           <a:prstGeom prst="rect">
             <a:avLst/>
           </a:prstGeom>
+          <a:noFill/>
+          <a:ln w="9525">
+            <a:noFill/>
+            <a:miter lim="800000"/>
+            <a:headEnd/>
+            <a:tailEnd/>
+          </a:ln>
+          <a:effectLst/>
         </p:spPr>
-        <p:txBody>
-          <a:bodyPr vert="horz" lIns="91440" tIns="45720" rIns="91440" bIns="45720" rtlCol="0">
-            <a:noAutofit/>
-          </a:bodyPr>
-          <a:lstStyle>
-            <a:lvl1pPr marL="0" indent="0" algn="ctr" defTabSz="914400" rtl="0" eaLnBrk="1" latinLnBrk="0" hangingPunct="1">
-              <a:lnSpc>
-                <a:spcPct val="90000"/>
-              </a:lnSpc>
-              <a:spcBef>
-                <a:spcPts val="1000"/>
-              </a:spcBef>
-              <a:buFont typeface="Arial" panose="020B0604020202020204" pitchFamily="34" charset="0"/>
-              <a:buNone/>
-              <a:defRPr kumimoji="1" sz="2400" kern="1200">
-                <a:solidFill>
-                  <a:schemeClr val="tx1"/>
-                </a:solidFill>
-                <a:latin typeface="+mn-lt"/>
-                <a:ea typeface="+mn-ea"/>
-                <a:cs typeface="+mn-cs"/>
-              </a:defRPr>
-            </a:lvl1pPr>
-            <a:lvl2pPr marL="457200" indent="0" algn="ctr" defTabSz="914400" rtl="0" eaLnBrk="1" latinLnBrk="0" hangingPunct="1">
-              <a:lnSpc>
-                <a:spcPct val="90000"/>
-              </a:lnSpc>
-              <a:spcBef>
-                <a:spcPts val="500"/>
-              </a:spcBef>
-              <a:buFont typeface="Arial" panose="020B0604020202020204" pitchFamily="34" charset="0"/>
-              <a:buNone/>
-              <a:defRPr kumimoji="1" sz="2000" kern="1200">
-                <a:solidFill>
-                  <a:schemeClr val="tx1"/>
-                </a:solidFill>
-                <a:latin typeface="+mn-lt"/>
-                <a:ea typeface="+mn-ea"/>
-                <a:cs typeface="+mn-cs"/>
-              </a:defRPr>
-            </a:lvl2pPr>
-            <a:lvl3pPr marL="914400" indent="0" algn="ctr" defTabSz="914400" rtl="0" eaLnBrk="1" latinLnBrk="0" hangingPunct="1">
-              <a:lnSpc>
-                <a:spcPct val="90000"/>
-              </a:lnSpc>
-              <a:spcBef>
-                <a:spcPts val="500"/>
-              </a:spcBef>
-              <a:buFont typeface="Arial" panose="020B0604020202020204" pitchFamily="34" charset="0"/>
-              <a:buNone/>
-              <a:defRPr kumimoji="1" sz="1800" kern="1200">
-                <a:solidFill>
-                  <a:schemeClr val="tx1"/>
-                </a:solidFill>
-                <a:latin typeface="+mn-lt"/>
-                <a:ea typeface="+mn-ea"/>
-                <a:cs typeface="+mn-cs"/>
-              </a:defRPr>
-            </a:lvl3pPr>
-            <a:lvl4pPr marL="1371600" indent="0" algn="ctr" defTabSz="914400" rtl="0" eaLnBrk="1" latinLnBrk="0" hangingPunct="1">
-              <a:lnSpc>
-                <a:spcPct val="90000"/>
-              </a:lnSpc>
-              <a:spcBef>
-                <a:spcPts val="500"/>
-              </a:spcBef>
-              <a:buFont typeface="Arial" panose="020B0604020202020204" pitchFamily="34" charset="0"/>
-              <a:buNone/>
-              <a:defRPr kumimoji="1" sz="1600" kern="1200">
-                <a:solidFill>
-                  <a:schemeClr val="tx1"/>
-                </a:solidFill>
-                <a:latin typeface="+mn-lt"/>
-                <a:ea typeface="+mn-ea"/>
-                <a:cs typeface="+mn-cs"/>
-              </a:defRPr>
-            </a:lvl4pPr>
-            <a:lvl5pPr marL="1828800" indent="0" algn="ctr" defTabSz="914400" rtl="0" eaLnBrk="1" latinLnBrk="0" hangingPunct="1">
-              <a:lnSpc>
-                <a:spcPct val="90000"/>
-              </a:lnSpc>
-              <a:spcBef>
-                <a:spcPts val="500"/>
-              </a:spcBef>
-              <a:buFont typeface="Arial" panose="020B0604020202020204" pitchFamily="34" charset="0"/>
-              <a:buNone/>
-              <a:defRPr kumimoji="1" sz="1600" kern="1200">
-                <a:solidFill>
-                  <a:schemeClr val="tx1"/>
-                </a:solidFill>
-                <a:latin typeface="+mn-lt"/>
-                <a:ea typeface="+mn-ea"/>
-                <a:cs typeface="+mn-cs"/>
-              </a:defRPr>
-            </a:lvl5pPr>
-            <a:lvl6pPr marL="2286000" indent="0" algn="ctr" defTabSz="914400" rtl="0" eaLnBrk="1" latinLnBrk="0" hangingPunct="1">
-              <a:lnSpc>
-                <a:spcPct val="90000"/>
-              </a:lnSpc>
-              <a:spcBef>
-                <a:spcPts val="500"/>
-              </a:spcBef>
-              <a:buFont typeface="Arial" panose="020B0604020202020204" pitchFamily="34" charset="0"/>
-              <a:buNone/>
-              <a:defRPr kumimoji="1" sz="1600" kern="1200">
-                <a:solidFill>
-                  <a:schemeClr val="tx1"/>
-                </a:solidFill>
-                <a:latin typeface="+mn-lt"/>
-                <a:ea typeface="+mn-ea"/>
-                <a:cs typeface="+mn-cs"/>
-              </a:defRPr>
-            </a:lvl6pPr>
-            <a:lvl7pPr marL="2743200" indent="0" algn="ctr" defTabSz="914400" rtl="0" eaLnBrk="1" latinLnBrk="0" hangingPunct="1">
-              <a:lnSpc>
-                <a:spcPct val="90000"/>
-              </a:lnSpc>
-              <a:spcBef>
-                <a:spcPts val="500"/>
-              </a:spcBef>
-              <a:buFont typeface="Arial" panose="020B0604020202020204" pitchFamily="34" charset="0"/>
-              <a:buNone/>
-              <a:defRPr kumimoji="1" sz="1600" kern="1200">
-                <a:solidFill>
-                  <a:schemeClr val="tx1"/>
-                </a:solidFill>
-                <a:latin typeface="+mn-lt"/>
-                <a:ea typeface="+mn-ea"/>
-                <a:cs typeface="+mn-cs"/>
-              </a:defRPr>
-            </a:lvl7pPr>
-            <a:lvl8pPr marL="3200400" indent="0" algn="ctr" defTabSz="914400" rtl="0" eaLnBrk="1" latinLnBrk="0" hangingPunct="1">
-              <a:lnSpc>
-                <a:spcPct val="90000"/>
-              </a:lnSpc>
-              <a:spcBef>
-                <a:spcPts val="500"/>
-              </a:spcBef>
-              <a:buFont typeface="Arial" panose="020B0604020202020204" pitchFamily="34" charset="0"/>
-              <a:buNone/>
-              <a:defRPr kumimoji="1" sz="1600" kern="1200">
-                <a:solidFill>
-                  <a:schemeClr val="tx1"/>
-                </a:solidFill>
-                <a:latin typeface="+mn-lt"/>
-                <a:ea typeface="+mn-ea"/>
-                <a:cs typeface="+mn-cs"/>
-              </a:defRPr>
-            </a:lvl8pPr>
-            <a:lvl9pPr marL="3657600" indent="0" algn="ctr" defTabSz="914400" rtl="0" eaLnBrk="1" latinLnBrk="0" hangingPunct="1">
-              <a:lnSpc>
-                <a:spcPct val="90000"/>
-              </a:lnSpc>
-              <a:spcBef>
-                <a:spcPts val="500"/>
-              </a:spcBef>
-              <a:buFont typeface="Arial" panose="020B0604020202020204" pitchFamily="34" charset="0"/>
-              <a:buNone/>
-              <a:defRPr kumimoji="1" sz="1600" kern="1200">
-                <a:solidFill>
-                  <a:schemeClr val="tx1"/>
-                </a:solidFill>
-                <a:latin typeface="+mn-lt"/>
-                <a:ea typeface="+mn-ea"/>
-                <a:cs typeface="+mn-cs"/>
-              </a:defRPr>
-            </a:lvl9pPr>
-          </a:lstStyle>
-          <a:p>
-            <a:pPr algn="l"/>
-            <a:r>
-              <a:rPr lang="en-US" sz="3600" b="1" dirty="0" smtClean="0">
-                <a:solidFill>
-                  <a:srgbClr val="0064B5"/>
-                </a:solidFill>
-              </a:rPr>
-              <a:t>What we can do using DOM?</a:t>
-            </a:r>
-            <a:endParaRPr lang="en-US" sz="3600" b="1" dirty="0">
-              <a:solidFill>
-                <a:srgbClr val="0064B5"/>
-              </a:solidFill>
-            </a:endParaRPr>
-          </a:p>
-        </p:txBody>
-      </p:sp>
-      <p:sp>
-        <p:nvSpPr>
-          <p:cNvPr id="7" name="Rectangle 6"/>
-          <p:cNvSpPr/>
-          <p:nvPr/>
-        </p:nvSpPr>
-        <p:spPr>
-          <a:xfrm>
-            <a:off x="260741" y="647422"/>
-            <a:ext cx="9236941" cy="3416320"/>
-          </a:xfrm>
-          <a:prstGeom prst="rect">
-            <a:avLst/>
-          </a:prstGeom>
-        </p:spPr>
-        <p:txBody>
-          <a:bodyPr wrap="square">
-            <a:spAutoFit/>
-          </a:bodyPr>
-          <a:lstStyle/>
-          <a:p>
-            <a:pPr marL="114300" lvl="0">
-              <a:lnSpc>
-                <a:spcPct val="150000"/>
-              </a:lnSpc>
-              <a:buClr>
-                <a:schemeClr val="dk1"/>
-              </a:buClr>
-              <a:buSzPts val="1800"/>
-            </a:pPr>
-            <a:r>
-              <a:rPr lang="en-US" dirty="0" smtClean="0"/>
-              <a:t>Using DOM, </a:t>
-            </a:r>
-            <a:r>
-              <a:rPr lang="en-US" dirty="0"/>
-              <a:t>JavaScript gets all the power it needs to </a:t>
-            </a:r>
-            <a:r>
-              <a:rPr lang="en-US" dirty="0" smtClean="0"/>
-              <a:t>create/update HTML</a:t>
-            </a:r>
-            <a:r>
-              <a:rPr lang="en-US" dirty="0"/>
-              <a:t>:</a:t>
-            </a:r>
-            <a:endParaRPr lang="en-US" dirty="0" smtClean="0">
-              <a:solidFill>
-                <a:schemeClr val="dk1"/>
-              </a:solidFill>
-            </a:endParaRPr>
-          </a:p>
-          <a:p>
-            <a:pPr marL="457200" lvl="0" indent="-342900">
-              <a:lnSpc>
-                <a:spcPct val="150000"/>
-              </a:lnSpc>
-              <a:buClr>
-                <a:schemeClr val="dk1"/>
-              </a:buClr>
-              <a:buSzPts val="1800"/>
-              <a:buFont typeface="Arial" pitchFamily="34" charset="0"/>
-              <a:buChar char="•"/>
-            </a:pPr>
-            <a:r>
-              <a:rPr lang="en-US" dirty="0">
-                <a:solidFill>
-                  <a:schemeClr val="dk1"/>
-                </a:solidFill>
-              </a:rPr>
-              <a:t>JavaScript can </a:t>
-            </a:r>
-            <a:r>
-              <a:rPr lang="en-US" b="1" dirty="0">
-                <a:solidFill>
-                  <a:schemeClr val="dk1"/>
-                </a:solidFill>
-              </a:rPr>
-              <a:t>change all the HTML elements </a:t>
-            </a:r>
-            <a:r>
-              <a:rPr lang="en-US" dirty="0">
-                <a:solidFill>
-                  <a:schemeClr val="dk1"/>
-                </a:solidFill>
-              </a:rPr>
-              <a:t>in the page</a:t>
-            </a:r>
-          </a:p>
-          <a:p>
-            <a:pPr marL="457200" lvl="0" indent="-342900">
-              <a:lnSpc>
-                <a:spcPct val="150000"/>
-              </a:lnSpc>
-              <a:buClr>
-                <a:schemeClr val="dk1"/>
-              </a:buClr>
-              <a:buSzPts val="1800"/>
-              <a:buFont typeface="Arial" pitchFamily="34" charset="0"/>
-              <a:buChar char="•"/>
-            </a:pPr>
-            <a:r>
-              <a:rPr lang="en-US" dirty="0">
-                <a:solidFill>
-                  <a:schemeClr val="dk1"/>
-                </a:solidFill>
-              </a:rPr>
-              <a:t>JavaScript can </a:t>
-            </a:r>
-            <a:r>
-              <a:rPr lang="en-US" b="1" dirty="0">
-                <a:solidFill>
-                  <a:schemeClr val="dk1"/>
-                </a:solidFill>
-              </a:rPr>
-              <a:t>change all the HTML attributes </a:t>
-            </a:r>
-            <a:r>
-              <a:rPr lang="en-US" dirty="0">
-                <a:solidFill>
-                  <a:schemeClr val="dk1"/>
-                </a:solidFill>
-              </a:rPr>
-              <a:t>in the page</a:t>
-            </a:r>
-          </a:p>
-          <a:p>
-            <a:pPr marL="457200" lvl="0" indent="-342900">
-              <a:lnSpc>
-                <a:spcPct val="150000"/>
-              </a:lnSpc>
-              <a:buClr>
-                <a:schemeClr val="dk1"/>
-              </a:buClr>
-              <a:buSzPts val="1800"/>
-              <a:buFont typeface="Arial" pitchFamily="34" charset="0"/>
-              <a:buChar char="•"/>
-            </a:pPr>
-            <a:r>
-              <a:rPr lang="en-US" dirty="0">
-                <a:solidFill>
-                  <a:schemeClr val="dk1"/>
-                </a:solidFill>
-              </a:rPr>
-              <a:t>JavaScript can </a:t>
-            </a:r>
-            <a:r>
-              <a:rPr lang="en-US" b="1" dirty="0">
-                <a:solidFill>
-                  <a:schemeClr val="dk1"/>
-                </a:solidFill>
-              </a:rPr>
-              <a:t>change all the CSS styles </a:t>
-            </a:r>
-            <a:r>
-              <a:rPr lang="en-US" dirty="0">
-                <a:solidFill>
-                  <a:schemeClr val="dk1"/>
-                </a:solidFill>
-              </a:rPr>
-              <a:t>in the page</a:t>
-            </a:r>
-          </a:p>
-          <a:p>
-            <a:pPr marL="457200" lvl="0" indent="-342900">
-              <a:lnSpc>
-                <a:spcPct val="150000"/>
-              </a:lnSpc>
-              <a:buClr>
-                <a:schemeClr val="dk1"/>
-              </a:buClr>
-              <a:buSzPts val="1800"/>
-              <a:buFont typeface="Arial" pitchFamily="34" charset="0"/>
-              <a:buChar char="•"/>
-            </a:pPr>
-            <a:r>
-              <a:rPr lang="en-US" dirty="0">
-                <a:solidFill>
-                  <a:schemeClr val="dk1"/>
-                </a:solidFill>
-              </a:rPr>
-              <a:t>JavaScript can </a:t>
-            </a:r>
-            <a:r>
-              <a:rPr lang="en-US" b="1" dirty="0">
-                <a:solidFill>
-                  <a:schemeClr val="dk1"/>
-                </a:solidFill>
-              </a:rPr>
-              <a:t>remove existing HTML elements and attributes</a:t>
-            </a:r>
-          </a:p>
-          <a:p>
-            <a:pPr marL="457200" lvl="0" indent="-342900">
-              <a:lnSpc>
-                <a:spcPct val="150000"/>
-              </a:lnSpc>
-              <a:buClr>
-                <a:schemeClr val="dk1"/>
-              </a:buClr>
-              <a:buSzPts val="1800"/>
-              <a:buFont typeface="Arial" pitchFamily="34" charset="0"/>
-              <a:buChar char="•"/>
-            </a:pPr>
-            <a:r>
-              <a:rPr lang="en-US" dirty="0">
-                <a:solidFill>
-                  <a:schemeClr val="dk1"/>
-                </a:solidFill>
-              </a:rPr>
-              <a:t>JavaScript can </a:t>
-            </a:r>
-            <a:r>
-              <a:rPr lang="en-US" b="1" dirty="0">
-                <a:solidFill>
-                  <a:schemeClr val="dk1"/>
-                </a:solidFill>
-              </a:rPr>
-              <a:t>add new HTML elements and attributes</a:t>
-            </a:r>
-          </a:p>
-          <a:p>
-            <a:pPr marL="457200" lvl="0" indent="-342900">
-              <a:lnSpc>
-                <a:spcPct val="150000"/>
-              </a:lnSpc>
-              <a:buClr>
-                <a:schemeClr val="dk1"/>
-              </a:buClr>
-              <a:buSzPts val="1800"/>
-              <a:buFont typeface="Arial" pitchFamily="34" charset="0"/>
-              <a:buChar char="•"/>
-            </a:pPr>
-            <a:r>
-              <a:rPr lang="en-US" dirty="0">
-                <a:solidFill>
-                  <a:schemeClr val="dk1"/>
-                </a:solidFill>
-              </a:rPr>
-              <a:t>JavaScript can </a:t>
-            </a:r>
-            <a:r>
-              <a:rPr lang="en-US" b="1" dirty="0">
-                <a:solidFill>
-                  <a:schemeClr val="dk1"/>
-                </a:solidFill>
-              </a:rPr>
-              <a:t>react to all existing HTML events </a:t>
-            </a:r>
-            <a:r>
-              <a:rPr lang="en-US" dirty="0">
-                <a:solidFill>
-                  <a:schemeClr val="dk1"/>
-                </a:solidFill>
-              </a:rPr>
-              <a:t>in the page</a:t>
-            </a:r>
-          </a:p>
-          <a:p>
-            <a:pPr marL="285750" indent="-285750">
-              <a:lnSpc>
-                <a:spcPct val="150000"/>
-              </a:lnSpc>
-              <a:buFont typeface="Arial" pitchFamily="34" charset="0"/>
-              <a:buChar char="•"/>
-            </a:pPr>
-            <a:endParaRPr lang="en-US" altLang="ja-JP" dirty="0"/>
-          </a:p>
-        </p:txBody>
-      </p:sp>
+      </p:pic>
     </p:spTree>
-    <p:extLst>
-      <p:ext uri="{BB962C8B-B14F-4D97-AF65-F5344CB8AC3E}">
-        <p14:creationId xmlns:p14="http://schemas.microsoft.com/office/powerpoint/2010/main" xmlns="" val="3510732803"/>
-      </p:ext>
-    </p:extLst>
   </p:cSld>
   <p:clrMapOvr>
     <a:masterClrMapping/>
   </p:clrMapOvr>
-  <p:timing>
-    <p:tnLst>
-      <p:par>
-        <p:cTn id="1" dur="indefinite" restart="never" nodeType="tmRoot"/>
-      </p:par>
-    </p:tnLst>
-  </p:timing>
 </p:sld>
 </file>
 
@@ -6659,997 +10298,63 @@
       </p:grpSpPr>
       <p:sp>
         <p:nvSpPr>
-          <p:cNvPr id="4" name="Content Placeholder 13"/>
-          <p:cNvSpPr txBox="1">
-            <a:spLocks/>
-          </p:cNvSpPr>
-          <p:nvPr/>
-        </p:nvSpPr>
-        <p:spPr>
-          <a:xfrm>
-            <a:off x="260741" y="17230"/>
-            <a:ext cx="9791700" cy="630192"/>
-          </a:xfrm>
-          <a:prstGeom prst="rect">
-            <a:avLst/>
-          </a:prstGeom>
-        </p:spPr>
-        <p:txBody>
-          <a:bodyPr vert="horz" lIns="91440" tIns="45720" rIns="91440" bIns="45720" rtlCol="0">
-            <a:noAutofit/>
-          </a:bodyPr>
-          <a:lstStyle>
-            <a:lvl1pPr marL="0" indent="0" algn="ctr" defTabSz="914400" rtl="0" eaLnBrk="1" latinLnBrk="0" hangingPunct="1">
-              <a:lnSpc>
-                <a:spcPct val="90000"/>
-              </a:lnSpc>
-              <a:spcBef>
-                <a:spcPts val="1000"/>
-              </a:spcBef>
-              <a:buFont typeface="Arial" panose="020B0604020202020204" pitchFamily="34" charset="0"/>
-              <a:buNone/>
-              <a:defRPr kumimoji="1" sz="2400" kern="1200">
-                <a:solidFill>
-                  <a:schemeClr val="tx1"/>
-                </a:solidFill>
-                <a:latin typeface="+mn-lt"/>
-                <a:ea typeface="+mn-ea"/>
-                <a:cs typeface="+mn-cs"/>
-              </a:defRPr>
-            </a:lvl1pPr>
-            <a:lvl2pPr marL="457200" indent="0" algn="ctr" defTabSz="914400" rtl="0" eaLnBrk="1" latinLnBrk="0" hangingPunct="1">
-              <a:lnSpc>
-                <a:spcPct val="90000"/>
-              </a:lnSpc>
-              <a:spcBef>
-                <a:spcPts val="500"/>
-              </a:spcBef>
-              <a:buFont typeface="Arial" panose="020B0604020202020204" pitchFamily="34" charset="0"/>
-              <a:buNone/>
-              <a:defRPr kumimoji="1" sz="2000" kern="1200">
-                <a:solidFill>
-                  <a:schemeClr val="tx1"/>
-                </a:solidFill>
-                <a:latin typeface="+mn-lt"/>
-                <a:ea typeface="+mn-ea"/>
-                <a:cs typeface="+mn-cs"/>
-              </a:defRPr>
-            </a:lvl2pPr>
-            <a:lvl3pPr marL="914400" indent="0" algn="ctr" defTabSz="914400" rtl="0" eaLnBrk="1" latinLnBrk="0" hangingPunct="1">
-              <a:lnSpc>
-                <a:spcPct val="90000"/>
-              </a:lnSpc>
-              <a:spcBef>
-                <a:spcPts val="500"/>
-              </a:spcBef>
-              <a:buFont typeface="Arial" panose="020B0604020202020204" pitchFamily="34" charset="0"/>
-              <a:buNone/>
-              <a:defRPr kumimoji="1" sz="1800" kern="1200">
-                <a:solidFill>
-                  <a:schemeClr val="tx1"/>
-                </a:solidFill>
-                <a:latin typeface="+mn-lt"/>
-                <a:ea typeface="+mn-ea"/>
-                <a:cs typeface="+mn-cs"/>
-              </a:defRPr>
-            </a:lvl3pPr>
-            <a:lvl4pPr marL="1371600" indent="0" algn="ctr" defTabSz="914400" rtl="0" eaLnBrk="1" latinLnBrk="0" hangingPunct="1">
-              <a:lnSpc>
-                <a:spcPct val="90000"/>
-              </a:lnSpc>
-              <a:spcBef>
-                <a:spcPts val="500"/>
-              </a:spcBef>
-              <a:buFont typeface="Arial" panose="020B0604020202020204" pitchFamily="34" charset="0"/>
-              <a:buNone/>
-              <a:defRPr kumimoji="1" sz="1600" kern="1200">
-                <a:solidFill>
-                  <a:schemeClr val="tx1"/>
-                </a:solidFill>
-                <a:latin typeface="+mn-lt"/>
-                <a:ea typeface="+mn-ea"/>
-                <a:cs typeface="+mn-cs"/>
-              </a:defRPr>
-            </a:lvl4pPr>
-            <a:lvl5pPr marL="1828800" indent="0" algn="ctr" defTabSz="914400" rtl="0" eaLnBrk="1" latinLnBrk="0" hangingPunct="1">
-              <a:lnSpc>
-                <a:spcPct val="90000"/>
-              </a:lnSpc>
-              <a:spcBef>
-                <a:spcPts val="500"/>
-              </a:spcBef>
-              <a:buFont typeface="Arial" panose="020B0604020202020204" pitchFamily="34" charset="0"/>
-              <a:buNone/>
-              <a:defRPr kumimoji="1" sz="1600" kern="1200">
-                <a:solidFill>
-                  <a:schemeClr val="tx1"/>
-                </a:solidFill>
-                <a:latin typeface="+mn-lt"/>
-                <a:ea typeface="+mn-ea"/>
-                <a:cs typeface="+mn-cs"/>
-              </a:defRPr>
-            </a:lvl5pPr>
-            <a:lvl6pPr marL="2286000" indent="0" algn="ctr" defTabSz="914400" rtl="0" eaLnBrk="1" latinLnBrk="0" hangingPunct="1">
-              <a:lnSpc>
-                <a:spcPct val="90000"/>
-              </a:lnSpc>
-              <a:spcBef>
-                <a:spcPts val="500"/>
-              </a:spcBef>
-              <a:buFont typeface="Arial" panose="020B0604020202020204" pitchFamily="34" charset="0"/>
-              <a:buNone/>
-              <a:defRPr kumimoji="1" sz="1600" kern="1200">
-                <a:solidFill>
-                  <a:schemeClr val="tx1"/>
-                </a:solidFill>
-                <a:latin typeface="+mn-lt"/>
-                <a:ea typeface="+mn-ea"/>
-                <a:cs typeface="+mn-cs"/>
-              </a:defRPr>
-            </a:lvl6pPr>
-            <a:lvl7pPr marL="2743200" indent="0" algn="ctr" defTabSz="914400" rtl="0" eaLnBrk="1" latinLnBrk="0" hangingPunct="1">
-              <a:lnSpc>
-                <a:spcPct val="90000"/>
-              </a:lnSpc>
-              <a:spcBef>
-                <a:spcPts val="500"/>
-              </a:spcBef>
-              <a:buFont typeface="Arial" panose="020B0604020202020204" pitchFamily="34" charset="0"/>
-              <a:buNone/>
-              <a:defRPr kumimoji="1" sz="1600" kern="1200">
-                <a:solidFill>
-                  <a:schemeClr val="tx1"/>
-                </a:solidFill>
-                <a:latin typeface="+mn-lt"/>
-                <a:ea typeface="+mn-ea"/>
-                <a:cs typeface="+mn-cs"/>
-              </a:defRPr>
-            </a:lvl7pPr>
-            <a:lvl8pPr marL="3200400" indent="0" algn="ctr" defTabSz="914400" rtl="0" eaLnBrk="1" latinLnBrk="0" hangingPunct="1">
-              <a:lnSpc>
-                <a:spcPct val="90000"/>
-              </a:lnSpc>
-              <a:spcBef>
-                <a:spcPts val="500"/>
-              </a:spcBef>
-              <a:buFont typeface="Arial" panose="020B0604020202020204" pitchFamily="34" charset="0"/>
-              <a:buNone/>
-              <a:defRPr kumimoji="1" sz="1600" kern="1200">
-                <a:solidFill>
-                  <a:schemeClr val="tx1"/>
-                </a:solidFill>
-                <a:latin typeface="+mn-lt"/>
-                <a:ea typeface="+mn-ea"/>
-                <a:cs typeface="+mn-cs"/>
-              </a:defRPr>
-            </a:lvl8pPr>
-            <a:lvl9pPr marL="3657600" indent="0" algn="ctr" defTabSz="914400" rtl="0" eaLnBrk="1" latinLnBrk="0" hangingPunct="1">
-              <a:lnSpc>
-                <a:spcPct val="90000"/>
-              </a:lnSpc>
-              <a:spcBef>
-                <a:spcPts val="500"/>
-              </a:spcBef>
-              <a:buFont typeface="Arial" panose="020B0604020202020204" pitchFamily="34" charset="0"/>
-              <a:buNone/>
-              <a:defRPr kumimoji="1" sz="1600" kern="1200">
-                <a:solidFill>
-                  <a:schemeClr val="tx1"/>
-                </a:solidFill>
-                <a:latin typeface="+mn-lt"/>
-                <a:ea typeface="+mn-ea"/>
-                <a:cs typeface="+mn-cs"/>
-              </a:defRPr>
-            </a:lvl9pPr>
-          </a:lstStyle>
-          <a:p>
-            <a:pPr algn="l"/>
-            <a:r>
-              <a:rPr lang="en-US" sz="3600" b="1" dirty="0" smtClean="0">
-                <a:solidFill>
-                  <a:srgbClr val="0064B5"/>
-                </a:solidFill>
-              </a:rPr>
-              <a:t>DOM Methods</a:t>
-            </a:r>
-            <a:endParaRPr lang="en-US" sz="3600" b="1" dirty="0">
-              <a:solidFill>
-                <a:srgbClr val="0064B5"/>
-              </a:solidFill>
-            </a:endParaRPr>
-          </a:p>
-        </p:txBody>
-      </p:sp>
-      <p:sp>
-        <p:nvSpPr>
-          <p:cNvPr id="7" name="Rectangle 6"/>
-          <p:cNvSpPr/>
-          <p:nvPr/>
-        </p:nvSpPr>
-        <p:spPr>
-          <a:xfrm>
-            <a:off x="260741" y="647422"/>
-            <a:ext cx="9236941" cy="1338828"/>
-          </a:xfrm>
-          <a:prstGeom prst="rect">
-            <a:avLst/>
-          </a:prstGeom>
-        </p:spPr>
-        <p:txBody>
-          <a:bodyPr wrap="square">
-            <a:spAutoFit/>
-          </a:bodyPr>
-          <a:lstStyle/>
-          <a:p>
-            <a:pPr marL="457200" lvl="0" indent="-342900">
-              <a:lnSpc>
-                <a:spcPct val="150000"/>
-              </a:lnSpc>
-              <a:buClr>
-                <a:schemeClr val="dk1"/>
-              </a:buClr>
-              <a:buSzPts val="1800"/>
-              <a:buFont typeface="Arial" pitchFamily="34" charset="0"/>
-              <a:buChar char="•"/>
-            </a:pPr>
-            <a:r>
-              <a:rPr lang="en-US" dirty="0">
-                <a:solidFill>
-                  <a:schemeClr val="dk1"/>
-                </a:solidFill>
-              </a:rPr>
-              <a:t>HTML </a:t>
-            </a:r>
-            <a:r>
-              <a:rPr lang="en-US" b="1" dirty="0">
-                <a:solidFill>
-                  <a:schemeClr val="dk1"/>
-                </a:solidFill>
-              </a:rPr>
-              <a:t>DOM methods are actions </a:t>
-            </a:r>
-            <a:r>
-              <a:rPr lang="en-US" dirty="0">
-                <a:solidFill>
-                  <a:schemeClr val="dk1"/>
-                </a:solidFill>
-              </a:rPr>
-              <a:t>you can perform (on HTML Elements</a:t>
-            </a:r>
-            <a:r>
-              <a:rPr lang="en-US" dirty="0" smtClean="0">
-                <a:solidFill>
-                  <a:schemeClr val="dk1"/>
-                </a:solidFill>
-              </a:rPr>
-              <a:t>)</a:t>
-            </a:r>
-            <a:endParaRPr lang="en-US" dirty="0">
-              <a:solidFill>
-                <a:schemeClr val="dk1"/>
-              </a:solidFill>
-            </a:endParaRPr>
-          </a:p>
-          <a:p>
-            <a:pPr marL="457200" lvl="0" indent="-342900">
-              <a:lnSpc>
-                <a:spcPct val="150000"/>
-              </a:lnSpc>
-              <a:buClr>
-                <a:schemeClr val="dk1"/>
-              </a:buClr>
-              <a:buSzPts val="1800"/>
-              <a:buFont typeface="Arial" pitchFamily="34" charset="0"/>
-              <a:buChar char="•"/>
-            </a:pPr>
-            <a:r>
-              <a:rPr lang="en-US" dirty="0">
-                <a:solidFill>
-                  <a:schemeClr val="dk1"/>
-                </a:solidFill>
-              </a:rPr>
-              <a:t>HTML </a:t>
-            </a:r>
-            <a:r>
-              <a:rPr lang="en-US" b="1" dirty="0">
-                <a:solidFill>
-                  <a:schemeClr val="dk1"/>
-                </a:solidFill>
-              </a:rPr>
-              <a:t>DOM properties are values </a:t>
-            </a:r>
-            <a:r>
-              <a:rPr lang="en-US" dirty="0">
-                <a:solidFill>
-                  <a:schemeClr val="dk1"/>
-                </a:solidFill>
-              </a:rPr>
-              <a:t>(of HTML Elements) that you can set or </a:t>
-            </a:r>
-            <a:r>
-              <a:rPr lang="en-US" dirty="0" smtClean="0">
-                <a:solidFill>
-                  <a:schemeClr val="dk1"/>
-                </a:solidFill>
-              </a:rPr>
-              <a:t>change</a:t>
-            </a:r>
-            <a:endParaRPr lang="en-US" dirty="0">
-              <a:solidFill>
-                <a:schemeClr val="dk1"/>
-              </a:solidFill>
-            </a:endParaRPr>
-          </a:p>
-          <a:p>
-            <a:pPr marL="285750" indent="-285750">
-              <a:lnSpc>
-                <a:spcPct val="150000"/>
-              </a:lnSpc>
-              <a:buFont typeface="Arial" pitchFamily="34" charset="0"/>
-              <a:buChar char="•"/>
-            </a:pPr>
-            <a:endParaRPr lang="en-US" altLang="ja-JP" dirty="0"/>
-          </a:p>
-        </p:txBody>
-      </p:sp>
-      <p:sp>
-        <p:nvSpPr>
-          <p:cNvPr id="8" name="Rectangle 7"/>
-          <p:cNvSpPr/>
-          <p:nvPr/>
-        </p:nvSpPr>
-        <p:spPr>
-          <a:xfrm>
-            <a:off x="619542" y="1986250"/>
-            <a:ext cx="6861121" cy="2820881"/>
-          </a:xfrm>
-          <a:prstGeom prst="rect">
-            <a:avLst/>
-          </a:prstGeom>
-          <a:gradFill flip="none" rotWithShape="1">
-            <a:gsLst>
-              <a:gs pos="0">
-                <a:schemeClr val="bg2"/>
-              </a:gs>
-              <a:gs pos="50000">
-                <a:schemeClr val="accent3">
-                  <a:lumMod val="20000"/>
-                  <a:lumOff val="80000"/>
-                  <a:shade val="67500"/>
-                  <a:satMod val="115000"/>
-                </a:schemeClr>
-              </a:gs>
-              <a:gs pos="100000">
-                <a:schemeClr val="accent3">
-                  <a:lumMod val="20000"/>
-                  <a:lumOff val="80000"/>
-                  <a:shade val="100000"/>
-                  <a:satMod val="115000"/>
-                </a:schemeClr>
-              </a:gs>
-            </a:gsLst>
-            <a:lin ang="6600000" scaled="0"/>
-            <a:tileRect/>
-          </a:gradFill>
-          <a:ln>
-            <a:solidFill>
-              <a:schemeClr val="tx1">
-                <a:lumMod val="50000"/>
-                <a:lumOff val="50000"/>
-              </a:schemeClr>
-            </a:solidFill>
-          </a:ln>
-        </p:spPr>
-        <p:style>
-          <a:lnRef idx="2">
-            <a:schemeClr val="accent1">
-              <a:shade val="50000"/>
-            </a:schemeClr>
-          </a:lnRef>
-          <a:fillRef idx="1">
-            <a:schemeClr val="accent1"/>
-          </a:fillRef>
-          <a:effectRef idx="0">
-            <a:schemeClr val="accent1"/>
-          </a:effectRef>
-          <a:fontRef idx="minor">
-            <a:schemeClr val="lt1"/>
-          </a:fontRef>
-        </p:style>
-        <p:txBody>
-          <a:bodyPr rtlCol="0" anchor="ctr"/>
-          <a:lstStyle/>
-          <a:p>
-            <a:r>
-              <a:rPr lang="en-US" dirty="0">
-                <a:solidFill>
-                  <a:schemeClr val="tx1"/>
-                </a:solidFill>
-              </a:rPr>
-              <a:t>&lt;html&gt;</a:t>
-            </a:r>
-          </a:p>
-          <a:p>
-            <a:r>
-              <a:rPr lang="en-US" dirty="0">
-                <a:solidFill>
-                  <a:schemeClr val="tx1"/>
-                </a:solidFill>
-              </a:rPr>
-              <a:t>&lt;body</a:t>
-            </a:r>
-            <a:r>
-              <a:rPr lang="en-US" dirty="0" smtClean="0">
-                <a:solidFill>
-                  <a:schemeClr val="tx1"/>
-                </a:solidFill>
-              </a:rPr>
-              <a:t>&gt;</a:t>
-            </a:r>
-          </a:p>
-          <a:p>
-            <a:endParaRPr lang="en-US" dirty="0">
-              <a:solidFill>
-                <a:schemeClr val="tx1"/>
-              </a:solidFill>
-            </a:endParaRPr>
-          </a:p>
-          <a:p>
-            <a:r>
-              <a:rPr lang="en-US" dirty="0">
-                <a:solidFill>
-                  <a:schemeClr val="tx1"/>
-                </a:solidFill>
-              </a:rPr>
-              <a:t>&lt;p id="demo"&gt;&lt;/p</a:t>
-            </a:r>
-            <a:r>
-              <a:rPr lang="en-US" dirty="0" smtClean="0">
-                <a:solidFill>
-                  <a:schemeClr val="tx1"/>
-                </a:solidFill>
-              </a:rPr>
-              <a:t>&gt;</a:t>
-            </a:r>
-            <a:endParaRPr lang="en-US" dirty="0">
-              <a:solidFill>
-                <a:schemeClr val="tx1"/>
-              </a:solidFill>
-            </a:endParaRPr>
-          </a:p>
-          <a:p>
-            <a:r>
-              <a:rPr lang="en-US" dirty="0">
-                <a:solidFill>
-                  <a:schemeClr val="tx1"/>
-                </a:solidFill>
-              </a:rPr>
-              <a:t>&lt;script&gt;</a:t>
-            </a:r>
-          </a:p>
-          <a:p>
-            <a:r>
-              <a:rPr lang="en-US" dirty="0" err="1">
-                <a:solidFill>
-                  <a:schemeClr val="tx1"/>
-                </a:solidFill>
-              </a:rPr>
-              <a:t>document.</a:t>
-            </a:r>
-            <a:r>
-              <a:rPr lang="en-US" dirty="0" err="1">
-                <a:solidFill>
-                  <a:srgbClr val="FF0000"/>
-                </a:solidFill>
-              </a:rPr>
-              <a:t>getElementById</a:t>
-            </a:r>
-            <a:r>
-              <a:rPr lang="en-US" dirty="0">
-                <a:solidFill>
-                  <a:schemeClr val="tx1"/>
-                </a:solidFill>
-              </a:rPr>
-              <a:t>("demo").</a:t>
-            </a:r>
-            <a:r>
-              <a:rPr lang="en-US" dirty="0" err="1">
-                <a:solidFill>
-                  <a:srgbClr val="FFFF00"/>
-                </a:solidFill>
-              </a:rPr>
-              <a:t>innerHTML</a:t>
-            </a:r>
-            <a:r>
-              <a:rPr lang="en-US" dirty="0">
-                <a:solidFill>
-                  <a:schemeClr val="tx1"/>
-                </a:solidFill>
-              </a:rPr>
-              <a:t> = "Hello World!";</a:t>
-            </a:r>
-          </a:p>
-          <a:p>
-            <a:r>
-              <a:rPr lang="en-US" dirty="0">
-                <a:solidFill>
-                  <a:schemeClr val="tx1"/>
-                </a:solidFill>
-              </a:rPr>
-              <a:t>&lt;/script</a:t>
-            </a:r>
-            <a:r>
-              <a:rPr lang="en-US" dirty="0" smtClean="0">
-                <a:solidFill>
-                  <a:schemeClr val="tx1"/>
-                </a:solidFill>
-              </a:rPr>
-              <a:t>&gt;</a:t>
-            </a:r>
-          </a:p>
-          <a:p>
-            <a:endParaRPr lang="en-US" dirty="0">
-              <a:solidFill>
-                <a:schemeClr val="tx1"/>
-              </a:solidFill>
-            </a:endParaRPr>
-          </a:p>
-          <a:p>
-            <a:r>
-              <a:rPr lang="en-US" dirty="0">
-                <a:solidFill>
-                  <a:schemeClr val="tx1"/>
-                </a:solidFill>
-              </a:rPr>
-              <a:t>&lt;/body&gt;</a:t>
-            </a:r>
-          </a:p>
-          <a:p>
-            <a:r>
-              <a:rPr lang="en-US" dirty="0">
-                <a:solidFill>
-                  <a:schemeClr val="tx1"/>
-                </a:solidFill>
-              </a:rPr>
-              <a:t>&lt;/html&gt;</a:t>
-            </a:r>
-            <a:endParaRPr lang="en-US" dirty="0" smtClean="0">
-              <a:solidFill>
-                <a:schemeClr val="tx1"/>
-              </a:solidFill>
-            </a:endParaRPr>
-          </a:p>
-        </p:txBody>
-      </p:sp>
-      <p:cxnSp>
-        <p:nvCxnSpPr>
-          <p:cNvPr id="9" name="Straight Arrow Connector 8"/>
-          <p:cNvCxnSpPr/>
-          <p:nvPr/>
-        </p:nvCxnSpPr>
-        <p:spPr>
-          <a:xfrm>
-            <a:off x="1933303" y="3596640"/>
-            <a:ext cx="2743200" cy="1698171"/>
-          </a:xfrm>
-          <a:prstGeom prst="straightConnector1">
-            <a:avLst/>
-          </a:prstGeom>
-          <a:ln>
-            <a:tailEnd type="triangle"/>
-          </a:ln>
-        </p:spPr>
-        <p:style>
-          <a:lnRef idx="1">
-            <a:schemeClr val="accent1"/>
-          </a:lnRef>
-          <a:fillRef idx="0">
-            <a:schemeClr val="accent1"/>
-          </a:fillRef>
-          <a:effectRef idx="0">
-            <a:schemeClr val="accent1"/>
-          </a:effectRef>
-          <a:fontRef idx="minor">
-            <a:schemeClr val="tx1"/>
-          </a:fontRef>
-        </p:style>
-      </p:cxnSp>
-      <p:sp>
-        <p:nvSpPr>
-          <p:cNvPr id="10" name="Rectangle 9"/>
-          <p:cNvSpPr/>
-          <p:nvPr/>
-        </p:nvSpPr>
-        <p:spPr>
-          <a:xfrm>
-            <a:off x="3877725" y="5309789"/>
-            <a:ext cx="2002972" cy="646331"/>
-          </a:xfrm>
-          <a:prstGeom prst="rect">
-            <a:avLst/>
-          </a:prstGeom>
-        </p:spPr>
-        <p:txBody>
-          <a:bodyPr wrap="square">
-            <a:spAutoFit/>
-          </a:bodyPr>
-          <a:lstStyle/>
-          <a:p>
-            <a:r>
-              <a:rPr lang="en-US" altLang="en-US" dirty="0" err="1" smtClean="0">
-                <a:solidFill>
-                  <a:srgbClr val="DC143C"/>
-                </a:solidFill>
-              </a:rPr>
-              <a:t>getElementById</a:t>
-            </a:r>
-            <a:r>
-              <a:rPr lang="en-US" altLang="en-US" dirty="0" smtClean="0">
-                <a:solidFill>
-                  <a:srgbClr val="DC143C"/>
-                </a:solidFill>
-              </a:rPr>
-              <a:t> </a:t>
-            </a:r>
-            <a:r>
-              <a:rPr lang="en-IN" dirty="0"/>
-              <a:t>is a </a:t>
-            </a:r>
-            <a:r>
-              <a:rPr lang="en-IN" b="1" dirty="0"/>
-              <a:t>method</a:t>
-            </a:r>
-            <a:r>
-              <a:rPr lang="en-US" b="1" dirty="0" smtClean="0">
-                <a:solidFill>
-                  <a:schemeClr val="dk1"/>
-                </a:solidFill>
-              </a:rPr>
-              <a:t> </a:t>
-            </a:r>
-            <a:endParaRPr lang="en-IN" dirty="0"/>
-          </a:p>
-        </p:txBody>
-      </p:sp>
-      <p:sp>
-        <p:nvSpPr>
-          <p:cNvPr id="14" name="Rectangle 3"/>
-          <p:cNvSpPr>
-            <a:spLocks noChangeArrowheads="1"/>
-          </p:cNvSpPr>
-          <p:nvPr/>
-        </p:nvSpPr>
+          <p:cNvPr id="2" name="Title 1"/>
+          <p:cNvSpPr>
+            <a:spLocks noGrp="1"/>
+          </p:cNvSpPr>
+          <p:nvPr>
+            <p:ph type="title"/>
+          </p:nvPr>
+        </p:nvSpPr>
+        <p:spPr/>
+        <p:txBody>
+          <a:bodyPr/>
+          <a:lstStyle/>
+          <a:p>
+            <a:endParaRPr lang="en-US"/>
+          </a:p>
+        </p:txBody>
+      </p:sp>
+      <p:pic>
+        <p:nvPicPr>
+          <p:cNvPr id="3074" name="Picture 2"/>
+          <p:cNvPicPr>
+            <a:picLocks noGrp="1" noChangeAspect="1" noChangeArrowheads="1"/>
+          </p:cNvPicPr>
+          <p:nvPr>
+            <p:ph idx="1"/>
+          </p:nvPr>
+        </p:nvPicPr>
+        <p:blipFill>
+          <a:blip r:embed="rId2"/>
+          <a:srcRect/>
+          <a:stretch>
+            <a:fillRect/>
+          </a:stretch>
+        </p:blipFill>
         <p:spPr bwMode="auto">
           <a:xfrm>
-            <a:off x="0" y="97795"/>
-            <a:ext cx="263214" cy="261610"/>
+            <a:off x="404950" y="712583"/>
+            <a:ext cx="11787050" cy="5570651"/>
           </a:xfrm>
           <a:prstGeom prst="rect">
             <a:avLst/>
           </a:prstGeom>
           <a:noFill/>
-          <a:ln>
+          <a:ln w="9525">
             <a:noFill/>
+            <a:miter lim="800000"/>
+            <a:headEnd/>
+            <a:tailEnd/>
           </a:ln>
           <a:effectLst/>
-          <a:extLst>
-            <a:ext uri="{909E8E84-426E-40DD-AFC4-6F175D3DCCD1}">
-              <a14:hiddenFill xmlns:a14="http://schemas.microsoft.com/office/drawing/2010/main" xmlns="">
-                <a:solidFill>
-                  <a:schemeClr val="accent1"/>
-                </a:solidFill>
-              </a14:hiddenFill>
-            </a:ext>
-            <a:ext uri="{91240B29-F687-4F45-9708-019B960494DF}">
-              <a14:hiddenLine xmlns:a14="http://schemas.microsoft.com/office/drawing/2010/main" xmlns="" w="9525">
-                <a:solidFill>
-                  <a:schemeClr val="tx1"/>
-                </a:solidFill>
-                <a:miter lim="800000"/>
-                <a:headEnd/>
-                <a:tailEnd/>
-              </a14:hiddenLine>
-            </a:ext>
-            <a:ext uri="{AF507438-7753-43E0-B8FC-AC1667EBCBE1}">
-              <a14:hiddenEffects xmlns:a14="http://schemas.microsoft.com/office/drawing/2010/main" xmlns="">
-                <a:effectLst>
-                  <a:outerShdw dist="35921" dir="2700000" algn="ctr" rotWithShape="0">
-                    <a:schemeClr val="bg2"/>
-                  </a:outerShdw>
-                </a:effectLst>
-              </a14:hiddenEffects>
-            </a:ext>
-          </a:extLst>
         </p:spPr>
-        <p:txBody>
-          <a:bodyPr vert="horz" wrap="none" lIns="91440" tIns="45720" rIns="91440" bIns="45720" numCol="1" anchor="ctr" anchorCtr="0" compatLnSpc="1">
-            <a:prstTxWarp prst="textNoShape">
-              <a:avLst/>
-            </a:prstTxWarp>
-            <a:spAutoFit/>
-          </a:bodyPr>
-          <a:lstStyle>
-            <a:lvl1pPr eaLnBrk="0" fontAlgn="base" hangingPunct="0">
-              <a:spcBef>
-                <a:spcPct val="0"/>
-              </a:spcBef>
-              <a:spcAft>
-                <a:spcPct val="0"/>
-              </a:spcAft>
-              <a:defRPr>
-                <a:solidFill>
-                  <a:schemeClr val="tx1"/>
-                </a:solidFill>
-                <a:latin typeface="Arial" panose="020B0604020202020204" pitchFamily="34" charset="0"/>
-              </a:defRPr>
-            </a:lvl1pPr>
-            <a:lvl2pPr eaLnBrk="0" fontAlgn="base" hangingPunct="0">
-              <a:spcBef>
-                <a:spcPct val="0"/>
-              </a:spcBef>
-              <a:spcAft>
-                <a:spcPct val="0"/>
-              </a:spcAft>
-              <a:defRPr>
-                <a:solidFill>
-                  <a:schemeClr val="tx1"/>
-                </a:solidFill>
-                <a:latin typeface="Arial" panose="020B0604020202020204" pitchFamily="34" charset="0"/>
-              </a:defRPr>
-            </a:lvl2pPr>
-            <a:lvl3pPr eaLnBrk="0" fontAlgn="base" hangingPunct="0">
-              <a:spcBef>
-                <a:spcPct val="0"/>
-              </a:spcBef>
-              <a:spcAft>
-                <a:spcPct val="0"/>
-              </a:spcAft>
-              <a:defRPr>
-                <a:solidFill>
-                  <a:schemeClr val="tx1"/>
-                </a:solidFill>
-                <a:latin typeface="Arial" panose="020B0604020202020204" pitchFamily="34" charset="0"/>
-              </a:defRPr>
-            </a:lvl3pPr>
-            <a:lvl4pPr eaLnBrk="0" fontAlgn="base" hangingPunct="0">
-              <a:spcBef>
-                <a:spcPct val="0"/>
-              </a:spcBef>
-              <a:spcAft>
-                <a:spcPct val="0"/>
-              </a:spcAft>
-              <a:defRPr>
-                <a:solidFill>
-                  <a:schemeClr val="tx1"/>
-                </a:solidFill>
-                <a:latin typeface="Arial" panose="020B0604020202020204" pitchFamily="34" charset="0"/>
-              </a:defRPr>
-            </a:lvl4pPr>
-            <a:lvl5pPr eaLnBrk="0" fontAlgn="base" hangingPunct="0">
-              <a:spcBef>
-                <a:spcPct val="0"/>
-              </a:spcBef>
-              <a:spcAft>
-                <a:spcPct val="0"/>
-              </a:spcAft>
-              <a:defRPr>
-                <a:solidFill>
-                  <a:schemeClr val="tx1"/>
-                </a:solidFill>
-                <a:latin typeface="Arial" panose="020B0604020202020204" pitchFamily="34" charset="0"/>
-              </a:defRPr>
-            </a:lvl5pPr>
-            <a:lvl6pPr eaLnBrk="0" fontAlgn="base" hangingPunct="0">
-              <a:spcBef>
-                <a:spcPct val="0"/>
-              </a:spcBef>
-              <a:spcAft>
-                <a:spcPct val="0"/>
-              </a:spcAft>
-              <a:defRPr>
-                <a:solidFill>
-                  <a:schemeClr val="tx1"/>
-                </a:solidFill>
-                <a:latin typeface="Arial" panose="020B0604020202020204" pitchFamily="34" charset="0"/>
-              </a:defRPr>
-            </a:lvl6pPr>
-            <a:lvl7pPr eaLnBrk="0" fontAlgn="base" hangingPunct="0">
-              <a:spcBef>
-                <a:spcPct val="0"/>
-              </a:spcBef>
-              <a:spcAft>
-                <a:spcPct val="0"/>
-              </a:spcAft>
-              <a:defRPr>
-                <a:solidFill>
-                  <a:schemeClr val="tx1"/>
-                </a:solidFill>
-                <a:latin typeface="Arial" panose="020B0604020202020204" pitchFamily="34" charset="0"/>
-              </a:defRPr>
-            </a:lvl7pPr>
-            <a:lvl8pPr eaLnBrk="0" fontAlgn="base" hangingPunct="0">
-              <a:spcBef>
-                <a:spcPct val="0"/>
-              </a:spcBef>
-              <a:spcAft>
-                <a:spcPct val="0"/>
-              </a:spcAft>
-              <a:defRPr>
-                <a:solidFill>
-                  <a:schemeClr val="tx1"/>
-                </a:solidFill>
-                <a:latin typeface="Arial" panose="020B0604020202020204" pitchFamily="34" charset="0"/>
-              </a:defRPr>
-            </a:lvl8pPr>
-            <a:lvl9pPr eaLnBrk="0" fontAlgn="base" hangingPunct="0">
-              <a:spcBef>
-                <a:spcPct val="0"/>
-              </a:spcBef>
-              <a:spcAft>
-                <a:spcPct val="0"/>
-              </a:spcAft>
-              <a:defRPr>
-                <a:solidFill>
-                  <a:schemeClr val="tx1"/>
-                </a:solidFill>
-                <a:latin typeface="Arial" panose="020B0604020202020204" pitchFamily="34" charset="0"/>
-              </a:defRPr>
-            </a:lvl9pPr>
-          </a:lstStyle>
-          <a:p>
-            <a:pPr marL="0" marR="0" lvl="0" indent="0" algn="l" defTabSz="914400" rtl="0" eaLnBrk="0" fontAlgn="base" latinLnBrk="0" hangingPunct="0">
-              <a:lnSpc>
-                <a:spcPct val="100000"/>
-              </a:lnSpc>
-              <a:spcBef>
-                <a:spcPct val="0"/>
-              </a:spcBef>
-              <a:spcAft>
-                <a:spcPct val="0"/>
-              </a:spcAft>
-              <a:buClrTx/>
-              <a:buSzTx/>
-              <a:buFontTx/>
-              <a:buNone/>
-              <a:tabLst/>
-            </a:pPr>
-            <a:r>
-              <a:rPr kumimoji="0" lang="en-US" altLang="en-US" sz="1100" b="0" i="0" u="none" strike="noStrike" cap="none" normalizeH="0" baseline="0" dirty="0" smtClean="0">
-                <a:ln>
-                  <a:noFill/>
-                </a:ln>
-                <a:solidFill>
-                  <a:srgbClr val="000000"/>
-                </a:solidFill>
-                <a:effectLst/>
-                <a:latin typeface="Verdana" panose="020B0604030504040204" pitchFamily="34" charset="0"/>
-              </a:rPr>
-              <a:t> </a:t>
-            </a:r>
-            <a:r>
-              <a:rPr kumimoji="0" lang="en-US" altLang="en-US" sz="800" b="0" i="0" u="none" strike="noStrike" cap="none" normalizeH="0" baseline="0" dirty="0" smtClean="0">
-                <a:ln>
-                  <a:noFill/>
-                </a:ln>
-                <a:solidFill>
-                  <a:schemeClr val="tx1"/>
-                </a:solidFill>
-                <a:effectLst/>
-              </a:rPr>
-              <a:t> </a:t>
-            </a:r>
-            <a:endParaRPr kumimoji="0" lang="en-US" altLang="en-US" sz="1800" b="0" i="0" u="none" strike="noStrike" cap="none" normalizeH="0" baseline="0" dirty="0" smtClean="0">
-              <a:ln>
-                <a:noFill/>
-              </a:ln>
-              <a:solidFill>
-                <a:schemeClr val="tx1"/>
-              </a:solidFill>
-              <a:effectLst/>
-              <a:latin typeface="Arial" panose="020B0604020202020204" pitchFamily="34" charset="0"/>
-            </a:endParaRPr>
-          </a:p>
-        </p:txBody>
-      </p:sp>
-      <p:cxnSp>
-        <p:nvCxnSpPr>
-          <p:cNvPr id="27" name="Elbow Connector 26"/>
-          <p:cNvCxnSpPr/>
-          <p:nvPr/>
-        </p:nvCxnSpPr>
-        <p:spPr>
-          <a:xfrm flipV="1">
-            <a:off x="4772297" y="2534194"/>
-            <a:ext cx="3953692" cy="862496"/>
-          </a:xfrm>
-          <a:prstGeom prst="bentConnector3">
-            <a:avLst>
-              <a:gd name="adj1" fmla="val -220"/>
-            </a:avLst>
-          </a:prstGeom>
-          <a:ln>
-            <a:headEnd type="triangle"/>
-            <a:tailEnd type="triangle"/>
-          </a:ln>
-        </p:spPr>
-        <p:style>
-          <a:lnRef idx="1">
-            <a:schemeClr val="accent1"/>
-          </a:lnRef>
-          <a:fillRef idx="0">
-            <a:schemeClr val="accent1"/>
-          </a:fillRef>
-          <a:effectRef idx="0">
-            <a:schemeClr val="accent1"/>
-          </a:effectRef>
-          <a:fontRef idx="minor">
-            <a:schemeClr val="tx1"/>
-          </a:fontRef>
-        </p:style>
-      </p:cxnSp>
-      <p:sp>
-        <p:nvSpPr>
-          <p:cNvPr id="31" name="Rectangle 4"/>
-          <p:cNvSpPr>
-            <a:spLocks noChangeArrowheads="1"/>
-          </p:cNvSpPr>
-          <p:nvPr/>
-        </p:nvSpPr>
-        <p:spPr bwMode="auto">
-          <a:xfrm>
-            <a:off x="8804367" y="2156892"/>
-            <a:ext cx="1907176" cy="646331"/>
-          </a:xfrm>
-          <a:prstGeom prst="rect">
-            <a:avLst/>
-          </a:prstGeom>
-        </p:spPr>
-        <p:txBody>
-          <a:bodyPr wrap="square">
-            <a:spAutoFit/>
-          </a:bodyPr>
-          <a:lstStyle/>
-          <a:p>
-            <a:r>
-              <a:rPr lang="en-US" altLang="en-US" dirty="0" err="1">
-                <a:solidFill>
-                  <a:srgbClr val="DC143C"/>
-                </a:solidFill>
-              </a:rPr>
-              <a:t>innerHTML</a:t>
-            </a:r>
-            <a:r>
-              <a:rPr lang="en-US" altLang="en-US" dirty="0">
-                <a:solidFill>
-                  <a:srgbClr val="DC143C"/>
-                </a:solidFill>
-              </a:rPr>
-              <a:t> </a:t>
-            </a:r>
-            <a:r>
-              <a:rPr lang="en-US" altLang="en-US" dirty="0"/>
-              <a:t>is a property </a:t>
-            </a:r>
-          </a:p>
-        </p:txBody>
-      </p:sp>
+      </p:pic>
     </p:spTree>
-    <p:extLst>
-      <p:ext uri="{BB962C8B-B14F-4D97-AF65-F5344CB8AC3E}">
-        <p14:creationId xmlns:p14="http://schemas.microsoft.com/office/powerpoint/2010/main" xmlns="" val="3754129480"/>
-      </p:ext>
-    </p:extLst>
   </p:cSld>
   <p:clrMapOvr>
     <a:masterClrMapping/>
   </p:clrMapOvr>
-  <p:timing>
-    <p:tnLst>
-      <p:par>
-        <p:cTn id="1" dur="indefinite" restart="never" nodeType="tmRoot"/>
-      </p:par>
-    </p:tnLst>
-  </p:timing>
 </p:sld>
 </file>
 

--- a/2022/June_Batch/5Javascript/others/new-version/4javascript - DOM.pptx
+++ b/2022/June_Batch/5Javascript/others/new-version/4javascript - DOM.pptx
@@ -47,13 +47,14 @@
     <p:sldId id="411" r:id="rId41"/>
     <p:sldId id="412" r:id="rId42"/>
     <p:sldId id="413" r:id="rId43"/>
-    <p:sldId id="421" r:id="rId44"/>
-    <p:sldId id="422" r:id="rId45"/>
-    <p:sldId id="423" r:id="rId46"/>
-    <p:sldId id="399" r:id="rId47"/>
-    <p:sldId id="392" r:id="rId48"/>
-    <p:sldId id="393" r:id="rId49"/>
-    <p:sldId id="424" r:id="rId50"/>
+    <p:sldId id="425" r:id="rId44"/>
+    <p:sldId id="421" r:id="rId45"/>
+    <p:sldId id="422" r:id="rId46"/>
+    <p:sldId id="423" r:id="rId47"/>
+    <p:sldId id="399" r:id="rId48"/>
+    <p:sldId id="392" r:id="rId49"/>
+    <p:sldId id="393" r:id="rId50"/>
+    <p:sldId id="424" r:id="rId51"/>
   </p:sldIdLst>
   <p:sldSz cx="12192000" cy="6858000"/>
   <p:notesSz cx="6858000" cy="9144000"/>
@@ -154,7 +155,7 @@
   </p:defaultTextStyle>
   <p:extLst>
     <p:ext uri="{EFAFB233-063F-42B5-8137-9DF3F51BA10A}">
-      <p15:sldGuideLst xmlns="" xmlns:p15="http://schemas.microsoft.com/office/powerpoint/2012/main">
+      <p15:sldGuideLst xmlns:p15="http://schemas.microsoft.com/office/powerpoint/2012/main" xmlns="">
         <p15:guide id="1" orient="horz" pos="2160">
           <p15:clr>
             <a:srgbClr val="A4A3A4"/>
@@ -303,7 +304,7 @@
             <a:fld id="{7FCC5AE5-E495-4913-B643-A95A6AFABB00}" type="datetimeFigureOut">
               <a:rPr kumimoji="1" lang="ja-JP" altLang="en-US" smtClean="0"/>
               <a:pPr/>
-              <a:t>2022/7/29</a:t>
+              <a:t>2022/7/30</a:t>
             </a:fld>
             <a:endParaRPr kumimoji="1" lang="ja-JP" altLang="en-US"/>
           </a:p>
@@ -355,7 +356,7 @@
     </p:spTree>
     <p:extLst>
       <p:ext uri="{BB962C8B-B14F-4D97-AF65-F5344CB8AC3E}">
-        <p14:creationId xmlns="" xmlns:p14="http://schemas.microsoft.com/office/powerpoint/2010/main" val="3096064434"/>
+        <p14:creationId xmlns:p14="http://schemas.microsoft.com/office/powerpoint/2010/main" xmlns="" val="3096064434"/>
       </p:ext>
     </p:extLst>
   </p:cSld>
@@ -475,7 +476,7 @@
             <a:fld id="{7FCC5AE5-E495-4913-B643-A95A6AFABB00}" type="datetimeFigureOut">
               <a:rPr kumimoji="1" lang="ja-JP" altLang="en-US" smtClean="0"/>
               <a:pPr/>
-              <a:t>2022/7/29</a:t>
+              <a:t>2022/7/30</a:t>
             </a:fld>
             <a:endParaRPr kumimoji="1" lang="ja-JP" altLang="en-US"/>
           </a:p>
@@ -527,7 +528,7 @@
     </p:spTree>
     <p:extLst>
       <p:ext uri="{BB962C8B-B14F-4D97-AF65-F5344CB8AC3E}">
-        <p14:creationId xmlns="" xmlns:p14="http://schemas.microsoft.com/office/powerpoint/2010/main" val="71407721"/>
+        <p14:creationId xmlns:p14="http://schemas.microsoft.com/office/powerpoint/2010/main" xmlns="" val="71407721"/>
       </p:ext>
     </p:extLst>
   </p:cSld>
@@ -657,7 +658,7 @@
             <a:fld id="{7FCC5AE5-E495-4913-B643-A95A6AFABB00}" type="datetimeFigureOut">
               <a:rPr kumimoji="1" lang="ja-JP" altLang="en-US" smtClean="0"/>
               <a:pPr/>
-              <a:t>2022/7/29</a:t>
+              <a:t>2022/7/30</a:t>
             </a:fld>
             <a:endParaRPr kumimoji="1" lang="ja-JP" altLang="en-US"/>
           </a:p>
@@ -709,7 +710,7 @@
     </p:spTree>
     <p:extLst>
       <p:ext uri="{BB962C8B-B14F-4D97-AF65-F5344CB8AC3E}">
-        <p14:creationId xmlns="" xmlns:p14="http://schemas.microsoft.com/office/powerpoint/2010/main" val="3852493858"/>
+        <p14:creationId xmlns:p14="http://schemas.microsoft.com/office/powerpoint/2010/main" xmlns="" val="3852493858"/>
       </p:ext>
     </p:extLst>
   </p:cSld>
@@ -829,7 +830,7 @@
             <a:fld id="{7FCC5AE5-E495-4913-B643-A95A6AFABB00}" type="datetimeFigureOut">
               <a:rPr kumimoji="1" lang="ja-JP" altLang="en-US" smtClean="0"/>
               <a:pPr/>
-              <a:t>2022/7/29</a:t>
+              <a:t>2022/7/30</a:t>
             </a:fld>
             <a:endParaRPr kumimoji="1" lang="ja-JP" altLang="en-US"/>
           </a:p>
@@ -881,7 +882,7 @@
     </p:spTree>
     <p:extLst>
       <p:ext uri="{BB962C8B-B14F-4D97-AF65-F5344CB8AC3E}">
-        <p14:creationId xmlns="" xmlns:p14="http://schemas.microsoft.com/office/powerpoint/2010/main" val="282795843"/>
+        <p14:creationId xmlns:p14="http://schemas.microsoft.com/office/powerpoint/2010/main" xmlns="" val="282795843"/>
       </p:ext>
     </p:extLst>
   </p:cSld>
@@ -1077,7 +1078,7 @@
             <a:fld id="{7FCC5AE5-E495-4913-B643-A95A6AFABB00}" type="datetimeFigureOut">
               <a:rPr kumimoji="1" lang="ja-JP" altLang="en-US" smtClean="0"/>
               <a:pPr/>
-              <a:t>2022/7/29</a:t>
+              <a:t>2022/7/30</a:t>
             </a:fld>
             <a:endParaRPr kumimoji="1" lang="ja-JP" altLang="en-US"/>
           </a:p>
@@ -1129,7 +1130,7 @@
     </p:spTree>
     <p:extLst>
       <p:ext uri="{BB962C8B-B14F-4D97-AF65-F5344CB8AC3E}">
-        <p14:creationId xmlns="" xmlns:p14="http://schemas.microsoft.com/office/powerpoint/2010/main" val="1315004973"/>
+        <p14:creationId xmlns:p14="http://schemas.microsoft.com/office/powerpoint/2010/main" xmlns="" val="1315004973"/>
       </p:ext>
     </p:extLst>
   </p:cSld>
@@ -1311,7 +1312,7 @@
             <a:fld id="{7FCC5AE5-E495-4913-B643-A95A6AFABB00}" type="datetimeFigureOut">
               <a:rPr kumimoji="1" lang="ja-JP" altLang="en-US" smtClean="0"/>
               <a:pPr/>
-              <a:t>2022/7/29</a:t>
+              <a:t>2022/7/30</a:t>
             </a:fld>
             <a:endParaRPr kumimoji="1" lang="ja-JP" altLang="en-US"/>
           </a:p>
@@ -1363,7 +1364,7 @@
     </p:spTree>
     <p:extLst>
       <p:ext uri="{BB962C8B-B14F-4D97-AF65-F5344CB8AC3E}">
-        <p14:creationId xmlns="" xmlns:p14="http://schemas.microsoft.com/office/powerpoint/2010/main" val="3048296005"/>
+        <p14:creationId xmlns:p14="http://schemas.microsoft.com/office/powerpoint/2010/main" xmlns="" val="3048296005"/>
       </p:ext>
     </p:extLst>
   </p:cSld>
@@ -1680,7 +1681,7 @@
             <a:fld id="{7FCC5AE5-E495-4913-B643-A95A6AFABB00}" type="datetimeFigureOut">
               <a:rPr kumimoji="1" lang="ja-JP" altLang="en-US" smtClean="0"/>
               <a:pPr/>
-              <a:t>2022/7/29</a:t>
+              <a:t>2022/7/30</a:t>
             </a:fld>
             <a:endParaRPr kumimoji="1" lang="ja-JP" altLang="en-US"/>
           </a:p>
@@ -1732,7 +1733,7 @@
     </p:spTree>
     <p:extLst>
       <p:ext uri="{BB962C8B-B14F-4D97-AF65-F5344CB8AC3E}">
-        <p14:creationId xmlns="" xmlns:p14="http://schemas.microsoft.com/office/powerpoint/2010/main" val="890299385"/>
+        <p14:creationId xmlns:p14="http://schemas.microsoft.com/office/powerpoint/2010/main" xmlns="" val="890299385"/>
       </p:ext>
     </p:extLst>
   </p:cSld>
@@ -1800,7 +1801,7 @@
             <a:fld id="{7FCC5AE5-E495-4913-B643-A95A6AFABB00}" type="datetimeFigureOut">
               <a:rPr kumimoji="1" lang="ja-JP" altLang="en-US" smtClean="0"/>
               <a:pPr/>
-              <a:t>2022/7/29</a:t>
+              <a:t>2022/7/30</a:t>
             </a:fld>
             <a:endParaRPr kumimoji="1" lang="ja-JP" altLang="en-US"/>
           </a:p>
@@ -1852,7 +1853,7 @@
     </p:spTree>
     <p:extLst>
       <p:ext uri="{BB962C8B-B14F-4D97-AF65-F5344CB8AC3E}">
-        <p14:creationId xmlns="" xmlns:p14="http://schemas.microsoft.com/office/powerpoint/2010/main" val="2049573599"/>
+        <p14:creationId xmlns:p14="http://schemas.microsoft.com/office/powerpoint/2010/main" xmlns="" val="2049573599"/>
       </p:ext>
     </p:extLst>
   </p:cSld>
@@ -1897,7 +1898,7 @@
             <a:fld id="{7FCC5AE5-E495-4913-B643-A95A6AFABB00}" type="datetimeFigureOut">
               <a:rPr kumimoji="1" lang="ja-JP" altLang="en-US" smtClean="0"/>
               <a:pPr/>
-              <a:t>2022/7/29</a:t>
+              <a:t>2022/7/30</a:t>
             </a:fld>
             <a:endParaRPr kumimoji="1" lang="ja-JP" altLang="en-US"/>
           </a:p>
@@ -1949,7 +1950,7 @@
     </p:spTree>
     <p:extLst>
       <p:ext uri="{BB962C8B-B14F-4D97-AF65-F5344CB8AC3E}">
-        <p14:creationId xmlns="" xmlns:p14="http://schemas.microsoft.com/office/powerpoint/2010/main" val="1896888541"/>
+        <p14:creationId xmlns:p14="http://schemas.microsoft.com/office/powerpoint/2010/main" xmlns="" val="1896888541"/>
       </p:ext>
     </p:extLst>
   </p:cSld>
@@ -2176,7 +2177,7 @@
             <a:fld id="{7FCC5AE5-E495-4913-B643-A95A6AFABB00}" type="datetimeFigureOut">
               <a:rPr kumimoji="1" lang="ja-JP" altLang="en-US" smtClean="0"/>
               <a:pPr/>
-              <a:t>2022/7/29</a:t>
+              <a:t>2022/7/30</a:t>
             </a:fld>
             <a:endParaRPr kumimoji="1" lang="ja-JP" altLang="en-US"/>
           </a:p>
@@ -2228,7 +2229,7 @@
     </p:spTree>
     <p:extLst>
       <p:ext uri="{BB962C8B-B14F-4D97-AF65-F5344CB8AC3E}">
-        <p14:creationId xmlns="" xmlns:p14="http://schemas.microsoft.com/office/powerpoint/2010/main" val="1581260034"/>
+        <p14:creationId xmlns:p14="http://schemas.microsoft.com/office/powerpoint/2010/main" xmlns="" val="1581260034"/>
       </p:ext>
     </p:extLst>
   </p:cSld>
@@ -2435,7 +2436,7 @@
             <a:fld id="{7FCC5AE5-E495-4913-B643-A95A6AFABB00}" type="datetimeFigureOut">
               <a:rPr kumimoji="1" lang="ja-JP" altLang="en-US" smtClean="0"/>
               <a:pPr/>
-              <a:t>2022/7/29</a:t>
+              <a:t>2022/7/30</a:t>
             </a:fld>
             <a:endParaRPr kumimoji="1" lang="ja-JP" altLang="en-US"/>
           </a:p>
@@ -2487,7 +2488,7 @@
     </p:spTree>
     <p:extLst>
       <p:ext uri="{BB962C8B-B14F-4D97-AF65-F5344CB8AC3E}">
-        <p14:creationId xmlns="" xmlns:p14="http://schemas.microsoft.com/office/powerpoint/2010/main" val="2397771766"/>
+        <p14:creationId xmlns:p14="http://schemas.microsoft.com/office/powerpoint/2010/main" xmlns="" val="2397771766"/>
       </p:ext>
     </p:extLst>
   </p:cSld>
@@ -2650,7 +2651,7 @@
             <a:fld id="{7FCC5AE5-E495-4913-B643-A95A6AFABB00}" type="datetimeFigureOut">
               <a:rPr kumimoji="1" lang="ja-JP" altLang="en-US" smtClean="0"/>
               <a:pPr/>
-              <a:t>2022/7/29</a:t>
+              <a:t>2022/7/30</a:t>
             </a:fld>
             <a:endParaRPr kumimoji="1" lang="ja-JP" altLang="en-US"/>
           </a:p>
@@ -2740,7 +2741,7 @@
           <p:cNvPr id="7" name="TextBox 6">
             <a:extLst>
               <a:ext uri="{FF2B5EF4-FFF2-40B4-BE49-F238E27FC236}">
-                <a16:creationId xmlns="" xmlns:a16="http://schemas.microsoft.com/office/drawing/2014/main" id="{847969B0-9AAB-4EBF-AF99-17A470D83F03}"/>
+                <a16:creationId xmlns:a16="http://schemas.microsoft.com/office/drawing/2014/main" xmlns="" id="{847969B0-9AAB-4EBF-AF99-17A470D83F03}"/>
               </a:ext>
             </a:extLst>
           </p:cNvPr>
@@ -2787,7 +2788,7 @@
     </p:spTree>
     <p:extLst>
       <p:ext uri="{BB962C8B-B14F-4D97-AF65-F5344CB8AC3E}">
-        <p14:creationId xmlns="" xmlns:p14="http://schemas.microsoft.com/office/powerpoint/2010/main" val="492407304"/>
+        <p14:creationId xmlns:p14="http://schemas.microsoft.com/office/powerpoint/2010/main" xmlns="" val="492407304"/>
       </p:ext>
     </p:extLst>
   </p:cSld>
@@ -3195,7 +3196,7 @@
     </p:spTree>
     <p:extLst>
       <p:ext uri="{BB962C8B-B14F-4D97-AF65-F5344CB8AC3E}">
-        <p14:creationId xmlns="" xmlns:p14="http://schemas.microsoft.com/office/powerpoint/2010/main" val="4062787881"/>
+        <p14:creationId xmlns:p14="http://schemas.microsoft.com/office/powerpoint/2010/main" xmlns="" val="4062787881"/>
       </p:ext>
     </p:extLst>
   </p:cSld>
@@ -3946,7 +3947,7 @@
     </p:spTree>
     <p:extLst>
       <p:ext uri="{BB962C8B-B14F-4D97-AF65-F5344CB8AC3E}">
-        <p14:creationId xmlns:p14="http://schemas.microsoft.com/office/powerpoint/2010/main" xmlns="" val="3510732803"/>
+        <p14:creationId xmlns="" xmlns:p14="http://schemas.microsoft.com/office/powerpoint/2010/main" val="3510732803"/>
       </p:ext>
     </p:extLst>
   </p:cSld>
@@ -4657,14 +4658,14 @@
           <a:effectLst/>
           <a:extLst>
             <a:ext uri="{909E8E84-426E-40DD-AFC4-6F175D3DCCD1}">
-              <a14:hiddenFill xmlns:a14="http://schemas.microsoft.com/office/drawing/2010/main" xmlns="">
+              <a14:hiddenFill xmlns="" xmlns:a14="http://schemas.microsoft.com/office/drawing/2010/main">
                 <a:solidFill>
                   <a:schemeClr val="accent1"/>
                 </a:solidFill>
               </a14:hiddenFill>
             </a:ext>
             <a:ext uri="{91240B29-F687-4F45-9708-019B960494DF}">
-              <a14:hiddenLine xmlns:a14="http://schemas.microsoft.com/office/drawing/2010/main" xmlns="" w="9525">
+              <a14:hiddenLine xmlns="" xmlns:a14="http://schemas.microsoft.com/office/drawing/2010/main" w="9525">
                 <a:solidFill>
                   <a:schemeClr val="tx1"/>
                 </a:solidFill>
@@ -4674,7 +4675,7 @@
               </a14:hiddenLine>
             </a:ext>
             <a:ext uri="{AF507438-7753-43E0-B8FC-AC1667EBCBE1}">
-              <a14:hiddenEffects xmlns:a14="http://schemas.microsoft.com/office/drawing/2010/main" xmlns="">
+              <a14:hiddenEffects xmlns="" xmlns:a14="http://schemas.microsoft.com/office/drawing/2010/main">
                 <a:effectLst>
                   <a:outerShdw dist="35921" dir="2700000" algn="ctr" rotWithShape="0">
                     <a:schemeClr val="bg2"/>
@@ -4959,7 +4960,7 @@
     </p:spTree>
     <p:extLst>
       <p:ext uri="{BB962C8B-B14F-4D97-AF65-F5344CB8AC3E}">
-        <p14:creationId xmlns:p14="http://schemas.microsoft.com/office/powerpoint/2010/main" xmlns="" val="3754129480"/>
+        <p14:creationId xmlns="" xmlns:p14="http://schemas.microsoft.com/office/powerpoint/2010/main" val="3754129480"/>
       </p:ext>
     </p:extLst>
   </p:cSld>
@@ -6104,14 +6105,14 @@
           <a:effectLst/>
           <a:extLst>
             <a:ext uri="{909E8E84-426E-40DD-AFC4-6F175D3DCCD1}">
-              <a14:hiddenFill xmlns="" xmlns:a14="http://schemas.microsoft.com/office/drawing/2010/main">
+              <a14:hiddenFill xmlns:a14="http://schemas.microsoft.com/office/drawing/2010/main" xmlns="">
                 <a:solidFill>
                   <a:schemeClr val="accent1"/>
                 </a:solidFill>
               </a14:hiddenFill>
             </a:ext>
             <a:ext uri="{91240B29-F687-4F45-9708-019B960494DF}">
-              <a14:hiddenLine xmlns="" xmlns:a14="http://schemas.microsoft.com/office/drawing/2010/main" w="9525">
+              <a14:hiddenLine xmlns:a14="http://schemas.microsoft.com/office/drawing/2010/main" xmlns="" w="9525">
                 <a:solidFill>
                   <a:schemeClr val="tx1"/>
                 </a:solidFill>
@@ -6121,7 +6122,7 @@
               </a14:hiddenLine>
             </a:ext>
             <a:ext uri="{AF507438-7753-43E0-B8FC-AC1667EBCBE1}">
-              <a14:hiddenEffects xmlns="" xmlns:a14="http://schemas.microsoft.com/office/drawing/2010/main">
+              <a14:hiddenEffects xmlns:a14="http://schemas.microsoft.com/office/drawing/2010/main" xmlns="">
                 <a:effectLst>
                   <a:outerShdw dist="35921" dir="2700000" algn="ctr" rotWithShape="0">
                     <a:schemeClr val="bg2"/>
@@ -7080,7 +7081,7 @@
     </p:spTree>
     <p:extLst>
       <p:ext uri="{BB962C8B-B14F-4D97-AF65-F5344CB8AC3E}">
-        <p14:creationId xmlns="" xmlns:p14="http://schemas.microsoft.com/office/powerpoint/2010/main" val="155887943"/>
+        <p14:creationId xmlns:p14="http://schemas.microsoft.com/office/powerpoint/2010/main" xmlns="" val="155887943"/>
       </p:ext>
     </p:extLst>
   </p:cSld>
@@ -9010,6 +9011,97 @@
           <a:lstStyle/>
           <a:p>
             <a:r>
+              <a:rPr lang="en-US" dirty="0" smtClean="0"/>
+              <a:t>DOM Modal - </a:t>
+            </a:r>
+            <a:r>
+              <a:rPr lang="en-US" dirty="0" err="1" smtClean="0"/>
+              <a:t>showModal</a:t>
+            </a:r>
+            <a:r>
+              <a:rPr lang="en-US" dirty="0" smtClean="0"/>
+              <a:t>()</a:t>
+            </a:r>
+            <a:endParaRPr lang="en-US" dirty="0"/>
+          </a:p>
+        </p:txBody>
+      </p:sp>
+      <p:pic>
+        <p:nvPicPr>
+          <p:cNvPr id="1026" name="Picture 2"/>
+          <p:cNvPicPr>
+            <a:picLocks noGrp="1" noChangeAspect="1" noChangeArrowheads="1"/>
+          </p:cNvPicPr>
+          <p:nvPr>
+            <p:ph idx="1"/>
+          </p:nvPr>
+        </p:nvPicPr>
+        <p:blipFill>
+          <a:blip r:embed="rId2"/>
+          <a:srcRect/>
+          <a:stretch>
+            <a:fillRect/>
+          </a:stretch>
+        </p:blipFill>
+        <p:spPr bwMode="auto">
+          <a:xfrm>
+            <a:off x="901337" y="1567542"/>
+            <a:ext cx="10672354" cy="4807131"/>
+          </a:xfrm>
+          <a:prstGeom prst="rect">
+            <a:avLst/>
+          </a:prstGeom>
+          <a:noFill/>
+          <a:ln w="9525">
+            <a:noFill/>
+            <a:miter lim="800000"/>
+            <a:headEnd/>
+            <a:tailEnd/>
+          </a:ln>
+          <a:effectLst/>
+        </p:spPr>
+      </p:pic>
+    </p:spTree>
+  </p:cSld>
+  <p:clrMapOvr>
+    <a:masterClrMapping/>
+  </p:clrMapOvr>
+</p:sld>
+</file>
+
+<file path=ppt/slides/slide44.xml><?xml version="1.0" encoding="utf-8"?>
+<p:sld xmlns:a="http://schemas.openxmlformats.org/drawingml/2006/main" xmlns:r="http://schemas.openxmlformats.org/officeDocument/2006/relationships" xmlns:p="http://schemas.openxmlformats.org/presentationml/2006/main">
+  <p:cSld>
+    <p:spTree>
+      <p:nvGrpSpPr>
+        <p:cNvPr id="1" name=""/>
+        <p:cNvGrpSpPr/>
+        <p:nvPr/>
+      </p:nvGrpSpPr>
+      <p:grpSpPr>
+        <a:xfrm>
+          <a:off x="0" y="0"/>
+          <a:ext cx="0" cy="0"/>
+          <a:chOff x="0" y="0"/>
+          <a:chExt cx="0" cy="0"/>
+        </a:xfrm>
+      </p:grpSpPr>
+      <p:sp>
+        <p:nvSpPr>
+          <p:cNvPr id="2" name="Title 1"/>
+          <p:cNvSpPr>
+            <a:spLocks noGrp="1"/>
+          </p:cNvSpPr>
+          <p:nvPr>
+            <p:ph type="title"/>
+          </p:nvPr>
+        </p:nvSpPr>
+        <p:spPr/>
+        <p:txBody>
+          <a:bodyPr/>
+          <a:lstStyle/>
+          <a:p>
+            <a:r>
               <a:rPr lang="en-IN" dirty="0" smtClean="0"/>
               <a:t>Event Listener</a:t>
             </a:r>
@@ -9060,7 +9152,7 @@
 </p:sld>
 </file>
 
-<file path=ppt/slides/slide44.xml><?xml version="1.0" encoding="utf-8"?>
+<file path=ppt/slides/slide45.xml><?xml version="1.0" encoding="utf-8"?>
 <p:sld xmlns:a="http://schemas.openxmlformats.org/drawingml/2006/main" xmlns:r="http://schemas.openxmlformats.org/officeDocument/2006/relationships" xmlns:p="http://schemas.openxmlformats.org/presentationml/2006/main">
   <p:cSld>
     <p:spTree>
@@ -9160,89 +9252,6 @@
 </p:sld>
 </file>
 
-<file path=ppt/slides/slide45.xml><?xml version="1.0" encoding="utf-8"?>
-<p:sld xmlns:a="http://schemas.openxmlformats.org/drawingml/2006/main" xmlns:r="http://schemas.openxmlformats.org/officeDocument/2006/relationships" xmlns:p="http://schemas.openxmlformats.org/presentationml/2006/main">
-  <p:cSld>
-    <p:spTree>
-      <p:nvGrpSpPr>
-        <p:cNvPr id="1" name=""/>
-        <p:cNvGrpSpPr/>
-        <p:nvPr/>
-      </p:nvGrpSpPr>
-      <p:grpSpPr>
-        <a:xfrm>
-          <a:off x="0" y="0"/>
-          <a:ext cx="0" cy="0"/>
-          <a:chOff x="0" y="0"/>
-          <a:chExt cx="0" cy="0"/>
-        </a:xfrm>
-      </p:grpSpPr>
-      <p:sp>
-        <p:nvSpPr>
-          <p:cNvPr id="2" name="Title 1"/>
-          <p:cNvSpPr>
-            <a:spLocks noGrp="1"/>
-          </p:cNvSpPr>
-          <p:nvPr>
-            <p:ph type="title"/>
-          </p:nvPr>
-        </p:nvSpPr>
-        <p:spPr/>
-        <p:txBody>
-          <a:bodyPr/>
-          <a:lstStyle/>
-          <a:p>
-            <a:r>
-              <a:rPr lang="en-IN" dirty="0" smtClean="0"/>
-              <a:t>Remove Event Listener</a:t>
-            </a:r>
-            <a:endParaRPr lang="en-US" dirty="0"/>
-          </a:p>
-        </p:txBody>
-      </p:sp>
-      <p:pic>
-        <p:nvPicPr>
-          <p:cNvPr id="27650" name="Picture 2"/>
-          <p:cNvPicPr>
-            <a:picLocks noGrp="1" noChangeAspect="1" noChangeArrowheads="1"/>
-          </p:cNvPicPr>
-          <p:nvPr>
-            <p:ph idx="1"/>
-          </p:nvPr>
-        </p:nvPicPr>
-        <p:blipFill>
-          <a:blip r:embed="rId2"/>
-          <a:srcRect/>
-          <a:stretch>
-            <a:fillRect/>
-          </a:stretch>
-        </p:blipFill>
-        <p:spPr bwMode="auto">
-          <a:xfrm>
-            <a:off x="979714" y="1489166"/>
-            <a:ext cx="10293532" cy="4950823"/>
-          </a:xfrm>
-          <a:prstGeom prst="rect">
-            <a:avLst/>
-          </a:prstGeom>
-          <a:noFill/>
-          <a:ln w="9525">
-            <a:noFill/>
-            <a:miter lim="800000"/>
-            <a:headEnd/>
-            <a:tailEnd/>
-          </a:ln>
-          <a:effectLst/>
-        </p:spPr>
-      </p:pic>
-    </p:spTree>
-  </p:cSld>
-  <p:clrMapOvr>
-    <a:masterClrMapping/>
-  </p:clrMapOvr>
-</p:sld>
-</file>
-
 <file path=ppt/slides/slide46.xml><?xml version="1.0" encoding="utf-8"?>
 <p:sld xmlns:a="http://schemas.openxmlformats.org/drawingml/2006/main" xmlns:r="http://schemas.openxmlformats.org/officeDocument/2006/relationships" xmlns:p="http://schemas.openxmlformats.org/presentationml/2006/main">
   <p:cSld>
@@ -9277,7 +9286,7 @@
           <a:p>
             <a:r>
               <a:rPr lang="en-IN" dirty="0" smtClean="0"/>
-              <a:t>Bubbling and Capturing</a:t>
+              <a:t>Remove Event Listener</a:t>
             </a:r>
             <a:endParaRPr lang="en-US" dirty="0"/>
           </a:p>
@@ -9285,7 +9294,7 @@
       </p:sp>
       <p:pic>
         <p:nvPicPr>
-          <p:cNvPr id="3074" name="Picture 2"/>
+          <p:cNvPr id="27650" name="Picture 2"/>
           <p:cNvPicPr>
             <a:picLocks noGrp="1" noChangeAspect="1" noChangeArrowheads="1"/>
           </p:cNvPicPr>
@@ -9302,8 +9311,8 @@
         </p:blipFill>
         <p:spPr bwMode="auto">
           <a:xfrm>
-            <a:off x="640080" y="1502230"/>
-            <a:ext cx="10946673" cy="4963884"/>
+            <a:off x="979714" y="1489166"/>
+            <a:ext cx="10293532" cy="4950823"/>
           </a:xfrm>
           <a:prstGeom prst="rect">
             <a:avLst/>
@@ -9358,13 +9367,17 @@
           <a:bodyPr/>
           <a:lstStyle/>
           <a:p>
-            <a:endParaRPr lang="en-US"/>
+            <a:r>
+              <a:rPr lang="en-IN" dirty="0" smtClean="0"/>
+              <a:t>Bubbling and Capturing</a:t>
+            </a:r>
+            <a:endParaRPr lang="en-US" dirty="0"/>
           </a:p>
         </p:txBody>
       </p:sp>
       <p:pic>
         <p:nvPicPr>
-          <p:cNvPr id="25602" name="Picture 2"/>
+          <p:cNvPr id="3074" name="Picture 2"/>
           <p:cNvPicPr>
             <a:picLocks noGrp="1" noChangeAspect="1" noChangeArrowheads="1"/>
           </p:cNvPicPr>
@@ -9381,8 +9394,8 @@
         </p:blipFill>
         <p:spPr bwMode="auto">
           <a:xfrm>
-            <a:off x="516965" y="362585"/>
-            <a:ext cx="10586464" cy="6077404"/>
+            <a:off x="640080" y="1502230"/>
+            <a:ext cx="10946673" cy="4963884"/>
           </a:xfrm>
           <a:prstGeom prst="rect">
             <a:avLst/>
@@ -9443,7 +9456,7 @@
       </p:sp>
       <p:pic>
         <p:nvPicPr>
-          <p:cNvPr id="26626" name="Picture 2"/>
+          <p:cNvPr id="25602" name="Picture 2"/>
           <p:cNvPicPr>
             <a:picLocks noGrp="1" noChangeAspect="1" noChangeArrowheads="1"/>
           </p:cNvPicPr>
@@ -9460,8 +9473,8 @@
         </p:blipFill>
         <p:spPr bwMode="auto">
           <a:xfrm>
-            <a:off x="752749" y="584654"/>
-            <a:ext cx="10350679" cy="5724706"/>
+            <a:off x="516965" y="362585"/>
+            <a:ext cx="10586464" cy="6077404"/>
           </a:xfrm>
           <a:prstGeom prst="rect">
             <a:avLst/>
@@ -9516,17 +9529,13 @@
           <a:bodyPr/>
           <a:lstStyle/>
           <a:p>
-            <a:r>
-              <a:rPr lang="en-IN" dirty="0" smtClean="0"/>
-              <a:t>Event Bubbling Example</a:t>
-            </a:r>
-            <a:endParaRPr lang="en-US" dirty="0"/>
+            <a:endParaRPr lang="en-US"/>
           </a:p>
         </p:txBody>
       </p:sp>
       <p:pic>
         <p:nvPicPr>
-          <p:cNvPr id="28674" name="Picture 2"/>
+          <p:cNvPr id="26626" name="Picture 2"/>
           <p:cNvPicPr>
             <a:picLocks noGrp="1" noChangeAspect="1" noChangeArrowheads="1"/>
           </p:cNvPicPr>
@@ -9543,8 +9552,8 @@
         </p:blipFill>
         <p:spPr bwMode="auto">
           <a:xfrm>
-            <a:off x="365760" y="1606730"/>
-            <a:ext cx="11103429" cy="4859383"/>
+            <a:off x="752749" y="584654"/>
+            <a:ext cx="10350679" cy="5724706"/>
           </a:xfrm>
           <a:prstGeom prst="rect">
             <a:avLst/>
@@ -9650,6 +9659,89 @@
 </p:sld>
 </file>
 
+<file path=ppt/slides/slide50.xml><?xml version="1.0" encoding="utf-8"?>
+<p:sld xmlns:a="http://schemas.openxmlformats.org/drawingml/2006/main" xmlns:r="http://schemas.openxmlformats.org/officeDocument/2006/relationships" xmlns:p="http://schemas.openxmlformats.org/presentationml/2006/main">
+  <p:cSld>
+    <p:spTree>
+      <p:nvGrpSpPr>
+        <p:cNvPr id="1" name=""/>
+        <p:cNvGrpSpPr/>
+        <p:nvPr/>
+      </p:nvGrpSpPr>
+      <p:grpSpPr>
+        <a:xfrm>
+          <a:off x="0" y="0"/>
+          <a:ext cx="0" cy="0"/>
+          <a:chOff x="0" y="0"/>
+          <a:chExt cx="0" cy="0"/>
+        </a:xfrm>
+      </p:grpSpPr>
+      <p:sp>
+        <p:nvSpPr>
+          <p:cNvPr id="2" name="Title 1"/>
+          <p:cNvSpPr>
+            <a:spLocks noGrp="1"/>
+          </p:cNvSpPr>
+          <p:nvPr>
+            <p:ph type="title"/>
+          </p:nvPr>
+        </p:nvSpPr>
+        <p:spPr/>
+        <p:txBody>
+          <a:bodyPr/>
+          <a:lstStyle/>
+          <a:p>
+            <a:r>
+              <a:rPr lang="en-IN" dirty="0" smtClean="0"/>
+              <a:t>Event Bubbling Example</a:t>
+            </a:r>
+            <a:endParaRPr lang="en-US" dirty="0"/>
+          </a:p>
+        </p:txBody>
+      </p:sp>
+      <p:pic>
+        <p:nvPicPr>
+          <p:cNvPr id="28674" name="Picture 2"/>
+          <p:cNvPicPr>
+            <a:picLocks noGrp="1" noChangeAspect="1" noChangeArrowheads="1"/>
+          </p:cNvPicPr>
+          <p:nvPr>
+            <p:ph idx="1"/>
+          </p:nvPr>
+        </p:nvPicPr>
+        <p:blipFill>
+          <a:blip r:embed="rId2"/>
+          <a:srcRect/>
+          <a:stretch>
+            <a:fillRect/>
+          </a:stretch>
+        </p:blipFill>
+        <p:spPr bwMode="auto">
+          <a:xfrm>
+            <a:off x="365760" y="1606730"/>
+            <a:ext cx="11103429" cy="4859383"/>
+          </a:xfrm>
+          <a:prstGeom prst="rect">
+            <a:avLst/>
+          </a:prstGeom>
+          <a:noFill/>
+          <a:ln w="9525">
+            <a:noFill/>
+            <a:miter lim="800000"/>
+            <a:headEnd/>
+            <a:tailEnd/>
+          </a:ln>
+          <a:effectLst/>
+        </p:spPr>
+      </p:pic>
+    </p:spTree>
+  </p:cSld>
+  <p:clrMapOvr>
+    <a:masterClrMapping/>
+  </p:clrMapOvr>
+</p:sld>
+</file>
+
 <file path=ppt/slides/slide6.xml><?xml version="1.0" encoding="utf-8"?>
 <p:sld xmlns:a="http://schemas.openxmlformats.org/drawingml/2006/main" xmlns:r="http://schemas.openxmlformats.org/officeDocument/2006/relationships" xmlns:p="http://schemas.openxmlformats.org/presentationml/2006/main">
   <p:cSld>
@@ -10037,7 +10129,7 @@
     </p:spTree>
     <p:extLst>
       <p:ext uri="{BB962C8B-B14F-4D97-AF65-F5344CB8AC3E}">
-        <p14:creationId xmlns="" xmlns:p14="http://schemas.microsoft.com/office/powerpoint/2010/main" val="3023151397"/>
+        <p14:creationId xmlns:p14="http://schemas.microsoft.com/office/powerpoint/2010/main" xmlns="" val="3023151397"/>
       </p:ext>
     </p:extLst>
   </p:cSld>
@@ -10613,7 +10705,7 @@
   <a:extraClrSchemeLst/>
   <a:extLst>
     <a:ext uri="{05A4C25C-085E-4340-85A3-A5531E510DB2}">
-      <thm15:themeFamily xmlns="" xmlns:thm15="http://schemas.microsoft.com/office/thememl/2012/main" name="Office Theme" id="{62F939B6-93AF-4DB8-9C6B-D6C7DFDC589F}" vid="{4A3C46E8-61CC-4603-A589-7422A47A8E4A}"/>
+      <thm15:themeFamily xmlns:thm15="http://schemas.microsoft.com/office/thememl/2012/main" xmlns="" name="Office Theme" id="{62F939B6-93AF-4DB8-9C6B-D6C7DFDC589F}" vid="{4A3C46E8-61CC-4603-A589-7422A47A8E4A}"/>
     </a:ext>
   </a:extLst>
 </a:theme>
